--- a/PiAndMore/Part-1--Breadboard/PiAndMore workshop physical computing with Arduino - part 1 - Beginners and Advanced.v0.3.pptx
+++ b/PiAndMore/Part-1--Breadboard/PiAndMore workshop physical computing with Arduino - part 1 - Beginners and Advanced.v0.3.pptx
@@ -5,7 +5,7 @@
     <p:sldMasterId id="2147483672" r:id="rId1"/>
   </p:sldMasterIdLst>
   <p:notesMasterIdLst>
-    <p:notesMasterId r:id="rId51"/>
+    <p:notesMasterId r:id="rId60"/>
   </p:notesMasterIdLst>
   <p:sldIdLst>
     <p:sldId id="256" r:id="rId2"/>
@@ -26,37 +26,46 @@
     <p:sldId id="310" r:id="rId17"/>
     <p:sldId id="311" r:id="rId18"/>
     <p:sldId id="293" r:id="rId19"/>
-    <p:sldId id="286" r:id="rId20"/>
-    <p:sldId id="285" r:id="rId21"/>
-    <p:sldId id="288" r:id="rId22"/>
-    <p:sldId id="287" r:id="rId23"/>
-    <p:sldId id="289" r:id="rId24"/>
-    <p:sldId id="290" r:id="rId25"/>
-    <p:sldId id="304" r:id="rId26"/>
-    <p:sldId id="291" r:id="rId27"/>
-    <p:sldId id="305" r:id="rId28"/>
-    <p:sldId id="271" r:id="rId29"/>
-    <p:sldId id="270" r:id="rId30"/>
-    <p:sldId id="307" r:id="rId31"/>
-    <p:sldId id="308" r:id="rId32"/>
-    <p:sldId id="272" r:id="rId33"/>
-    <p:sldId id="306" r:id="rId34"/>
-    <p:sldId id="312" r:id="rId35"/>
-    <p:sldId id="313" r:id="rId36"/>
-    <p:sldId id="314" r:id="rId37"/>
-    <p:sldId id="269" r:id="rId38"/>
-    <p:sldId id="315" r:id="rId39"/>
-    <p:sldId id="282" r:id="rId40"/>
-    <p:sldId id="302" r:id="rId41"/>
-    <p:sldId id="276" r:id="rId42"/>
-    <p:sldId id="295" r:id="rId43"/>
-    <p:sldId id="296" r:id="rId44"/>
-    <p:sldId id="297" r:id="rId45"/>
-    <p:sldId id="309" r:id="rId46"/>
-    <p:sldId id="298" r:id="rId47"/>
-    <p:sldId id="299" r:id="rId48"/>
-    <p:sldId id="300" r:id="rId49"/>
-    <p:sldId id="301" r:id="rId50"/>
+    <p:sldId id="324" r:id="rId20"/>
+    <p:sldId id="286" r:id="rId21"/>
+    <p:sldId id="285" r:id="rId22"/>
+    <p:sldId id="288" r:id="rId23"/>
+    <p:sldId id="287" r:id="rId24"/>
+    <p:sldId id="289" r:id="rId25"/>
+    <p:sldId id="290" r:id="rId26"/>
+    <p:sldId id="304" r:id="rId27"/>
+    <p:sldId id="291" r:id="rId28"/>
+    <p:sldId id="305" r:id="rId29"/>
+    <p:sldId id="271" r:id="rId30"/>
+    <p:sldId id="270" r:id="rId31"/>
+    <p:sldId id="316" r:id="rId32"/>
+    <p:sldId id="317" r:id="rId33"/>
+    <p:sldId id="307" r:id="rId34"/>
+    <p:sldId id="308" r:id="rId35"/>
+    <p:sldId id="272" r:id="rId36"/>
+    <p:sldId id="306" r:id="rId37"/>
+    <p:sldId id="312" r:id="rId38"/>
+    <p:sldId id="313" r:id="rId39"/>
+    <p:sldId id="314" r:id="rId40"/>
+    <p:sldId id="269" r:id="rId41"/>
+    <p:sldId id="315" r:id="rId42"/>
+    <p:sldId id="282" r:id="rId43"/>
+    <p:sldId id="302" r:id="rId44"/>
+    <p:sldId id="325" r:id="rId45"/>
+    <p:sldId id="276" r:id="rId46"/>
+    <p:sldId id="318" r:id="rId47"/>
+    <p:sldId id="319" r:id="rId48"/>
+    <p:sldId id="297" r:id="rId49"/>
+    <p:sldId id="320" r:id="rId50"/>
+    <p:sldId id="321" r:id="rId51"/>
+    <p:sldId id="322" r:id="rId52"/>
+    <p:sldId id="323" r:id="rId53"/>
+    <p:sldId id="309" r:id="rId54"/>
+    <p:sldId id="298" r:id="rId55"/>
+    <p:sldId id="300" r:id="rId56"/>
+    <p:sldId id="301" r:id="rId57"/>
+    <p:sldId id="326" r:id="rId58"/>
+    <p:sldId id="327" r:id="rId59"/>
   </p:sldIdLst>
   <p:sldSz cx="9144000" cy="5143500" type="screen16x9"/>
   <p:notesSz cx="6858000" cy="9144000"/>
@@ -256,7 +265,7 @@
             <a:fld id="{DB6A203D-5BB1-439B-9A8B-0C4974EC0C08}" type="datetimeFigureOut">
               <a:rPr lang="nl-NL" smtClean="0"/>
               <a:pPr/>
-              <a:t>17-6-2017</a:t>
+              <a:t>18-6-2017</a:t>
             </a:fld>
             <a:endParaRPr lang="nl-NL"/>
           </a:p>
@@ -1369,7 +1378,7 @@
               <a:pPr/>
               <a:t>‹nr.›</a:t>
             </a:fld>
-            <a:endParaRPr lang="nl-NL"/>
+            <a:endParaRPr lang="nl-NL" dirty="0"/>
           </a:p>
         </p:txBody>
       </p:sp>
@@ -2180,14 +2189,22 @@
         <p:spPr/>
         <p:txBody>
           <a:bodyPr/>
-          <a:lstStyle/>
+          <a:lstStyle>
+            <a:lvl1pPr>
+              <a:defRPr>
+                <a:solidFill>
+                  <a:srgbClr val="FF0000"/>
+                </a:solidFill>
+              </a:defRPr>
+            </a:lvl1pPr>
+          </a:lstStyle>
           <a:p>
             <a:fld id="{6802DAD7-DC19-4A9E-93C3-E71314786426}" type="slidenum">
               <a:rPr lang="nl-NL" smtClean="0"/>
               <a:pPr/>
               <a:t>‹nr.›</a:t>
             </a:fld>
-            <a:endParaRPr lang="nl-NL"/>
+            <a:endParaRPr lang="nl-NL" dirty="0"/>
           </a:p>
         </p:txBody>
       </p:sp>
@@ -2670,10 +2687,10 @@
           <a:lstStyle/>
           <a:p>
             <a:r>
-              <a:rPr lang="nl-NL" smtClean="0"/>
+              <a:rPr lang="nl-NL" dirty="0" smtClean="0"/>
               <a:t>Klik om de stijl te bewerken</a:t>
             </a:r>
-            <a:endParaRPr lang="nl-NL"/>
+            <a:endParaRPr lang="nl-NL" dirty="0"/>
           </a:p>
         </p:txBody>
       </p:sp>
@@ -2777,7 +2794,7 @@
               <a:pPr/>
               <a:t>‹nr.›</a:t>
             </a:fld>
-            <a:endParaRPr lang="nl-NL"/>
+            <a:endParaRPr lang="nl-NL" dirty="0"/>
           </a:p>
         </p:txBody>
       </p:sp>
@@ -2858,6 +2875,7 @@
     <p:sldLayoutId id="2147483682" r:id="rId11"/>
     <p:sldLayoutId id="2147483683" r:id="rId12"/>
   </p:sldLayoutIdLst>
+  <p:hf hdr="0" ftr="0" dt="0"/>
   <p:txStyles>
     <p:titleStyle>
       <a:lvl1pPr algn="l" defTabSz="914400" rtl="0" eaLnBrk="1" latinLnBrk="0" hangingPunct="1">
@@ -3425,11 +3443,7 @@
           <a:p>
             <a:r>
               <a:rPr lang="en-US" dirty="0" smtClean="0"/>
-              <a:t>You will find this presentation = the instruction at your </a:t>
-            </a:r>
-            <a:r>
-              <a:rPr lang="en-US" dirty="0" smtClean="0"/>
-              <a:t>desktop in the folder </a:t>
+              <a:t>You will find this presentation = the instruction at your desktop in the folder </a:t>
             </a:r>
             <a:r>
               <a:rPr lang="en-US" dirty="0" err="1" smtClean="0"/>
@@ -3444,15 +3458,7 @@
           <a:p>
             <a:r>
               <a:rPr lang="en-US" dirty="0" smtClean="0"/>
-              <a:t>If you already know the stuff </a:t>
-            </a:r>
-            <a:r>
-              <a:rPr lang="en-US" dirty="0" smtClean="0"/>
-              <a:t>in the presentation and </a:t>
-            </a:r>
-            <a:r>
-              <a:rPr lang="en-US" dirty="0" smtClean="0"/>
-              <a:t>get bored then feel free to work on your own</a:t>
+              <a:t>If you already know the stuff in the presentation and get bored then feel free to work on your own</a:t>
             </a:r>
           </a:p>
           <a:p>
@@ -3467,6 +3473,30 @@
               </a:rPr>
               <a:t></a:t>
             </a:r>
+            <a:endParaRPr lang="nl-NL" dirty="0"/>
+          </a:p>
+        </p:txBody>
+      </p:sp>
+      <p:sp>
+        <p:nvSpPr>
+          <p:cNvPr id="4" name="Tijdelijke aanduiding voor dianummer 3"/>
+          <p:cNvSpPr>
+            <a:spLocks noGrp="1"/>
+          </p:cNvSpPr>
+          <p:nvPr>
+            <p:ph type="sldNum" sz="quarter" idx="12"/>
+          </p:nvPr>
+        </p:nvSpPr>
+        <p:spPr/>
+        <p:txBody>
+          <a:bodyPr/>
+          <a:lstStyle/>
+          <a:p>
+            <a:fld id="{6802DAD7-DC19-4A9E-93C3-E71314786426}" type="slidenum">
+              <a:rPr lang="nl-NL" smtClean="0"/>
+              <a:pPr/>
+              <a:t>10</a:t>
+            </a:fld>
             <a:endParaRPr lang="nl-NL" dirty="0"/>
           </a:p>
         </p:txBody>
@@ -3613,6 +3643,30 @@
           <a:noFill/>
         </p:spPr>
       </p:pic>
+      <p:sp>
+        <p:nvSpPr>
+          <p:cNvPr id="6" name="Tijdelijke aanduiding voor dianummer 5"/>
+          <p:cNvSpPr>
+            <a:spLocks noGrp="1"/>
+          </p:cNvSpPr>
+          <p:nvPr>
+            <p:ph type="sldNum" sz="quarter" idx="12"/>
+          </p:nvPr>
+        </p:nvSpPr>
+        <p:spPr/>
+        <p:txBody>
+          <a:bodyPr/>
+          <a:lstStyle/>
+          <a:p>
+            <a:fld id="{6802DAD7-DC19-4A9E-93C3-E71314786426}" type="slidenum">
+              <a:rPr lang="nl-NL" smtClean="0"/>
+              <a:pPr/>
+              <a:t>11</a:t>
+            </a:fld>
+            <a:endParaRPr lang="nl-NL" dirty="0"/>
+          </a:p>
+        </p:txBody>
+      </p:sp>
     </p:spTree>
   </p:cSld>
   <p:clrMapOvr>
@@ -4476,6 +4530,30 @@
           </a:fontRef>
         </p:style>
       </p:cxnSp>
+      <p:sp>
+        <p:nvSpPr>
+          <p:cNvPr id="23" name="Tijdelijke aanduiding voor dianummer 22"/>
+          <p:cNvSpPr>
+            <a:spLocks noGrp="1"/>
+          </p:cNvSpPr>
+          <p:nvPr>
+            <p:ph type="sldNum" sz="quarter" idx="12"/>
+          </p:nvPr>
+        </p:nvSpPr>
+        <p:spPr/>
+        <p:txBody>
+          <a:bodyPr/>
+          <a:lstStyle/>
+          <a:p>
+            <a:fld id="{6802DAD7-DC19-4A9E-93C3-E71314786426}" type="slidenum">
+              <a:rPr lang="nl-NL" smtClean="0"/>
+              <a:pPr/>
+              <a:t>12</a:t>
+            </a:fld>
+            <a:endParaRPr lang="nl-NL" dirty="0"/>
+          </a:p>
+        </p:txBody>
+      </p:sp>
     </p:spTree>
   </p:cSld>
   <p:clrMapOvr>
@@ -4589,8 +4667,60 @@
             <a:pPr lvl="2"/>
             <a:r>
               <a:rPr lang="en-US" dirty="0" smtClean="0"/>
-              <a:t>for strange reasons it will not work although it used to in previous releases and still should.</a:t>
-            </a:r>
+              <a:t>for strange reasons it will not </a:t>
+            </a:r>
+            <a:r>
+              <a:rPr lang="en-US" dirty="0" smtClean="0"/>
+              <a:t>work via a (this) USB hub, </a:t>
+            </a:r>
+            <a:r>
+              <a:rPr lang="en-US" dirty="0" smtClean="0"/>
+              <a:t>although it used to in previous releases </a:t>
+            </a:r>
+            <a:r>
+              <a:rPr lang="en-US" dirty="0" smtClean="0"/>
+              <a:t>of </a:t>
+            </a:r>
+            <a:r>
+              <a:rPr lang="en-US" dirty="0" err="1" smtClean="0"/>
+              <a:t>Raspian</a:t>
+            </a:r>
+            <a:r>
+              <a:rPr lang="en-US" dirty="0" smtClean="0"/>
+              <a:t> (and </a:t>
+            </a:r>
+            <a:r>
+              <a:rPr lang="en-US" dirty="0" smtClean="0"/>
+              <a:t>still </a:t>
+            </a:r>
+            <a:r>
+              <a:rPr lang="en-US" dirty="0" smtClean="0"/>
+              <a:t>should).</a:t>
+            </a:r>
+            <a:endParaRPr lang="nl-NL" dirty="0"/>
+          </a:p>
+        </p:txBody>
+      </p:sp>
+      <p:sp>
+        <p:nvSpPr>
+          <p:cNvPr id="4" name="Tijdelijke aanduiding voor dianummer 3"/>
+          <p:cNvSpPr>
+            <a:spLocks noGrp="1"/>
+          </p:cNvSpPr>
+          <p:nvPr>
+            <p:ph type="sldNum" sz="quarter" idx="12"/>
+          </p:nvPr>
+        </p:nvSpPr>
+        <p:spPr/>
+        <p:txBody>
+          <a:bodyPr/>
+          <a:lstStyle/>
+          <a:p>
+            <a:fld id="{6802DAD7-DC19-4A9E-93C3-E71314786426}" type="slidenum">
+              <a:rPr lang="nl-NL" smtClean="0"/>
+              <a:pPr/>
+              <a:t>13</a:t>
+            </a:fld>
             <a:endParaRPr lang="nl-NL" dirty="0"/>
           </a:p>
         </p:txBody>
@@ -4826,17 +4956,8 @@
             </a:r>
             <a:r>
               <a:rPr lang="en-US" sz="1400" dirty="0" smtClean="0"/>
-              <a:t> is </a:t>
-            </a:r>
-            <a:r>
-              <a:rPr lang="en-US" sz="1400" dirty="0" smtClean="0"/>
-              <a:t>connected (normally /dev/tty</a:t>
-            </a:r>
-            <a:r>
-              <a:rPr lang="en-US" sz="1400" dirty="0" smtClean="0"/>
-              <a:t>USB0)</a:t>
-            </a:r>
-            <a:endParaRPr lang="en-US" sz="1400" dirty="0" smtClean="0"/>
+              <a:t> is connected (normally /dev/ttyUSB0)</a:t>
+            </a:r>
           </a:p>
           <a:p>
             <a:r>
@@ -4946,6 +5067,30 @@
           </a:fontRef>
         </p:style>
       </p:cxnSp>
+      <p:sp>
+        <p:nvSpPr>
+          <p:cNvPr id="7" name="Tijdelijke aanduiding voor dianummer 6"/>
+          <p:cNvSpPr>
+            <a:spLocks noGrp="1"/>
+          </p:cNvSpPr>
+          <p:nvPr>
+            <p:ph type="sldNum" sz="quarter" idx="12"/>
+          </p:nvPr>
+        </p:nvSpPr>
+        <p:spPr/>
+        <p:txBody>
+          <a:bodyPr/>
+          <a:lstStyle/>
+          <a:p>
+            <a:fld id="{6802DAD7-DC19-4A9E-93C3-E71314786426}" type="slidenum">
+              <a:rPr lang="nl-NL" smtClean="0"/>
+              <a:pPr/>
+              <a:t>14</a:t>
+            </a:fld>
+            <a:endParaRPr lang="nl-NL" dirty="0"/>
+          </a:p>
+        </p:txBody>
+      </p:sp>
     </p:spTree>
   </p:cSld>
   <p:clrMapOvr>
@@ -5067,17 +5212,85 @@
             </a:r>
             <a:r>
               <a:rPr lang="en-US" dirty="0" smtClean="0"/>
-              <a:t> and chose Execute.</a:t>
+              <a:t> and chose </a:t>
+            </a:r>
+            <a:r>
+              <a:rPr lang="en-US" i="1" dirty="0" smtClean="0"/>
+              <a:t>Execute</a:t>
+            </a:r>
+            <a:r>
+              <a:rPr lang="en-US" dirty="0" smtClean="0"/>
+              <a:t>.</a:t>
             </a:r>
           </a:p>
           <a:p>
             <a:pPr lvl="1"/>
             <a:r>
               <a:rPr lang="en-US" dirty="0" smtClean="0"/>
-              <a:t>If the file opens rather than presenting the choice, then you must set execute permissions first.</a:t>
-            </a:r>
-          </a:p>
-          <a:p>
+              <a:t>If the file opens rather than presenting the choice, then you must set execute permissions first</a:t>
+            </a:r>
+            <a:r>
+              <a:rPr lang="en-US" dirty="0" smtClean="0"/>
+              <a:t>.</a:t>
+            </a:r>
+          </a:p>
+          <a:p>
+            <a:pPr lvl="1"/>
+            <a:r>
+              <a:rPr lang="en-US" dirty="0" smtClean="0"/>
+              <a:t>To set permissions: right click on the icon, choose </a:t>
+            </a:r>
+            <a:r>
+              <a:rPr lang="en-US" i="1" dirty="0" smtClean="0"/>
+              <a:t>properties</a:t>
+            </a:r>
+            <a:r>
+              <a:rPr lang="en-US" dirty="0" smtClean="0"/>
+              <a:t>, then </a:t>
+            </a:r>
+            <a:r>
+              <a:rPr lang="en-US" i="1" dirty="0" smtClean="0"/>
+              <a:t>permissions</a:t>
+            </a:r>
+            <a:r>
+              <a:rPr lang="en-US" dirty="0" smtClean="0"/>
+              <a:t> and set execute rights to at least </a:t>
+            </a:r>
+            <a:r>
+              <a:rPr lang="en-US" i="1" dirty="0" smtClean="0"/>
+              <a:t>owner</a:t>
+            </a:r>
+            <a:r>
+              <a:rPr lang="en-US" dirty="0" smtClean="0"/>
+              <a:t>.</a:t>
+            </a:r>
+            <a:endParaRPr lang="en-US" dirty="0" smtClean="0"/>
+          </a:p>
+          <a:p>
+            <a:endParaRPr lang="nl-NL" dirty="0"/>
+          </a:p>
+        </p:txBody>
+      </p:sp>
+      <p:sp>
+        <p:nvSpPr>
+          <p:cNvPr id="4" name="Tijdelijke aanduiding voor dianummer 3"/>
+          <p:cNvSpPr>
+            <a:spLocks noGrp="1"/>
+          </p:cNvSpPr>
+          <p:nvPr>
+            <p:ph type="sldNum" sz="quarter" idx="12"/>
+          </p:nvPr>
+        </p:nvSpPr>
+        <p:spPr/>
+        <p:txBody>
+          <a:bodyPr/>
+          <a:lstStyle/>
+          <a:p>
+            <a:fld id="{6802DAD7-DC19-4A9E-93C3-E71314786426}" type="slidenum">
+              <a:rPr lang="nl-NL" smtClean="0"/>
+              <a:pPr/>
+              <a:t>15</a:t>
+            </a:fld>
             <a:endParaRPr lang="nl-NL" dirty="0"/>
           </a:p>
         </p:txBody>
@@ -5148,12 +5361,141 @@
             <p:ph idx="1"/>
           </p:nvPr>
         </p:nvSpPr>
+        <p:spPr>
+          <a:xfrm>
+            <a:off x="4427984" y="1200151"/>
+            <a:ext cx="4258816" cy="3394472"/>
+          </a:xfrm>
+        </p:spPr>
+        <p:txBody>
+          <a:bodyPr>
+            <a:normAutofit fontScale="70000" lnSpcReduction="20000"/>
+          </a:bodyPr>
+          <a:lstStyle/>
+          <a:p>
+            <a:r>
+              <a:rPr lang="en-US" dirty="0" smtClean="0"/>
+              <a:t>Double click a cell to get a drop down menu</a:t>
+            </a:r>
+          </a:p>
+          <a:p>
+            <a:pPr lvl="1"/>
+            <a:r>
+              <a:rPr lang="en-US" dirty="0" smtClean="0"/>
+              <a:t>First for </a:t>
+            </a:r>
+            <a:r>
+              <a:rPr lang="en-US" i="1" dirty="0" smtClean="0"/>
+              <a:t>direction</a:t>
+            </a:r>
+            <a:r>
+              <a:rPr lang="en-US" dirty="0" smtClean="0"/>
+              <a:t> then for </a:t>
+            </a:r>
+            <a:r>
+              <a:rPr lang="en-US" i="1" dirty="0" smtClean="0"/>
+              <a:t>function</a:t>
+            </a:r>
+            <a:r>
+              <a:rPr lang="en-US" dirty="0" smtClean="0"/>
+              <a:t>.</a:t>
+            </a:r>
+            <a:endParaRPr lang="en-US" dirty="0" smtClean="0"/>
+          </a:p>
+          <a:p>
+            <a:r>
+              <a:rPr lang="en-US" dirty="0" smtClean="0"/>
+              <a:t>Make sure to give all pins a name if you chose something else than void</a:t>
+            </a:r>
+          </a:p>
+          <a:p>
+            <a:pPr lvl="1"/>
+            <a:r>
+              <a:rPr lang="en-US" dirty="0" smtClean="0"/>
+              <a:t>So make sure not to save if you still have red borders around cells. </a:t>
+            </a:r>
+            <a:r>
+              <a:rPr lang="en-US" dirty="0" err="1" smtClean="0"/>
+              <a:t>scratchClient</a:t>
+            </a:r>
+            <a:r>
+              <a:rPr lang="en-US" dirty="0" smtClean="0"/>
+              <a:t> will fail to start with such a </a:t>
+            </a:r>
+            <a:r>
+              <a:rPr lang="en-US" dirty="0" err="1" smtClean="0"/>
+              <a:t>config</a:t>
+            </a:r>
+            <a:r>
+              <a:rPr lang="en-US" dirty="0" smtClean="0"/>
+              <a:t> file.</a:t>
+            </a:r>
+          </a:p>
+          <a:p>
+            <a:r>
+              <a:rPr lang="en-US" dirty="0" smtClean="0"/>
+              <a:t>The tool checks wrong configurations. Examples:</a:t>
+            </a:r>
+          </a:p>
+          <a:p>
+            <a:pPr lvl="1"/>
+            <a:r>
+              <a:rPr lang="en-US" dirty="0" smtClean="0"/>
+              <a:t>Pins 0, 1 and 13 cannot be used at all</a:t>
+            </a:r>
+          </a:p>
+          <a:p>
+            <a:pPr lvl="1"/>
+            <a:r>
+              <a:rPr lang="en-US" dirty="0" smtClean="0"/>
+              <a:t>Analog in only available on A0 to </a:t>
+            </a:r>
+            <a:r>
+              <a:rPr lang="en-US" dirty="0" smtClean="0"/>
+              <a:t>A7</a:t>
+            </a:r>
+          </a:p>
+          <a:p>
+            <a:pPr lvl="1"/>
+            <a:r>
+              <a:rPr lang="en-US" dirty="0" smtClean="0"/>
+              <a:t>Pins A6 and A7 can only be used for analog in</a:t>
+            </a:r>
+          </a:p>
+          <a:p>
+            <a:pPr lvl="1"/>
+            <a:r>
+              <a:rPr lang="en-US" dirty="0" smtClean="0"/>
+              <a:t>Pins 10 and 11 cannot be used for PWM if any pin is configured for servo (see later)</a:t>
+            </a:r>
+          </a:p>
+          <a:p>
+            <a:pPr lvl="1"/>
+            <a:endParaRPr lang="nl-NL" dirty="0"/>
+          </a:p>
+        </p:txBody>
+      </p:sp>
+      <p:sp>
+        <p:nvSpPr>
+          <p:cNvPr id="4" name="Tijdelijke aanduiding voor dianummer 3"/>
+          <p:cNvSpPr>
+            <a:spLocks noGrp="1"/>
+          </p:cNvSpPr>
+          <p:nvPr>
+            <p:ph type="sldNum" sz="quarter" idx="12"/>
+          </p:nvPr>
+        </p:nvSpPr>
         <p:spPr/>
         <p:txBody>
           <a:bodyPr/>
           <a:lstStyle/>
           <a:p>
-            <a:endParaRPr lang="nl-NL"/>
+            <a:fld id="{6802DAD7-DC19-4A9E-93C3-E71314786426}" type="slidenum">
+              <a:rPr lang="nl-NL" smtClean="0"/>
+              <a:pPr/>
+              <a:t>16</a:t>
+            </a:fld>
+            <a:endParaRPr lang="nl-NL" dirty="0"/>
           </a:p>
         </p:txBody>
       </p:sp>
@@ -5233,7 +5575,7 @@
               <a:t>Save the file in the folder </a:t>
             </a:r>
             <a:r>
-              <a:rPr lang="en-US" dirty="0" err="1" smtClean="0"/>
+              <a:rPr lang="en-US" i="1" dirty="0" err="1" smtClean="0"/>
               <a:t>PiAndMore</a:t>
             </a:r>
             <a:r>
@@ -5244,14 +5586,46 @@
           <a:p>
             <a:r>
               <a:rPr lang="en-US" dirty="0" smtClean="0"/>
-              <a:t>Call it PiAndMore.xml</a:t>
-            </a:r>
-          </a:p>
-          <a:p>
-            <a:r>
-              <a:rPr lang="en-US" dirty="0" smtClean="0"/>
-              <a:t>Leave the tool open</a:t>
-            </a:r>
+              <a:t>Call it </a:t>
+            </a:r>
+            <a:r>
+              <a:rPr lang="en-US" i="1" dirty="0" smtClean="0"/>
+              <a:t>PiAndMore.xml</a:t>
+            </a:r>
+          </a:p>
+          <a:p>
+            <a:r>
+              <a:rPr lang="en-US" dirty="0" smtClean="0"/>
+              <a:t>Leave the tool </a:t>
+            </a:r>
+            <a:r>
+              <a:rPr lang="en-US" dirty="0" smtClean="0"/>
+              <a:t>open for the next exercises. </a:t>
+            </a:r>
+            <a:endParaRPr lang="nl-NL" dirty="0"/>
+          </a:p>
+        </p:txBody>
+      </p:sp>
+      <p:sp>
+        <p:nvSpPr>
+          <p:cNvPr id="4" name="Tijdelijke aanduiding voor dianummer 3"/>
+          <p:cNvSpPr>
+            <a:spLocks noGrp="1"/>
+          </p:cNvSpPr>
+          <p:nvPr>
+            <p:ph type="sldNum" sz="quarter" idx="12"/>
+          </p:nvPr>
+        </p:nvSpPr>
+        <p:spPr/>
+        <p:txBody>
+          <a:bodyPr/>
+          <a:lstStyle/>
+          <a:p>
+            <a:fld id="{6802DAD7-DC19-4A9E-93C3-E71314786426}" type="slidenum">
+              <a:rPr lang="nl-NL" smtClean="0"/>
+              <a:pPr/>
+              <a:t>17</a:t>
+            </a:fld>
             <a:endParaRPr lang="nl-NL" dirty="0"/>
           </a:p>
         </p:txBody>
@@ -5358,6 +5732,30 @@
           <a:noFill/>
         </p:spPr>
       </p:pic>
+      <p:sp>
+        <p:nvSpPr>
+          <p:cNvPr id="6" name="Tijdelijke aanduiding voor dianummer 5"/>
+          <p:cNvSpPr>
+            <a:spLocks noGrp="1"/>
+          </p:cNvSpPr>
+          <p:nvPr>
+            <p:ph type="sldNum" sz="quarter" idx="12"/>
+          </p:nvPr>
+        </p:nvSpPr>
+        <p:spPr/>
+        <p:txBody>
+          <a:bodyPr/>
+          <a:lstStyle/>
+          <a:p>
+            <a:fld id="{6802DAD7-DC19-4A9E-93C3-E71314786426}" type="slidenum">
+              <a:rPr lang="nl-NL" smtClean="0"/>
+              <a:pPr/>
+              <a:t>18</a:t>
+            </a:fld>
+            <a:endParaRPr lang="nl-NL" dirty="0"/>
+          </a:p>
+        </p:txBody>
+      </p:sp>
     </p:spTree>
   </p:cSld>
   <p:clrMapOvr>
@@ -5367,6 +5765,448 @@
 </file>
 
 <file path=ppt/slides/slide19.xml><?xml version="1.0" encoding="utf-8"?>
+<p:sld xmlns:a="http://schemas.openxmlformats.org/drawingml/2006/main" xmlns:r="http://schemas.openxmlformats.org/officeDocument/2006/relationships" xmlns:p="http://schemas.openxmlformats.org/presentationml/2006/main">
+  <p:cSld>
+    <p:spTree>
+      <p:nvGrpSpPr>
+        <p:cNvPr id="1" name=""/>
+        <p:cNvGrpSpPr/>
+        <p:nvPr/>
+      </p:nvGrpSpPr>
+      <p:grpSpPr>
+        <a:xfrm>
+          <a:off x="0" y="0"/>
+          <a:ext cx="0" cy="0"/>
+          <a:chOff x="0" y="0"/>
+          <a:chExt cx="0" cy="0"/>
+        </a:xfrm>
+      </p:grpSpPr>
+      <p:sp>
+        <p:nvSpPr>
+          <p:cNvPr id="2" name="Titel 1"/>
+          <p:cNvSpPr>
+            <a:spLocks noGrp="1"/>
+          </p:cNvSpPr>
+          <p:nvPr>
+            <p:ph type="title"/>
+          </p:nvPr>
+        </p:nvSpPr>
+        <p:spPr>
+          <a:xfrm>
+            <a:off x="457200" y="205979"/>
+            <a:ext cx="8686800" cy="857250"/>
+          </a:xfrm>
+        </p:spPr>
+        <p:txBody>
+          <a:bodyPr>
+            <a:normAutofit fontScale="90000"/>
+          </a:bodyPr>
+          <a:lstStyle/>
+          <a:p>
+            <a:r>
+              <a:rPr lang="en-US" dirty="0" smtClean="0"/>
+              <a:t>Use short wires / Use the indicated holes</a:t>
+            </a:r>
+            <a:endParaRPr lang="nl-NL" dirty="0"/>
+          </a:p>
+        </p:txBody>
+      </p:sp>
+      <p:sp>
+        <p:nvSpPr>
+          <p:cNvPr id="3" name="Tijdelijke aanduiding voor inhoud 2"/>
+          <p:cNvSpPr>
+            <a:spLocks noGrp="1"/>
+          </p:cNvSpPr>
+          <p:nvPr>
+            <p:ph idx="1"/>
+          </p:nvPr>
+        </p:nvSpPr>
+        <p:spPr/>
+        <p:txBody>
+          <a:bodyPr/>
+          <a:lstStyle/>
+          <a:p>
+            <a:r>
+              <a:rPr lang="en-US" dirty="0" smtClean="0"/>
+              <a:t>There are some short wires (10 cm) and some longer (15 cm)</a:t>
+            </a:r>
+          </a:p>
+          <a:p>
+            <a:r>
+              <a:rPr lang="en-US" dirty="0" smtClean="0"/>
+              <a:t>Use the shortest that you can</a:t>
+            </a:r>
+          </a:p>
+          <a:p>
+            <a:pPr lvl="1"/>
+            <a:r>
+              <a:rPr lang="en-US" dirty="0" smtClean="0"/>
+              <a:t>Get a less messy setup</a:t>
+            </a:r>
+          </a:p>
+          <a:p>
+            <a:pPr lvl="1"/>
+            <a:r>
+              <a:rPr lang="en-US" dirty="0" smtClean="0"/>
+              <a:t>You may run out of long wires</a:t>
+            </a:r>
+          </a:p>
+          <a:p>
+            <a:r>
+              <a:rPr lang="en-US" dirty="0" smtClean="0"/>
+              <a:t>You can in principle build up at different places on the breadboard</a:t>
+            </a:r>
+          </a:p>
+          <a:p>
+            <a:pPr lvl="1"/>
+            <a:r>
+              <a:rPr lang="en-US" dirty="0" smtClean="0"/>
+              <a:t>However, please use the indicated columns to avoid running out of space on the breadboard in the later part of the exercise. </a:t>
+            </a:r>
+            <a:endParaRPr lang="nl-NL" dirty="0"/>
+          </a:p>
+        </p:txBody>
+      </p:sp>
+      <p:sp>
+        <p:nvSpPr>
+          <p:cNvPr id="4" name="Tijdelijke aanduiding voor dianummer 3"/>
+          <p:cNvSpPr>
+            <a:spLocks noGrp="1"/>
+          </p:cNvSpPr>
+          <p:nvPr>
+            <p:ph type="sldNum" sz="quarter" idx="12"/>
+          </p:nvPr>
+        </p:nvSpPr>
+        <p:spPr/>
+        <p:txBody>
+          <a:bodyPr/>
+          <a:lstStyle/>
+          <a:p>
+            <a:fld id="{6802DAD7-DC19-4A9E-93C3-E71314786426}" type="slidenum">
+              <a:rPr lang="nl-NL" smtClean="0"/>
+              <a:pPr/>
+              <a:t>19</a:t>
+            </a:fld>
+            <a:endParaRPr lang="nl-NL" dirty="0"/>
+          </a:p>
+        </p:txBody>
+      </p:sp>
+    </p:spTree>
+  </p:cSld>
+  <p:clrMapOvr>
+    <a:masterClrMapping/>
+  </p:clrMapOvr>
+</p:sld>
+</file>
+
+<file path=ppt/slides/slide2.xml><?xml version="1.0" encoding="utf-8"?>
+<p:sld xmlns:a="http://schemas.openxmlformats.org/drawingml/2006/main" xmlns:r="http://schemas.openxmlformats.org/officeDocument/2006/relationships" xmlns:p="http://schemas.openxmlformats.org/presentationml/2006/main">
+  <p:cSld>
+    <p:spTree>
+      <p:nvGrpSpPr>
+        <p:cNvPr id="1" name=""/>
+        <p:cNvGrpSpPr/>
+        <p:nvPr/>
+      </p:nvGrpSpPr>
+      <p:grpSpPr>
+        <a:xfrm>
+          <a:off x="0" y="0"/>
+          <a:ext cx="0" cy="0"/>
+          <a:chOff x="0" y="0"/>
+          <a:chExt cx="0" cy="0"/>
+        </a:xfrm>
+      </p:grpSpPr>
+      <p:pic>
+        <p:nvPicPr>
+          <p:cNvPr id="3075" name="Picture 3" descr="C:\Users\M5810video\Pictures\Picasa\Exports\2016-11-27 - Weekendschool Programmeren Les 3\2-P1020534 - kopie.JPG"/>
+          <p:cNvPicPr>
+            <a:picLocks noChangeAspect="1" noChangeArrowheads="1"/>
+          </p:cNvPicPr>
+          <p:nvPr/>
+        </p:nvPicPr>
+        <p:blipFill>
+          <a:blip r:embed="rId2" cstate="print"/>
+          <a:srcRect/>
+          <a:stretch>
+            <a:fillRect/>
+          </a:stretch>
+        </p:blipFill>
+        <p:spPr bwMode="auto">
+          <a:xfrm>
+            <a:off x="3419872" y="195486"/>
+            <a:ext cx="2067700" cy="3384376"/>
+          </a:xfrm>
+          <a:prstGeom prst="rect">
+            <a:avLst/>
+          </a:prstGeom>
+          <a:noFill/>
+        </p:spPr>
+      </p:pic>
+      <p:sp>
+        <p:nvSpPr>
+          <p:cNvPr id="2" name="Titel 1"/>
+          <p:cNvSpPr>
+            <a:spLocks noGrp="1"/>
+          </p:cNvSpPr>
+          <p:nvPr>
+            <p:ph type="title"/>
+          </p:nvPr>
+        </p:nvSpPr>
+        <p:spPr/>
+        <p:txBody>
+          <a:bodyPr/>
+          <a:lstStyle/>
+          <a:p>
+            <a:r>
+              <a:rPr lang="en-US" dirty="0" smtClean="0"/>
+              <a:t>Ergonomics</a:t>
+            </a:r>
+            <a:endParaRPr lang="nl-NL" dirty="0"/>
+          </a:p>
+        </p:txBody>
+      </p:sp>
+      <p:sp>
+        <p:nvSpPr>
+          <p:cNvPr id="3" name="Tijdelijke aanduiding voor inhoud 2"/>
+          <p:cNvSpPr>
+            <a:spLocks noGrp="1"/>
+          </p:cNvSpPr>
+          <p:nvPr>
+            <p:ph idx="1"/>
+          </p:nvPr>
+        </p:nvSpPr>
+        <p:spPr>
+          <a:xfrm>
+            <a:off x="457200" y="1200151"/>
+            <a:ext cx="2818656" cy="3027783"/>
+          </a:xfrm>
+        </p:spPr>
+        <p:txBody>
+          <a:bodyPr>
+            <a:normAutofit fontScale="70000" lnSpcReduction="20000"/>
+          </a:bodyPr>
+          <a:lstStyle/>
+          <a:p>
+            <a:r>
+              <a:rPr lang="en-US" dirty="0" smtClean="0"/>
+              <a:t>At the </a:t>
+            </a:r>
+            <a:r>
+              <a:rPr lang="en-US" dirty="0" err="1" smtClean="0"/>
+              <a:t>Weekendschool</a:t>
+            </a:r>
+            <a:r>
+              <a:rPr lang="en-US" dirty="0" smtClean="0"/>
+              <a:t> we teach children 5 golden rules how to sit when using computers:</a:t>
+            </a:r>
+          </a:p>
+          <a:p>
+            <a:pPr lvl="1"/>
+            <a:r>
+              <a:rPr lang="en-US" dirty="0" smtClean="0"/>
+              <a:t>Rest your arms on the table in a natural fashion.</a:t>
+            </a:r>
+          </a:p>
+          <a:p>
+            <a:pPr lvl="1"/>
+            <a:r>
+              <a:rPr lang="en-US" dirty="0" smtClean="0"/>
+              <a:t>If you do not need the keyboard, move it up and give room to the mouse.</a:t>
+            </a:r>
+          </a:p>
+          <a:p>
+            <a:pPr lvl="1"/>
+            <a:r>
+              <a:rPr lang="en-US" dirty="0" smtClean="0"/>
+              <a:t>Have the monitor at arms length.</a:t>
+            </a:r>
+          </a:p>
+          <a:p>
+            <a:pPr lvl="1"/>
+            <a:r>
+              <a:rPr lang="en-US" dirty="0" smtClean="0"/>
+              <a:t>Change position (lean forward, backward etc.).</a:t>
+            </a:r>
+          </a:p>
+          <a:p>
+            <a:pPr lvl="1"/>
+            <a:r>
+              <a:rPr lang="en-US" dirty="0" smtClean="0"/>
+              <a:t>Frequently stop, walk around and exercise.</a:t>
+            </a:r>
+            <a:endParaRPr lang="nl-NL" dirty="0"/>
+          </a:p>
+        </p:txBody>
+      </p:sp>
+      <p:pic>
+        <p:nvPicPr>
+          <p:cNvPr id="3074" name="Picture 2" descr="C:\Users\M5810video\Pictures\Picasa\Exports\2016-11-27 - Weekendschool Programmeren Les 3\1-P1020534.JPG"/>
+          <p:cNvPicPr>
+            <a:picLocks noChangeAspect="1" noChangeArrowheads="1"/>
+          </p:cNvPicPr>
+          <p:nvPr/>
+        </p:nvPicPr>
+        <p:blipFill>
+          <a:blip r:embed="rId3" cstate="print"/>
+          <a:srcRect/>
+          <a:stretch>
+            <a:fillRect/>
+          </a:stretch>
+        </p:blipFill>
+        <p:spPr bwMode="auto">
+          <a:xfrm>
+            <a:off x="5580112" y="195485"/>
+            <a:ext cx="3336032" cy="4448043"/>
+          </a:xfrm>
+          <a:prstGeom prst="rect">
+            <a:avLst/>
+          </a:prstGeom>
+          <a:noFill/>
+        </p:spPr>
+      </p:pic>
+      <p:sp>
+        <p:nvSpPr>
+          <p:cNvPr id="5" name="Tekstvak 4"/>
+          <p:cNvSpPr txBox="1"/>
+          <p:nvPr/>
+        </p:nvSpPr>
+        <p:spPr>
+          <a:xfrm>
+            <a:off x="3491880" y="4155926"/>
+            <a:ext cx="2016224" cy="923330"/>
+          </a:xfrm>
+          <a:prstGeom prst="rect">
+            <a:avLst/>
+          </a:prstGeom>
+          <a:noFill/>
+        </p:spPr>
+        <p:txBody>
+          <a:bodyPr wrap="square" rtlCol="0">
+            <a:spAutoFit/>
+          </a:bodyPr>
+          <a:lstStyle/>
+          <a:p>
+            <a:r>
+              <a:rPr lang="en-US" dirty="0" smtClean="0"/>
+              <a:t>To change the height, use the two upper </a:t>
+            </a:r>
+            <a:r>
+              <a:rPr lang="en-US" dirty="0" err="1" smtClean="0"/>
+              <a:t>wingnuts</a:t>
+            </a:r>
+            <a:r>
+              <a:rPr lang="en-US" dirty="0" smtClean="0"/>
+              <a:t>.</a:t>
+            </a:r>
+            <a:endParaRPr lang="nl-NL" dirty="0"/>
+          </a:p>
+        </p:txBody>
+      </p:sp>
+      <p:cxnSp>
+        <p:nvCxnSpPr>
+          <p:cNvPr id="7" name="Rechte verbindingslijn met pijl 6"/>
+          <p:cNvCxnSpPr/>
+          <p:nvPr/>
+        </p:nvCxnSpPr>
+        <p:spPr>
+          <a:xfrm flipV="1">
+            <a:off x="3851920" y="2571750"/>
+            <a:ext cx="432048" cy="1584176"/>
+          </a:xfrm>
+          <a:prstGeom prst="straightConnector1">
+            <a:avLst/>
+          </a:prstGeom>
+          <a:ln w="38100">
+            <a:solidFill>
+              <a:srgbClr val="00CC66"/>
+            </a:solidFill>
+            <a:tailEnd type="arrow"/>
+          </a:ln>
+        </p:spPr>
+        <p:style>
+          <a:lnRef idx="1">
+            <a:schemeClr val="accent1"/>
+          </a:lnRef>
+          <a:fillRef idx="0">
+            <a:schemeClr val="accent1"/>
+          </a:fillRef>
+          <a:effectRef idx="0">
+            <a:schemeClr val="accent1"/>
+          </a:effectRef>
+          <a:fontRef idx="minor">
+            <a:schemeClr val="tx1"/>
+          </a:fontRef>
+        </p:style>
+      </p:cxnSp>
+      <p:cxnSp>
+        <p:nvCxnSpPr>
+          <p:cNvPr id="12" name="Rechte verbindingslijn met pijl 11"/>
+          <p:cNvCxnSpPr/>
+          <p:nvPr/>
+        </p:nvCxnSpPr>
+        <p:spPr>
+          <a:xfrm flipH="1" flipV="1">
+            <a:off x="4572000" y="2211710"/>
+            <a:ext cx="504056" cy="2016224"/>
+          </a:xfrm>
+          <a:prstGeom prst="straightConnector1">
+            <a:avLst/>
+          </a:prstGeom>
+          <a:ln w="38100">
+            <a:solidFill>
+              <a:srgbClr val="00CC66"/>
+            </a:solidFill>
+            <a:tailEnd type="arrow"/>
+          </a:ln>
+        </p:spPr>
+        <p:style>
+          <a:lnRef idx="1">
+            <a:schemeClr val="accent1"/>
+          </a:lnRef>
+          <a:fillRef idx="0">
+            <a:schemeClr val="accent1"/>
+          </a:fillRef>
+          <a:effectRef idx="0">
+            <a:schemeClr val="accent1"/>
+          </a:effectRef>
+          <a:fontRef idx="minor">
+            <a:schemeClr val="tx1"/>
+          </a:fontRef>
+        </p:style>
+      </p:cxnSp>
+      <p:sp>
+        <p:nvSpPr>
+          <p:cNvPr id="9" name="Tijdelijke aanduiding voor dianummer 8"/>
+          <p:cNvSpPr>
+            <a:spLocks noGrp="1"/>
+          </p:cNvSpPr>
+          <p:nvPr>
+            <p:ph type="sldNum" sz="quarter" idx="12"/>
+          </p:nvPr>
+        </p:nvSpPr>
+        <p:spPr/>
+        <p:txBody>
+          <a:bodyPr/>
+          <a:lstStyle/>
+          <a:p>
+            <a:fld id="{6802DAD7-DC19-4A9E-93C3-E71314786426}" type="slidenum">
+              <a:rPr lang="nl-NL" smtClean="0"/>
+              <a:pPr/>
+              <a:t>2</a:t>
+            </a:fld>
+            <a:endParaRPr lang="nl-NL" dirty="0"/>
+          </a:p>
+        </p:txBody>
+      </p:sp>
+    </p:spTree>
+  </p:cSld>
+  <p:clrMapOvr>
+    <a:masterClrMapping/>
+  </p:clrMapOvr>
+</p:sld>
+</file>
+
+<file path=ppt/slides/slide20.xml><?xml version="1.0" encoding="utf-8"?>
 <p:sld xmlns:a="http://schemas.openxmlformats.org/drawingml/2006/main" xmlns:r="http://schemas.openxmlformats.org/officeDocument/2006/relationships" xmlns:p="http://schemas.openxmlformats.org/presentationml/2006/main">
   <p:cSld>
     <p:spTree>
@@ -5680,6 +6520,30 @@
           </a:p>
         </p:txBody>
       </p:sp>
+      <p:sp>
+        <p:nvSpPr>
+          <p:cNvPr id="10" name="Tijdelijke aanduiding voor dianummer 9"/>
+          <p:cNvSpPr>
+            <a:spLocks noGrp="1"/>
+          </p:cNvSpPr>
+          <p:nvPr>
+            <p:ph type="sldNum" sz="quarter" idx="12"/>
+          </p:nvPr>
+        </p:nvSpPr>
+        <p:spPr/>
+        <p:txBody>
+          <a:bodyPr/>
+          <a:lstStyle/>
+          <a:p>
+            <a:fld id="{6802DAD7-DC19-4A9E-93C3-E71314786426}" type="slidenum">
+              <a:rPr lang="nl-NL" smtClean="0"/>
+              <a:pPr/>
+              <a:t>20</a:t>
+            </a:fld>
+            <a:endParaRPr lang="nl-NL" dirty="0"/>
+          </a:p>
+        </p:txBody>
+      </p:sp>
     </p:spTree>
   </p:cSld>
   <p:clrMapOvr>
@@ -5688,290 +6552,7 @@
 </p:sld>
 </file>
 
-<file path=ppt/slides/slide2.xml><?xml version="1.0" encoding="utf-8"?>
-<p:sld xmlns:a="http://schemas.openxmlformats.org/drawingml/2006/main" xmlns:r="http://schemas.openxmlformats.org/officeDocument/2006/relationships" xmlns:p="http://schemas.openxmlformats.org/presentationml/2006/main">
-  <p:cSld>
-    <p:spTree>
-      <p:nvGrpSpPr>
-        <p:cNvPr id="1" name=""/>
-        <p:cNvGrpSpPr/>
-        <p:nvPr/>
-      </p:nvGrpSpPr>
-      <p:grpSpPr>
-        <a:xfrm>
-          <a:off x="0" y="0"/>
-          <a:ext cx="0" cy="0"/>
-          <a:chOff x="0" y="0"/>
-          <a:chExt cx="0" cy="0"/>
-        </a:xfrm>
-      </p:grpSpPr>
-      <p:pic>
-        <p:nvPicPr>
-          <p:cNvPr id="3075" name="Picture 3" descr="C:\Users\M5810video\Pictures\Picasa\Exports\2016-11-27 - Weekendschool Programmeren Les 3\2-P1020534 - kopie.JPG"/>
-          <p:cNvPicPr>
-            <a:picLocks noChangeAspect="1" noChangeArrowheads="1"/>
-          </p:cNvPicPr>
-          <p:nvPr/>
-        </p:nvPicPr>
-        <p:blipFill>
-          <a:blip r:embed="rId2" cstate="print"/>
-          <a:srcRect/>
-          <a:stretch>
-            <a:fillRect/>
-          </a:stretch>
-        </p:blipFill>
-        <p:spPr bwMode="auto">
-          <a:xfrm>
-            <a:off x="3419872" y="195486"/>
-            <a:ext cx="2067700" cy="3384376"/>
-          </a:xfrm>
-          <a:prstGeom prst="rect">
-            <a:avLst/>
-          </a:prstGeom>
-          <a:noFill/>
-        </p:spPr>
-      </p:pic>
-      <p:sp>
-        <p:nvSpPr>
-          <p:cNvPr id="2" name="Titel 1"/>
-          <p:cNvSpPr>
-            <a:spLocks noGrp="1"/>
-          </p:cNvSpPr>
-          <p:nvPr>
-            <p:ph type="title"/>
-          </p:nvPr>
-        </p:nvSpPr>
-        <p:spPr/>
-        <p:txBody>
-          <a:bodyPr/>
-          <a:lstStyle/>
-          <a:p>
-            <a:r>
-              <a:rPr lang="en-US" dirty="0" smtClean="0"/>
-              <a:t>Ergonomics</a:t>
-            </a:r>
-            <a:endParaRPr lang="nl-NL" dirty="0"/>
-          </a:p>
-        </p:txBody>
-      </p:sp>
-      <p:sp>
-        <p:nvSpPr>
-          <p:cNvPr id="3" name="Tijdelijke aanduiding voor inhoud 2"/>
-          <p:cNvSpPr>
-            <a:spLocks noGrp="1"/>
-          </p:cNvSpPr>
-          <p:nvPr>
-            <p:ph idx="1"/>
-          </p:nvPr>
-        </p:nvSpPr>
-        <p:spPr>
-          <a:xfrm>
-            <a:off x="457200" y="1200151"/>
-            <a:ext cx="2818656" cy="3027783"/>
-          </a:xfrm>
-        </p:spPr>
-        <p:txBody>
-          <a:bodyPr>
-            <a:normAutofit fontScale="70000" lnSpcReduction="20000"/>
-          </a:bodyPr>
-          <a:lstStyle/>
-          <a:p>
-            <a:r>
-              <a:rPr lang="en-US" dirty="0" smtClean="0"/>
-              <a:t>At the </a:t>
-            </a:r>
-            <a:r>
-              <a:rPr lang="en-US" dirty="0" err="1" smtClean="0"/>
-              <a:t>Weekendschool</a:t>
-            </a:r>
-            <a:r>
-              <a:rPr lang="en-US" dirty="0" smtClean="0"/>
-              <a:t> we teach children 5 golden rules how to sit when using computers:</a:t>
-            </a:r>
-          </a:p>
-          <a:p>
-            <a:pPr lvl="1"/>
-            <a:r>
-              <a:rPr lang="en-US" dirty="0" smtClean="0"/>
-              <a:t>Rest your arms on the table in a natural fashion.</a:t>
-            </a:r>
-          </a:p>
-          <a:p>
-            <a:pPr lvl="1"/>
-            <a:r>
-              <a:rPr lang="en-US" dirty="0" smtClean="0"/>
-              <a:t>If you do not need the keyboard, move it up and give room to the mouse.</a:t>
-            </a:r>
-          </a:p>
-          <a:p>
-            <a:pPr lvl="1"/>
-            <a:r>
-              <a:rPr lang="en-US" dirty="0" smtClean="0"/>
-              <a:t>Have the monitor at arms length.</a:t>
-            </a:r>
-          </a:p>
-          <a:p>
-            <a:pPr lvl="1"/>
-            <a:r>
-              <a:rPr lang="en-US" dirty="0" smtClean="0"/>
-              <a:t>Change position (lean forward, backward etc.).</a:t>
-            </a:r>
-          </a:p>
-          <a:p>
-            <a:pPr lvl="1"/>
-            <a:r>
-              <a:rPr lang="en-US" dirty="0" smtClean="0"/>
-              <a:t>Frequently stop, walk around and exercise.</a:t>
-            </a:r>
-            <a:endParaRPr lang="nl-NL" dirty="0"/>
-          </a:p>
-        </p:txBody>
-      </p:sp>
-      <p:pic>
-        <p:nvPicPr>
-          <p:cNvPr id="3074" name="Picture 2" descr="C:\Users\M5810video\Pictures\Picasa\Exports\2016-11-27 - Weekendschool Programmeren Les 3\1-P1020534.JPG"/>
-          <p:cNvPicPr>
-            <a:picLocks noChangeAspect="1" noChangeArrowheads="1"/>
-          </p:cNvPicPr>
-          <p:nvPr/>
-        </p:nvPicPr>
-        <p:blipFill>
-          <a:blip r:embed="rId3" cstate="print"/>
-          <a:srcRect/>
-          <a:stretch>
-            <a:fillRect/>
-          </a:stretch>
-        </p:blipFill>
-        <p:spPr bwMode="auto">
-          <a:xfrm>
-            <a:off x="5580112" y="195485"/>
-            <a:ext cx="3336032" cy="4448043"/>
-          </a:xfrm>
-          <a:prstGeom prst="rect">
-            <a:avLst/>
-          </a:prstGeom>
-          <a:noFill/>
-        </p:spPr>
-      </p:pic>
-      <p:sp>
-        <p:nvSpPr>
-          <p:cNvPr id="5" name="Tekstvak 4"/>
-          <p:cNvSpPr txBox="1"/>
-          <p:nvPr/>
-        </p:nvSpPr>
-        <p:spPr>
-          <a:xfrm>
-            <a:off x="3491880" y="4155926"/>
-            <a:ext cx="2016224" cy="923330"/>
-          </a:xfrm>
-          <a:prstGeom prst="rect">
-            <a:avLst/>
-          </a:prstGeom>
-          <a:noFill/>
-        </p:spPr>
-        <p:txBody>
-          <a:bodyPr wrap="square" rtlCol="0">
-            <a:spAutoFit/>
-          </a:bodyPr>
-          <a:lstStyle/>
-          <a:p>
-            <a:r>
-              <a:rPr lang="en-US" dirty="0" smtClean="0"/>
-              <a:t>To change the height, use the two upper </a:t>
-            </a:r>
-            <a:r>
-              <a:rPr lang="en-US" dirty="0" err="1" smtClean="0"/>
-              <a:t>wingnuts</a:t>
-            </a:r>
-            <a:r>
-              <a:rPr lang="en-US" dirty="0" smtClean="0"/>
-              <a:t>.</a:t>
-            </a:r>
-            <a:endParaRPr lang="nl-NL" dirty="0"/>
-          </a:p>
-        </p:txBody>
-      </p:sp>
-      <p:cxnSp>
-        <p:nvCxnSpPr>
-          <p:cNvPr id="7" name="Rechte verbindingslijn met pijl 6"/>
-          <p:cNvCxnSpPr/>
-          <p:nvPr/>
-        </p:nvCxnSpPr>
-        <p:spPr>
-          <a:xfrm flipV="1">
-            <a:off x="3851920" y="2571750"/>
-            <a:ext cx="432048" cy="1584176"/>
-          </a:xfrm>
-          <a:prstGeom prst="straightConnector1">
-            <a:avLst/>
-          </a:prstGeom>
-          <a:ln w="38100">
-            <a:solidFill>
-              <a:srgbClr val="00CC66"/>
-            </a:solidFill>
-            <a:tailEnd type="arrow"/>
-          </a:ln>
-        </p:spPr>
-        <p:style>
-          <a:lnRef idx="1">
-            <a:schemeClr val="accent1"/>
-          </a:lnRef>
-          <a:fillRef idx="0">
-            <a:schemeClr val="accent1"/>
-          </a:fillRef>
-          <a:effectRef idx="0">
-            <a:schemeClr val="accent1"/>
-          </a:effectRef>
-          <a:fontRef idx="minor">
-            <a:schemeClr val="tx1"/>
-          </a:fontRef>
-        </p:style>
-      </p:cxnSp>
-      <p:cxnSp>
-        <p:nvCxnSpPr>
-          <p:cNvPr id="12" name="Rechte verbindingslijn met pijl 11"/>
-          <p:cNvCxnSpPr/>
-          <p:nvPr/>
-        </p:nvCxnSpPr>
-        <p:spPr>
-          <a:xfrm flipH="1" flipV="1">
-            <a:off x="4572000" y="2211710"/>
-            <a:ext cx="504056" cy="2016224"/>
-          </a:xfrm>
-          <a:prstGeom prst="straightConnector1">
-            <a:avLst/>
-          </a:prstGeom>
-          <a:ln w="38100">
-            <a:solidFill>
-              <a:srgbClr val="00CC66"/>
-            </a:solidFill>
-            <a:tailEnd type="arrow"/>
-          </a:ln>
-        </p:spPr>
-        <p:style>
-          <a:lnRef idx="1">
-            <a:schemeClr val="accent1"/>
-          </a:lnRef>
-          <a:fillRef idx="0">
-            <a:schemeClr val="accent1"/>
-          </a:fillRef>
-          <a:effectRef idx="0">
-            <a:schemeClr val="accent1"/>
-          </a:effectRef>
-          <a:fontRef idx="minor">
-            <a:schemeClr val="tx1"/>
-          </a:fontRef>
-        </p:style>
-      </p:cxnSp>
-    </p:spTree>
-  </p:cSld>
-  <p:clrMapOvr>
-    <a:masterClrMapping/>
-  </p:clrMapOvr>
-</p:sld>
-</file>
-
-<file path=ppt/slides/slide20.xml><?xml version="1.0" encoding="utf-8"?>
+<file path=ppt/slides/slide21.xml><?xml version="1.0" encoding="utf-8"?>
 <p:sld xmlns:a="http://schemas.openxmlformats.org/drawingml/2006/main" xmlns:r="http://schemas.openxmlformats.org/officeDocument/2006/relationships" xmlns:p="http://schemas.openxmlformats.org/presentationml/2006/main">
   <p:cSld>
     <p:spTree>
@@ -6525,6 +7106,30 @@
           </a:p>
         </p:txBody>
       </p:sp>
+      <p:sp>
+        <p:nvSpPr>
+          <p:cNvPr id="16" name="Tijdelijke aanduiding voor dianummer 15"/>
+          <p:cNvSpPr>
+            <a:spLocks noGrp="1"/>
+          </p:cNvSpPr>
+          <p:nvPr>
+            <p:ph type="sldNum" sz="quarter" idx="12"/>
+          </p:nvPr>
+        </p:nvSpPr>
+        <p:spPr/>
+        <p:txBody>
+          <a:bodyPr/>
+          <a:lstStyle/>
+          <a:p>
+            <a:fld id="{6802DAD7-DC19-4A9E-93C3-E71314786426}" type="slidenum">
+              <a:rPr lang="nl-NL" smtClean="0"/>
+              <a:pPr/>
+              <a:t>21</a:t>
+            </a:fld>
+            <a:endParaRPr lang="nl-NL" dirty="0"/>
+          </a:p>
+        </p:txBody>
+      </p:sp>
     </p:spTree>
   </p:cSld>
   <p:clrMapOvr>
@@ -6533,7 +7138,7 @@
 </p:sld>
 </file>
 
-<file path=ppt/slides/slide21.xml><?xml version="1.0" encoding="utf-8"?>
+<file path=ppt/slides/slide22.xml><?xml version="1.0" encoding="utf-8"?>
 <p:sld xmlns:a="http://schemas.openxmlformats.org/drawingml/2006/main" xmlns:r="http://schemas.openxmlformats.org/officeDocument/2006/relationships" xmlns:p="http://schemas.openxmlformats.org/presentationml/2006/main">
   <p:cSld>
     <p:spTree>
@@ -7373,39 +7978,14 @@
           </a:p>
         </p:txBody>
       </p:sp>
-    </p:spTree>
-  </p:cSld>
-  <p:clrMapOvr>
-    <a:masterClrMapping/>
-  </p:clrMapOvr>
-</p:sld>
-</file>
-
-<file path=ppt/slides/slide22.xml><?xml version="1.0" encoding="utf-8"?>
-<p:sld xmlns:a="http://schemas.openxmlformats.org/drawingml/2006/main" xmlns:r="http://schemas.openxmlformats.org/officeDocument/2006/relationships" xmlns:p="http://schemas.openxmlformats.org/presentationml/2006/main">
-  <p:cSld>
-    <p:spTree>
-      <p:nvGrpSpPr>
-        <p:cNvPr id="1" name=""/>
-        <p:cNvGrpSpPr/>
-        <p:nvPr/>
-      </p:nvGrpSpPr>
-      <p:grpSpPr>
-        <a:xfrm>
-          <a:off x="0" y="0"/>
-          <a:ext cx="0" cy="0"/>
-          <a:chOff x="0" y="0"/>
-          <a:chExt cx="0" cy="0"/>
-        </a:xfrm>
-      </p:grpSpPr>
-      <p:sp>
-        <p:nvSpPr>
-          <p:cNvPr id="2" name="Titel 1"/>
-          <p:cNvSpPr>
-            <a:spLocks noGrp="1"/>
-          </p:cNvSpPr>
-          <p:nvPr>
-            <p:ph type="title"/>
+      <p:sp>
+        <p:nvSpPr>
+          <p:cNvPr id="25" name="Tijdelijke aanduiding voor dianummer 24"/>
+          <p:cNvSpPr>
+            <a:spLocks noGrp="1"/>
+          </p:cNvSpPr>
+          <p:nvPr>
+            <p:ph type="sldNum" sz="quarter" idx="12"/>
           </p:nvPr>
         </p:nvSpPr>
         <p:spPr/>
@@ -7413,33 +7993,11 @@
           <a:bodyPr/>
           <a:lstStyle/>
           <a:p>
-            <a:r>
-              <a:rPr lang="en-US" dirty="0" smtClean="0"/>
-              <a:t>Check / double check</a:t>
-            </a:r>
-            <a:endParaRPr lang="nl-NL" dirty="0"/>
-          </a:p>
-        </p:txBody>
-      </p:sp>
-      <p:sp>
-        <p:nvSpPr>
-          <p:cNvPr id="3" name="Tijdelijke aanduiding voor inhoud 2"/>
-          <p:cNvSpPr>
-            <a:spLocks noGrp="1"/>
-          </p:cNvSpPr>
-          <p:nvPr>
-            <p:ph idx="1"/>
-          </p:nvPr>
-        </p:nvSpPr>
-        <p:spPr/>
-        <p:txBody>
-          <a:bodyPr/>
-          <a:lstStyle/>
-          <a:p>
-            <a:r>
-              <a:rPr lang="en-US" dirty="0" smtClean="0"/>
-              <a:t>Please now check both that the wiring is correct.</a:t>
-            </a:r>
+            <a:fld id="{6802DAD7-DC19-4A9E-93C3-E71314786426}" type="slidenum">
+              <a:rPr lang="nl-NL" smtClean="0"/>
+              <a:pPr/>
+              <a:t>22</a:t>
+            </a:fld>
             <a:endParaRPr lang="nl-NL" dirty="0"/>
           </a:p>
         </p:txBody>
@@ -7481,18 +8039,12 @@
         </p:nvSpPr>
         <p:spPr/>
         <p:txBody>
-          <a:bodyPr>
-            <a:normAutofit fontScale="90000"/>
-          </a:bodyPr>
-          <a:lstStyle/>
-          <a:p>
-            <a:r>
-              <a:rPr lang="en-US" dirty="0" smtClean="0"/>
-              <a:t>Make a script file to start </a:t>
-            </a:r>
-            <a:r>
-              <a:rPr lang="en-US" dirty="0" err="1" smtClean="0"/>
-              <a:t>scratchClient</a:t>
+          <a:bodyPr/>
+          <a:lstStyle/>
+          <a:p>
+            <a:r>
+              <a:rPr lang="en-US" dirty="0" smtClean="0"/>
+              <a:t>Check / double check</a:t>
             </a:r>
             <a:endParaRPr lang="nl-NL" dirty="0"/>
           </a:p>
@@ -7510,217 +8062,45 @@
         </p:nvSpPr>
         <p:spPr/>
         <p:txBody>
-          <a:bodyPr>
-            <a:normAutofit fontScale="92500" lnSpcReduction="10000"/>
-          </a:bodyPr>
-          <a:lstStyle/>
-          <a:p>
-            <a:r>
-              <a:rPr lang="en-US" dirty="0" smtClean="0"/>
-              <a:t>Then </a:t>
-            </a:r>
-            <a:r>
-              <a:rPr lang="en-US" dirty="0" smtClean="0"/>
-              <a:t>make a new file </a:t>
-            </a:r>
-            <a:r>
-              <a:rPr lang="en-US" dirty="0" smtClean="0"/>
-              <a:t>in the </a:t>
-            </a:r>
-            <a:r>
-              <a:rPr lang="en-US" dirty="0" err="1" smtClean="0"/>
-              <a:t>PiAndMore</a:t>
-            </a:r>
-            <a:r>
-              <a:rPr lang="en-US" dirty="0" smtClean="0"/>
-              <a:t> folder on the Desktop</a:t>
-            </a:r>
-            <a:endParaRPr lang="en-US" dirty="0" smtClean="0"/>
-          </a:p>
-          <a:p>
-            <a:pPr lvl="1"/>
-            <a:r>
-              <a:rPr lang="en-US" dirty="0" smtClean="0"/>
-              <a:t>Call it </a:t>
-            </a:r>
-            <a:r>
-              <a:rPr lang="en-US" sz="2100" dirty="0" err="1" smtClean="0">
-                <a:latin typeface="Courier New" pitchFamily="49" charset="0"/>
-                <a:cs typeface="Courier New" pitchFamily="49" charset="0"/>
-              </a:rPr>
-              <a:t>StartSC.bash</a:t>
-            </a:r>
-            <a:endParaRPr lang="en-US" sz="2100" dirty="0" smtClean="0">
-              <a:latin typeface="Courier New" pitchFamily="49" charset="0"/>
-              <a:cs typeface="Courier New" pitchFamily="49" charset="0"/>
-            </a:endParaRPr>
-          </a:p>
-          <a:p>
-            <a:r>
-              <a:rPr lang="en-US" dirty="0" smtClean="0"/>
-              <a:t>Put this </a:t>
-            </a:r>
-            <a:r>
-              <a:rPr lang="en-US" dirty="0" smtClean="0"/>
-              <a:t>into the file (copy/paste from this presentation):</a:t>
-            </a:r>
-            <a:endParaRPr lang="en-US" dirty="0" smtClean="0"/>
-          </a:p>
-          <a:p>
-            <a:pPr lvl="1">
-              <a:buNone/>
-            </a:pPr>
-            <a:r>
-              <a:rPr lang="en-US" dirty="0" smtClean="0">
-                <a:latin typeface="Courier New" pitchFamily="49" charset="0"/>
-                <a:cs typeface="Courier New" pitchFamily="49" charset="0"/>
-              </a:rPr>
-              <a:t>!# /bin/bash</a:t>
-            </a:r>
-            <a:endParaRPr lang="nl-NL" dirty="0" smtClean="0">
-              <a:latin typeface="Courier New" pitchFamily="49" charset="0"/>
-              <a:cs typeface="Courier New" pitchFamily="49" charset="0"/>
-            </a:endParaRPr>
-          </a:p>
-          <a:p>
-            <a:pPr lvl="1">
-              <a:buNone/>
-            </a:pPr>
-            <a:r>
-              <a:rPr lang="nl-NL" dirty="0" err="1" smtClean="0">
-                <a:latin typeface="Courier New" pitchFamily="49" charset="0"/>
-                <a:cs typeface="Courier New" pitchFamily="49" charset="0"/>
-              </a:rPr>
-              <a:t>sudo</a:t>
-            </a:r>
-            <a:r>
-              <a:rPr lang="nl-NL" dirty="0" smtClean="0">
-                <a:latin typeface="Courier New" pitchFamily="49" charset="0"/>
-                <a:cs typeface="Courier New" pitchFamily="49" charset="0"/>
-              </a:rPr>
-              <a:t> python ~/</a:t>
-            </a:r>
-            <a:r>
-              <a:rPr lang="nl-NL" dirty="0" err="1" smtClean="0">
-                <a:latin typeface="Courier New" pitchFamily="49" charset="0"/>
-                <a:cs typeface="Courier New" pitchFamily="49" charset="0"/>
-              </a:rPr>
-              <a:t>scratchClient</a:t>
-            </a:r>
-            <a:r>
-              <a:rPr lang="nl-NL" dirty="0" smtClean="0">
-                <a:latin typeface="Courier New" pitchFamily="49" charset="0"/>
-                <a:cs typeface="Courier New" pitchFamily="49" charset="0"/>
-              </a:rPr>
-              <a:t>/</a:t>
-            </a:r>
-            <a:r>
-              <a:rPr lang="nl-NL" dirty="0" err="1" smtClean="0">
-                <a:latin typeface="Courier New" pitchFamily="49" charset="0"/>
-                <a:cs typeface="Courier New" pitchFamily="49" charset="0"/>
-              </a:rPr>
-              <a:t>src</a:t>
-            </a:r>
-            <a:r>
-              <a:rPr lang="nl-NL" dirty="0" smtClean="0">
-                <a:latin typeface="Courier New" pitchFamily="49" charset="0"/>
-                <a:cs typeface="Courier New" pitchFamily="49" charset="0"/>
-              </a:rPr>
-              <a:t>/</a:t>
-            </a:r>
-            <a:r>
-              <a:rPr lang="nl-NL" dirty="0" err="1" smtClean="0">
-                <a:latin typeface="Courier New" pitchFamily="49" charset="0"/>
-                <a:cs typeface="Courier New" pitchFamily="49" charset="0"/>
-              </a:rPr>
-              <a:t>scratchClient.py</a:t>
-            </a:r>
-            <a:r>
-              <a:rPr lang="nl-NL" dirty="0" smtClean="0">
-                <a:latin typeface="Courier New" pitchFamily="49" charset="0"/>
-                <a:cs typeface="Courier New" pitchFamily="49" charset="0"/>
-              </a:rPr>
-              <a:t> -c ~/</a:t>
-            </a:r>
-            <a:r>
-              <a:rPr lang="nl-NL" dirty="0" smtClean="0">
-                <a:latin typeface="Courier New" pitchFamily="49" charset="0"/>
-                <a:cs typeface="Courier New" pitchFamily="49" charset="0"/>
-              </a:rPr>
-              <a:t>Desktop/</a:t>
-            </a:r>
-            <a:r>
-              <a:rPr lang="nl-NL" dirty="0" err="1" smtClean="0">
-                <a:latin typeface="Courier New" pitchFamily="49" charset="0"/>
-                <a:cs typeface="Courier New" pitchFamily="49" charset="0"/>
-              </a:rPr>
-              <a:t>PiAndMore</a:t>
-            </a:r>
-            <a:r>
-              <a:rPr lang="nl-NL" dirty="0" smtClean="0">
-                <a:latin typeface="Courier New" pitchFamily="49" charset="0"/>
-                <a:cs typeface="Courier New" pitchFamily="49" charset="0"/>
-              </a:rPr>
-              <a:t>/</a:t>
-            </a:r>
-            <a:r>
-              <a:rPr lang="nl-NL" dirty="0" err="1" smtClean="0">
-                <a:latin typeface="Courier New" pitchFamily="49" charset="0"/>
-                <a:cs typeface="Courier New" pitchFamily="49" charset="0"/>
-              </a:rPr>
-              <a:t>PiAndMore.xml</a:t>
-            </a:r>
-            <a:endParaRPr lang="nl-NL" dirty="0" smtClean="0">
-              <a:latin typeface="Courier New" pitchFamily="49" charset="0"/>
-              <a:cs typeface="Courier New" pitchFamily="49" charset="0"/>
-            </a:endParaRPr>
-          </a:p>
-          <a:p>
-            <a:pPr lvl="1">
-              <a:buNone/>
-            </a:pPr>
-            <a:r>
-              <a:rPr lang="en-US" dirty="0" smtClean="0">
-                <a:latin typeface="Courier New" pitchFamily="49" charset="0"/>
-                <a:cs typeface="Courier New" pitchFamily="49" charset="0"/>
-              </a:rPr>
-              <a:t>p</a:t>
-            </a:r>
-            <a:r>
-              <a:rPr lang="en-US" dirty="0" smtClean="0">
-                <a:latin typeface="Courier New" pitchFamily="49" charset="0"/>
-                <a:cs typeface="Courier New" pitchFamily="49" charset="0"/>
-              </a:rPr>
-              <a:t>ause –p “Press Enter to continue”</a:t>
-            </a:r>
-            <a:endParaRPr lang="nl-NL" dirty="0" smtClean="0">
-              <a:latin typeface="Courier New" pitchFamily="49" charset="0"/>
-              <a:cs typeface="Courier New" pitchFamily="49" charset="0"/>
-            </a:endParaRPr>
-          </a:p>
-          <a:p>
-            <a:r>
-              <a:rPr lang="en-US" dirty="0" smtClean="0"/>
-              <a:t>Make the file </a:t>
-            </a:r>
-            <a:r>
-              <a:rPr lang="en-US" dirty="0" smtClean="0"/>
-              <a:t>executable (file properties, permissions)</a:t>
-            </a:r>
-            <a:endParaRPr lang="en-US" dirty="0" smtClean="0"/>
-          </a:p>
-          <a:p>
-            <a:r>
-              <a:rPr lang="en-US" dirty="0" smtClean="0"/>
-              <a:t>Do you understand what the file does? </a:t>
-            </a:r>
-          </a:p>
-          <a:p>
-            <a:pPr lvl="1"/>
-            <a:r>
-              <a:rPr lang="en-US" dirty="0" smtClean="0"/>
-              <a:t>If not, please ask</a:t>
-            </a:r>
+          <a:bodyPr/>
+          <a:lstStyle/>
+          <a:p>
+            <a:r>
+              <a:rPr lang="en-US" dirty="0" smtClean="0"/>
+              <a:t>Please now check </a:t>
+            </a:r>
+            <a:r>
+              <a:rPr lang="en-US" dirty="0" smtClean="0"/>
+              <a:t>both of you </a:t>
+            </a:r>
+            <a:r>
+              <a:rPr lang="en-US" dirty="0" smtClean="0"/>
+              <a:t>that the wiring is correct.</a:t>
+            </a:r>
+            <a:endParaRPr lang="nl-NL" dirty="0"/>
+          </a:p>
+        </p:txBody>
+      </p:sp>
+      <p:sp>
+        <p:nvSpPr>
+          <p:cNvPr id="4" name="Tijdelijke aanduiding voor dianummer 3"/>
+          <p:cNvSpPr>
+            <a:spLocks noGrp="1"/>
+          </p:cNvSpPr>
+          <p:nvPr>
+            <p:ph type="sldNum" sz="quarter" idx="12"/>
+          </p:nvPr>
+        </p:nvSpPr>
+        <p:spPr/>
+        <p:txBody>
+          <a:bodyPr/>
+          <a:lstStyle/>
+          <a:p>
+            <a:fld id="{6802DAD7-DC19-4A9E-93C3-E71314786426}" type="slidenum">
+              <a:rPr lang="nl-NL" smtClean="0"/>
+              <a:pPr/>
+              <a:t>23</a:t>
+            </a:fld>
             <a:endParaRPr lang="nl-NL" dirty="0"/>
           </a:p>
         </p:txBody>
@@ -7762,98 +8142,238 @@
         </p:nvSpPr>
         <p:spPr/>
         <p:txBody>
+          <a:bodyPr>
+            <a:normAutofit fontScale="90000"/>
+          </a:bodyPr>
+          <a:lstStyle/>
+          <a:p>
+            <a:r>
+              <a:rPr lang="en-US" dirty="0" smtClean="0"/>
+              <a:t>Make a script file to start </a:t>
+            </a:r>
+            <a:r>
+              <a:rPr lang="en-US" dirty="0" err="1" smtClean="0"/>
+              <a:t>scratchClient</a:t>
+            </a:r>
+            <a:endParaRPr lang="nl-NL" dirty="0"/>
+          </a:p>
+        </p:txBody>
+      </p:sp>
+      <p:sp>
+        <p:nvSpPr>
+          <p:cNvPr id="3" name="Tijdelijke aanduiding voor inhoud 2"/>
+          <p:cNvSpPr>
+            <a:spLocks noGrp="1"/>
+          </p:cNvSpPr>
+          <p:nvPr>
+            <p:ph idx="1"/>
+          </p:nvPr>
+        </p:nvSpPr>
+        <p:spPr/>
+        <p:txBody>
+          <a:bodyPr>
+            <a:normAutofit fontScale="92500" lnSpcReduction="10000"/>
+          </a:bodyPr>
+          <a:lstStyle/>
+          <a:p>
+            <a:r>
+              <a:rPr lang="en-US" dirty="0" smtClean="0"/>
+              <a:t>Then make a new file in the </a:t>
+            </a:r>
+            <a:r>
+              <a:rPr lang="en-US" dirty="0" err="1" smtClean="0"/>
+              <a:t>PiAndMore</a:t>
+            </a:r>
+            <a:r>
+              <a:rPr lang="en-US" dirty="0" smtClean="0"/>
+              <a:t> folder on the Desktop</a:t>
+            </a:r>
+          </a:p>
+          <a:p>
+            <a:pPr lvl="1"/>
+            <a:r>
+              <a:rPr lang="en-US" dirty="0" smtClean="0"/>
+              <a:t>Call it </a:t>
+            </a:r>
+            <a:r>
+              <a:rPr lang="en-US" sz="2100" dirty="0" err="1" smtClean="0">
+                <a:latin typeface="Courier New" pitchFamily="49" charset="0"/>
+                <a:cs typeface="Courier New" pitchFamily="49" charset="0"/>
+              </a:rPr>
+              <a:t>StartSC.bash</a:t>
+            </a:r>
+            <a:endParaRPr lang="en-US" sz="2100" dirty="0" smtClean="0">
+              <a:latin typeface="Courier New" pitchFamily="49" charset="0"/>
+              <a:cs typeface="Courier New" pitchFamily="49" charset="0"/>
+            </a:endParaRPr>
+          </a:p>
+          <a:p>
+            <a:r>
+              <a:rPr lang="en-US" dirty="0" smtClean="0"/>
+              <a:t>Put this into the file (copy/paste from this presentation):</a:t>
+            </a:r>
+          </a:p>
+          <a:p>
+            <a:pPr lvl="1">
+              <a:buNone/>
+            </a:pPr>
+            <a:r>
+              <a:rPr lang="en-US" dirty="0" smtClean="0">
+                <a:latin typeface="Courier New" pitchFamily="49" charset="0"/>
+                <a:cs typeface="Courier New" pitchFamily="49" charset="0"/>
+              </a:rPr>
+              <a:t>!# /bin/bash</a:t>
+            </a:r>
+            <a:endParaRPr lang="nl-NL" dirty="0" smtClean="0">
+              <a:latin typeface="Courier New" pitchFamily="49" charset="0"/>
+              <a:cs typeface="Courier New" pitchFamily="49" charset="0"/>
+            </a:endParaRPr>
+          </a:p>
+          <a:p>
+            <a:pPr lvl="1">
+              <a:buNone/>
+            </a:pPr>
+            <a:r>
+              <a:rPr lang="nl-NL" dirty="0" err="1" smtClean="0">
+                <a:latin typeface="Courier New" pitchFamily="49" charset="0"/>
+                <a:cs typeface="Courier New" pitchFamily="49" charset="0"/>
+              </a:rPr>
+              <a:t>sudo</a:t>
+            </a:r>
+            <a:r>
+              <a:rPr lang="nl-NL" dirty="0" smtClean="0">
+                <a:latin typeface="Courier New" pitchFamily="49" charset="0"/>
+                <a:cs typeface="Courier New" pitchFamily="49" charset="0"/>
+              </a:rPr>
+              <a:t> python ~/</a:t>
+            </a:r>
+            <a:r>
+              <a:rPr lang="nl-NL" dirty="0" err="1" smtClean="0">
+                <a:latin typeface="Courier New" pitchFamily="49" charset="0"/>
+                <a:cs typeface="Courier New" pitchFamily="49" charset="0"/>
+              </a:rPr>
+              <a:t>scratchClient</a:t>
+            </a:r>
+            <a:r>
+              <a:rPr lang="nl-NL" dirty="0" smtClean="0">
+                <a:latin typeface="Courier New" pitchFamily="49" charset="0"/>
+                <a:cs typeface="Courier New" pitchFamily="49" charset="0"/>
+              </a:rPr>
+              <a:t>/</a:t>
+            </a:r>
+            <a:r>
+              <a:rPr lang="nl-NL" dirty="0" err="1" smtClean="0">
+                <a:latin typeface="Courier New" pitchFamily="49" charset="0"/>
+                <a:cs typeface="Courier New" pitchFamily="49" charset="0"/>
+              </a:rPr>
+              <a:t>src</a:t>
+            </a:r>
+            <a:r>
+              <a:rPr lang="nl-NL" dirty="0" smtClean="0">
+                <a:latin typeface="Courier New" pitchFamily="49" charset="0"/>
+                <a:cs typeface="Courier New" pitchFamily="49" charset="0"/>
+              </a:rPr>
+              <a:t>/</a:t>
+            </a:r>
+            <a:r>
+              <a:rPr lang="nl-NL" dirty="0" err="1" smtClean="0">
+                <a:latin typeface="Courier New" pitchFamily="49" charset="0"/>
+                <a:cs typeface="Courier New" pitchFamily="49" charset="0"/>
+              </a:rPr>
+              <a:t>scratchClient.py</a:t>
+            </a:r>
+            <a:r>
+              <a:rPr lang="nl-NL" dirty="0" smtClean="0">
+                <a:latin typeface="Courier New" pitchFamily="49" charset="0"/>
+                <a:cs typeface="Courier New" pitchFamily="49" charset="0"/>
+              </a:rPr>
+              <a:t> -c ~/Desktop/</a:t>
+            </a:r>
+            <a:r>
+              <a:rPr lang="nl-NL" dirty="0" err="1" smtClean="0">
+                <a:latin typeface="Courier New" pitchFamily="49" charset="0"/>
+                <a:cs typeface="Courier New" pitchFamily="49" charset="0"/>
+              </a:rPr>
+              <a:t>PiAndMore</a:t>
+            </a:r>
+            <a:r>
+              <a:rPr lang="nl-NL" dirty="0" smtClean="0">
+                <a:latin typeface="Courier New" pitchFamily="49" charset="0"/>
+                <a:cs typeface="Courier New" pitchFamily="49" charset="0"/>
+              </a:rPr>
+              <a:t>/</a:t>
+            </a:r>
+            <a:r>
+              <a:rPr lang="nl-NL" dirty="0" err="1" smtClean="0">
+                <a:latin typeface="Courier New" pitchFamily="49" charset="0"/>
+                <a:cs typeface="Courier New" pitchFamily="49" charset="0"/>
+              </a:rPr>
+              <a:t>PiAndMore.xml</a:t>
+            </a:r>
+            <a:endParaRPr lang="nl-NL" dirty="0" smtClean="0">
+              <a:latin typeface="Courier New" pitchFamily="49" charset="0"/>
+              <a:cs typeface="Courier New" pitchFamily="49" charset="0"/>
+            </a:endParaRPr>
+          </a:p>
+          <a:p>
+            <a:pPr lvl="1">
+              <a:buNone/>
+            </a:pPr>
+            <a:r>
+              <a:rPr lang="en-US" dirty="0" smtClean="0">
+                <a:latin typeface="Courier New" pitchFamily="49" charset="0"/>
+                <a:cs typeface="Courier New" pitchFamily="49" charset="0"/>
+              </a:rPr>
+              <a:t>pause –p “Press Enter to continue”</a:t>
+            </a:r>
+            <a:endParaRPr lang="nl-NL" dirty="0" smtClean="0">
+              <a:latin typeface="Courier New" pitchFamily="49" charset="0"/>
+              <a:cs typeface="Courier New" pitchFamily="49" charset="0"/>
+            </a:endParaRPr>
+          </a:p>
+          <a:p>
+            <a:r>
+              <a:rPr lang="en-US" dirty="0" smtClean="0"/>
+              <a:t>Make the file executable (file properties, permissions)</a:t>
+            </a:r>
+          </a:p>
+          <a:p>
+            <a:r>
+              <a:rPr lang="en-US" dirty="0" smtClean="0"/>
+              <a:t>Do you understand what the file does? </a:t>
+            </a:r>
+          </a:p>
+          <a:p>
+            <a:pPr lvl="1"/>
+            <a:r>
+              <a:rPr lang="en-US" dirty="0" smtClean="0"/>
+              <a:t>If not, please ask</a:t>
+            </a:r>
+            <a:endParaRPr lang="nl-NL" dirty="0"/>
+          </a:p>
+        </p:txBody>
+      </p:sp>
+      <p:sp>
+        <p:nvSpPr>
+          <p:cNvPr id="4" name="Tijdelijke aanduiding voor dianummer 3"/>
+          <p:cNvSpPr>
+            <a:spLocks noGrp="1"/>
+          </p:cNvSpPr>
+          <p:nvPr>
+            <p:ph type="sldNum" sz="quarter" idx="12"/>
+          </p:nvPr>
+        </p:nvSpPr>
+        <p:spPr/>
+        <p:txBody>
           <a:bodyPr/>
           <a:lstStyle/>
           <a:p>
-            <a:r>
-              <a:rPr lang="en-US" dirty="0" smtClean="0"/>
-              <a:t>Bringing things together</a:t>
-            </a:r>
-            <a:endParaRPr lang="nl-NL" dirty="0"/>
-          </a:p>
-        </p:txBody>
-      </p:sp>
-      <p:sp>
-        <p:nvSpPr>
-          <p:cNvPr id="3" name="Tijdelijke aanduiding voor inhoud 2"/>
-          <p:cNvSpPr>
-            <a:spLocks noGrp="1"/>
-          </p:cNvSpPr>
-          <p:nvPr>
-            <p:ph idx="1"/>
-          </p:nvPr>
-        </p:nvSpPr>
-        <p:spPr/>
-        <p:txBody>
-          <a:bodyPr>
-            <a:noAutofit/>
-          </a:bodyPr>
-          <a:lstStyle/>
-          <a:p>
-            <a:r>
-              <a:rPr lang="en-US" sz="2000" dirty="0" smtClean="0"/>
-              <a:t>Connect the 9 Volt connector to the </a:t>
-            </a:r>
-            <a:r>
-              <a:rPr lang="en-US" sz="2000" dirty="0" smtClean="0"/>
-              <a:t>board and switch on power</a:t>
-            </a:r>
-            <a:endParaRPr lang="en-US" sz="2000" dirty="0" smtClean="0"/>
-          </a:p>
-          <a:p>
-            <a:r>
-              <a:rPr lang="en-US" sz="2000" dirty="0" smtClean="0"/>
-              <a:t>Connect the USB connector to the </a:t>
-            </a:r>
-            <a:r>
-              <a:rPr lang="en-US" sz="2000" dirty="0" err="1" smtClean="0"/>
-              <a:t>Arduino</a:t>
-            </a:r>
-            <a:r>
-              <a:rPr lang="en-US" sz="2000" dirty="0" smtClean="0"/>
-              <a:t> (via the USB hub)</a:t>
-            </a:r>
-            <a:endParaRPr lang="en-US" sz="2000" dirty="0" smtClean="0"/>
-          </a:p>
-          <a:p>
-            <a:r>
-              <a:rPr lang="en-US" sz="2000" dirty="0" smtClean="0"/>
-              <a:t>Start </a:t>
-            </a:r>
-            <a:r>
-              <a:rPr lang="en-US" sz="2000" dirty="0" err="1" smtClean="0"/>
-              <a:t>scratchClient</a:t>
-            </a:r>
-            <a:r>
-              <a:rPr lang="en-US" sz="2000" dirty="0" smtClean="0"/>
-              <a:t> with the script you just made (e.g. double click it and when asked choose </a:t>
-            </a:r>
-            <a:r>
-              <a:rPr lang="en-US" sz="2000" i="1" dirty="0" smtClean="0"/>
-              <a:t>Execute in </a:t>
-            </a:r>
-            <a:r>
-              <a:rPr lang="en-US" sz="2000" i="1" dirty="0" smtClean="0"/>
-              <a:t>Terminal)</a:t>
-            </a:r>
-            <a:r>
-              <a:rPr lang="en-US" sz="2000" dirty="0" smtClean="0"/>
-              <a:t>.</a:t>
-            </a:r>
-          </a:p>
-          <a:p>
-            <a:r>
-              <a:rPr lang="en-US" sz="2000" dirty="0" smtClean="0"/>
-              <a:t>It will complain that it has no connection to Scratch</a:t>
-            </a:r>
-          </a:p>
-          <a:p>
-            <a:pPr lvl="1"/>
-            <a:r>
-              <a:rPr lang="en-US" sz="1600" dirty="0" smtClean="0"/>
-              <a:t>Which is logical because Scratch was not started yet.</a:t>
-            </a:r>
-            <a:endParaRPr lang="en-US" sz="1600" dirty="0" smtClean="0"/>
+            <a:fld id="{6802DAD7-DC19-4A9E-93C3-E71314786426}" type="slidenum">
+              <a:rPr lang="nl-NL" smtClean="0"/>
+              <a:pPr/>
+              <a:t>24</a:t>
+            </a:fld>
+            <a:endParaRPr lang="nl-NL" dirty="0"/>
           </a:p>
         </p:txBody>
       </p:sp>
@@ -7899,7 +8419,7 @@
           <a:p>
             <a:r>
               <a:rPr lang="en-US" dirty="0" smtClean="0"/>
-              <a:t>Create the Scratch program</a:t>
+              <a:t>Bringing things together</a:t>
             </a:r>
             <a:endParaRPr lang="nl-NL" dirty="0"/>
           </a:p>
@@ -7917,52 +8437,87 @@
         </p:nvSpPr>
         <p:spPr/>
         <p:txBody>
+          <a:bodyPr>
+            <a:noAutofit/>
+          </a:bodyPr>
+          <a:lstStyle/>
+          <a:p>
+            <a:r>
+              <a:rPr lang="en-US" sz="2000" dirty="0" smtClean="0"/>
+              <a:t>Connect the 9 Volt connector to the board and switch on power</a:t>
+            </a:r>
+          </a:p>
+          <a:p>
+            <a:r>
+              <a:rPr lang="en-US" sz="2000" dirty="0" smtClean="0"/>
+              <a:t>Connect the USB connector to the </a:t>
+            </a:r>
+            <a:r>
+              <a:rPr lang="en-US" sz="2000" dirty="0" err="1" smtClean="0"/>
+              <a:t>Arduino</a:t>
+            </a:r>
+            <a:r>
+              <a:rPr lang="en-US" sz="2000" dirty="0" smtClean="0"/>
+              <a:t> (via the USB hub)</a:t>
+            </a:r>
+          </a:p>
+          <a:p>
+            <a:r>
+              <a:rPr lang="en-US" sz="2000" dirty="0" smtClean="0"/>
+              <a:t>Start </a:t>
+            </a:r>
+            <a:r>
+              <a:rPr lang="en-US" sz="2000" dirty="0" err="1" smtClean="0"/>
+              <a:t>scratchClient</a:t>
+            </a:r>
+            <a:r>
+              <a:rPr lang="en-US" sz="2000" dirty="0" smtClean="0"/>
+              <a:t> with the script you just made (e.g. double click it and when asked choose </a:t>
+            </a:r>
+            <a:r>
+              <a:rPr lang="en-US" sz="2000" i="1" dirty="0" smtClean="0"/>
+              <a:t>Execute in Terminal)</a:t>
+            </a:r>
+            <a:r>
+              <a:rPr lang="en-US" sz="2000" dirty="0" smtClean="0"/>
+              <a:t>.</a:t>
+            </a:r>
+          </a:p>
+          <a:p>
+            <a:r>
+              <a:rPr lang="en-US" sz="2000" dirty="0" smtClean="0"/>
+              <a:t>It will complain that it has no connection to Scratch</a:t>
+            </a:r>
+          </a:p>
+          <a:p>
+            <a:pPr lvl="1"/>
+            <a:r>
+              <a:rPr lang="en-US" sz="1600" dirty="0" smtClean="0"/>
+              <a:t>Which is logical because Scratch was not started yet.</a:t>
+            </a:r>
+          </a:p>
+        </p:txBody>
+      </p:sp>
+      <p:sp>
+        <p:nvSpPr>
+          <p:cNvPr id="4" name="Tijdelijke aanduiding voor dianummer 3"/>
+          <p:cNvSpPr>
+            <a:spLocks noGrp="1"/>
+          </p:cNvSpPr>
+          <p:nvPr>
+            <p:ph type="sldNum" sz="quarter" idx="12"/>
+          </p:nvPr>
+        </p:nvSpPr>
+        <p:spPr/>
+        <p:txBody>
           <a:bodyPr/>
           <a:lstStyle/>
           <a:p>
-            <a:r>
-              <a:rPr lang="en-US" dirty="0" smtClean="0"/>
-              <a:t>Start Scratch</a:t>
-            </a:r>
-          </a:p>
-          <a:p>
-            <a:r>
-              <a:rPr lang="en-US" dirty="0" smtClean="0"/>
-              <a:t>Enable remote connections</a:t>
-            </a:r>
-          </a:p>
-          <a:p>
-            <a:r>
-              <a:rPr lang="en-US" dirty="0" smtClean="0"/>
-              <a:t>Create the variables</a:t>
-            </a:r>
-          </a:p>
-          <a:p>
-            <a:r>
-              <a:rPr lang="en-US" dirty="0" smtClean="0"/>
-              <a:t>Make the sensors visible</a:t>
-            </a:r>
-          </a:p>
-          <a:p>
-            <a:r>
-              <a:rPr lang="en-US" dirty="0" smtClean="0"/>
-              <a:t>Save the file in the </a:t>
-            </a:r>
-            <a:r>
-              <a:rPr lang="en-US" dirty="0" err="1" smtClean="0"/>
-              <a:t>PiAndMore</a:t>
-            </a:r>
-            <a:r>
-              <a:rPr lang="en-US" dirty="0" smtClean="0"/>
-              <a:t> folder on the desktop</a:t>
-            </a:r>
-          </a:p>
-          <a:p>
-            <a:pPr lvl="1"/>
-            <a:r>
-              <a:rPr lang="en-US" dirty="0" smtClean="0"/>
-              <a:t>Name does not matter</a:t>
-            </a:r>
+            <a:fld id="{6802DAD7-DC19-4A9E-93C3-E71314786426}" type="slidenum">
+              <a:rPr lang="nl-NL" smtClean="0"/>
+              <a:pPr/>
+              <a:t>25</a:t>
+            </a:fld>
             <a:endParaRPr lang="nl-NL" dirty="0"/>
           </a:p>
         </p:txBody>
@@ -8009,7 +8564,7 @@
           <a:p>
             <a:r>
               <a:rPr lang="en-US" dirty="0" smtClean="0"/>
-              <a:t>Does it work?</a:t>
+              <a:t>Create the Scratch program</a:t>
             </a:r>
             <a:endParaRPr lang="nl-NL" dirty="0"/>
           </a:p>
@@ -8030,7 +8585,74 @@
           <a:bodyPr/>
           <a:lstStyle/>
           <a:p>
-            <a:endParaRPr lang="nl-NL"/>
+            <a:r>
+              <a:rPr lang="en-US" dirty="0" smtClean="0"/>
+              <a:t>Start Scratch</a:t>
+            </a:r>
+          </a:p>
+          <a:p>
+            <a:r>
+              <a:rPr lang="en-US" dirty="0" smtClean="0"/>
+              <a:t>Enable remote connections</a:t>
+            </a:r>
+          </a:p>
+          <a:p>
+            <a:r>
+              <a:rPr lang="en-US" dirty="0" smtClean="0"/>
+              <a:t>Create the variables</a:t>
+            </a:r>
+          </a:p>
+          <a:p>
+            <a:r>
+              <a:rPr lang="en-US" dirty="0" smtClean="0"/>
+              <a:t>Make the sensors visible</a:t>
+            </a:r>
+          </a:p>
+          <a:p>
+            <a:r>
+              <a:rPr lang="en-US" dirty="0" smtClean="0"/>
+              <a:t>Save the file in the </a:t>
+            </a:r>
+            <a:r>
+              <a:rPr lang="en-US" i="1" dirty="0" err="1" smtClean="0"/>
+              <a:t>PiAndMore</a:t>
+            </a:r>
+            <a:r>
+              <a:rPr lang="en-US" dirty="0" smtClean="0"/>
+              <a:t> folder on the desktop</a:t>
+            </a:r>
+          </a:p>
+          <a:p>
+            <a:pPr lvl="1"/>
+            <a:r>
+              <a:rPr lang="en-US" dirty="0" smtClean="0"/>
+              <a:t>Name does not matter</a:t>
+            </a:r>
+            <a:endParaRPr lang="nl-NL" dirty="0"/>
+          </a:p>
+        </p:txBody>
+      </p:sp>
+      <p:sp>
+        <p:nvSpPr>
+          <p:cNvPr id="4" name="Tijdelijke aanduiding voor dianummer 3"/>
+          <p:cNvSpPr>
+            <a:spLocks noGrp="1"/>
+          </p:cNvSpPr>
+          <p:nvPr>
+            <p:ph type="sldNum" sz="quarter" idx="12"/>
+          </p:nvPr>
+        </p:nvSpPr>
+        <p:spPr/>
+        <p:txBody>
+          <a:bodyPr/>
+          <a:lstStyle/>
+          <a:p>
+            <a:fld id="{6802DAD7-DC19-4A9E-93C3-E71314786426}" type="slidenum">
+              <a:rPr lang="nl-NL" smtClean="0"/>
+              <a:pPr/>
+              <a:t>26</a:t>
+            </a:fld>
+            <a:endParaRPr lang="nl-NL" dirty="0"/>
           </a:p>
         </p:txBody>
       </p:sp>
@@ -8076,7 +8698,7 @@
           <a:p>
             <a:r>
               <a:rPr lang="en-US" dirty="0" smtClean="0"/>
-              <a:t>Monitor the variables</a:t>
+              <a:t>Does it work?</a:t>
             </a:r>
             <a:endParaRPr lang="nl-NL" dirty="0"/>
           </a:p>
@@ -8099,29 +8721,57 @@
           <a:p>
             <a:r>
               <a:rPr lang="en-US" dirty="0" smtClean="0"/>
-              <a:t>Open the browser</a:t>
-            </a:r>
-          </a:p>
-          <a:p>
-            <a:r>
-              <a:rPr lang="en-US" dirty="0" smtClean="0"/>
-              <a:t>Type </a:t>
-            </a:r>
-            <a:r>
-              <a:rPr lang="en-US" i="1" dirty="0" smtClean="0"/>
-              <a:t>localhost:8080</a:t>
-            </a:r>
-          </a:p>
-          <a:p>
-            <a:r>
-              <a:rPr lang="en-US" dirty="0" smtClean="0"/>
-              <a:t>Click </a:t>
-            </a:r>
-            <a:r>
-              <a:rPr lang="en-US" i="1" dirty="0" smtClean="0"/>
-              <a:t>adapters</a:t>
-            </a:r>
-            <a:endParaRPr lang="nl-NL" i="1" dirty="0"/>
+              <a:t>If the LED on the </a:t>
+            </a:r>
+            <a:r>
+              <a:rPr lang="en-US" dirty="0" err="1" smtClean="0"/>
+              <a:t>Arduino</a:t>
+            </a:r>
+            <a:r>
+              <a:rPr lang="en-US" dirty="0" smtClean="0"/>
+              <a:t> is blinking slowly only then the </a:t>
+            </a:r>
+            <a:r>
+              <a:rPr lang="en-US" dirty="0" err="1" smtClean="0"/>
+              <a:t>config</a:t>
+            </a:r>
+            <a:r>
+              <a:rPr lang="en-US" dirty="0" smtClean="0"/>
+              <a:t> is downloaded and </a:t>
+            </a:r>
+            <a:r>
+              <a:rPr lang="en-US" dirty="0" err="1" smtClean="0"/>
+              <a:t>scratchClient</a:t>
+            </a:r>
+            <a:r>
+              <a:rPr lang="en-US" dirty="0" smtClean="0"/>
+              <a:t> works.</a:t>
+            </a:r>
+            <a:endParaRPr lang="nl-NL" dirty="0"/>
+          </a:p>
+        </p:txBody>
+      </p:sp>
+      <p:sp>
+        <p:nvSpPr>
+          <p:cNvPr id="4" name="Tijdelijke aanduiding voor dianummer 3"/>
+          <p:cNvSpPr>
+            <a:spLocks noGrp="1"/>
+          </p:cNvSpPr>
+          <p:nvPr>
+            <p:ph type="sldNum" sz="quarter" idx="12"/>
+          </p:nvPr>
+        </p:nvSpPr>
+        <p:spPr/>
+        <p:txBody>
+          <a:bodyPr/>
+          <a:lstStyle/>
+          <a:p>
+            <a:fld id="{6802DAD7-DC19-4A9E-93C3-E71314786426}" type="slidenum">
+              <a:rPr lang="nl-NL" smtClean="0"/>
+              <a:pPr/>
+              <a:t>27</a:t>
+            </a:fld>
+            <a:endParaRPr lang="nl-NL" dirty="0"/>
           </a:p>
         </p:txBody>
       </p:sp>
@@ -8134,6 +8784,155 @@
 </file>
 
 <file path=ppt/slides/slide28.xml><?xml version="1.0" encoding="utf-8"?>
+<p:sld xmlns:a="http://schemas.openxmlformats.org/drawingml/2006/main" xmlns:r="http://schemas.openxmlformats.org/officeDocument/2006/relationships" xmlns:p="http://schemas.openxmlformats.org/presentationml/2006/main">
+  <p:cSld>
+    <p:spTree>
+      <p:nvGrpSpPr>
+        <p:cNvPr id="1" name=""/>
+        <p:cNvGrpSpPr/>
+        <p:nvPr/>
+      </p:nvGrpSpPr>
+      <p:grpSpPr>
+        <a:xfrm>
+          <a:off x="0" y="0"/>
+          <a:ext cx="0" cy="0"/>
+          <a:chOff x="0" y="0"/>
+          <a:chExt cx="0" cy="0"/>
+        </a:xfrm>
+      </p:grpSpPr>
+      <p:sp>
+        <p:nvSpPr>
+          <p:cNvPr id="2" name="Titel 1"/>
+          <p:cNvSpPr>
+            <a:spLocks noGrp="1"/>
+          </p:cNvSpPr>
+          <p:nvPr>
+            <p:ph type="title"/>
+          </p:nvPr>
+        </p:nvSpPr>
+        <p:spPr/>
+        <p:txBody>
+          <a:bodyPr/>
+          <a:lstStyle/>
+          <a:p>
+            <a:r>
+              <a:rPr lang="en-US" dirty="0" smtClean="0"/>
+              <a:t>Monitor the variables</a:t>
+            </a:r>
+            <a:endParaRPr lang="nl-NL" dirty="0"/>
+          </a:p>
+        </p:txBody>
+      </p:sp>
+      <p:sp>
+        <p:nvSpPr>
+          <p:cNvPr id="3" name="Tijdelijke aanduiding voor inhoud 2"/>
+          <p:cNvSpPr>
+            <a:spLocks noGrp="1"/>
+          </p:cNvSpPr>
+          <p:nvPr>
+            <p:ph idx="1"/>
+          </p:nvPr>
+        </p:nvSpPr>
+        <p:spPr/>
+        <p:txBody>
+          <a:bodyPr>
+            <a:normAutofit fontScale="92500" lnSpcReduction="10000"/>
+          </a:bodyPr>
+          <a:lstStyle/>
+          <a:p>
+            <a:r>
+              <a:rPr lang="en-US" dirty="0" smtClean="0"/>
+              <a:t>Open the browser</a:t>
+            </a:r>
+          </a:p>
+          <a:p>
+            <a:r>
+              <a:rPr lang="en-US" dirty="0" smtClean="0"/>
+              <a:t>Type </a:t>
+            </a:r>
+            <a:r>
+              <a:rPr lang="en-US" i="1" dirty="0" smtClean="0"/>
+              <a:t>localhost:8080</a:t>
+            </a:r>
+          </a:p>
+          <a:p>
+            <a:r>
+              <a:rPr lang="en-US" dirty="0" smtClean="0"/>
+              <a:t>Click </a:t>
+            </a:r>
+            <a:r>
+              <a:rPr lang="en-US" i="1" dirty="0" smtClean="0"/>
+              <a:t>adapters</a:t>
+            </a:r>
+          </a:p>
+          <a:p>
+            <a:r>
+              <a:rPr lang="en-US" dirty="0" smtClean="0"/>
+              <a:t>Note that naming is reversed: </a:t>
+            </a:r>
+          </a:p>
+          <a:p>
+            <a:pPr lvl="1"/>
+            <a:r>
+              <a:rPr lang="en-US" dirty="0" smtClean="0"/>
+              <a:t>Output is called input and</a:t>
+            </a:r>
+          </a:p>
+          <a:p>
+            <a:pPr lvl="1"/>
+            <a:r>
+              <a:rPr lang="en-US" dirty="0" smtClean="0"/>
+              <a:t>Input is called output</a:t>
+            </a:r>
+          </a:p>
+          <a:p>
+            <a:r>
+              <a:rPr lang="en-US" dirty="0" smtClean="0"/>
+              <a:t>Therefore best refer to the variable names.</a:t>
+            </a:r>
+          </a:p>
+          <a:p>
+            <a:r>
+              <a:rPr lang="en-US" dirty="0" smtClean="0"/>
+              <a:t>You will see that values are only displayed after they have changed (otherwise a question mark (?) is displayed).</a:t>
+            </a:r>
+            <a:endParaRPr lang="nl-NL" dirty="0"/>
+          </a:p>
+        </p:txBody>
+      </p:sp>
+      <p:sp>
+        <p:nvSpPr>
+          <p:cNvPr id="4" name="Tijdelijke aanduiding voor dianummer 3"/>
+          <p:cNvSpPr>
+            <a:spLocks noGrp="1"/>
+          </p:cNvSpPr>
+          <p:nvPr>
+            <p:ph type="sldNum" sz="quarter" idx="12"/>
+          </p:nvPr>
+        </p:nvSpPr>
+        <p:spPr/>
+        <p:txBody>
+          <a:bodyPr/>
+          <a:lstStyle/>
+          <a:p>
+            <a:fld id="{6802DAD7-DC19-4A9E-93C3-E71314786426}" type="slidenum">
+              <a:rPr lang="nl-NL" smtClean="0"/>
+              <a:pPr/>
+              <a:t>28</a:t>
+            </a:fld>
+            <a:endParaRPr lang="nl-NL" dirty="0"/>
+          </a:p>
+        </p:txBody>
+      </p:sp>
+    </p:spTree>
+  </p:cSld>
+  <p:clrMapOvr>
+    <a:masterClrMapping/>
+  </p:clrMapOvr>
+</p:sld>
+</file>
+
+<file path=ppt/slides/slide29.xml><?xml version="1.0" encoding="utf-8"?>
 <p:sld xmlns:a="http://schemas.openxmlformats.org/drawingml/2006/main" xmlns:r="http://schemas.openxmlformats.org/officeDocument/2006/relationships" xmlns:p="http://schemas.openxmlformats.org/presentationml/2006/main">
   <p:cSld>
     <p:spTree>
@@ -8253,6 +9052,30 @@
           </a:p>
         </p:txBody>
       </p:sp>
+      <p:sp>
+        <p:nvSpPr>
+          <p:cNvPr id="5" name="Tijdelijke aanduiding voor dianummer 4"/>
+          <p:cNvSpPr>
+            <a:spLocks noGrp="1"/>
+          </p:cNvSpPr>
+          <p:nvPr>
+            <p:ph type="sldNum" sz="quarter" idx="12"/>
+          </p:nvPr>
+        </p:nvSpPr>
+        <p:spPr/>
+        <p:txBody>
+          <a:bodyPr/>
+          <a:lstStyle/>
+          <a:p>
+            <a:fld id="{6802DAD7-DC19-4A9E-93C3-E71314786426}" type="slidenum">
+              <a:rPr lang="nl-NL" smtClean="0"/>
+              <a:pPr/>
+              <a:t>29</a:t>
+            </a:fld>
+            <a:endParaRPr lang="nl-NL" dirty="0"/>
+          </a:p>
+        </p:txBody>
+      </p:sp>
     </p:spTree>
   </p:cSld>
   <p:clrMapOvr>
@@ -8261,7 +9084,342 @@
 </p:sld>
 </file>
 
-<file path=ppt/slides/slide29.xml><?xml version="1.0" encoding="utf-8"?>
+<file path=ppt/slides/slide3.xml><?xml version="1.0" encoding="utf-8"?>
+<p:sld xmlns:a="http://schemas.openxmlformats.org/drawingml/2006/main" xmlns:r="http://schemas.openxmlformats.org/officeDocument/2006/relationships" xmlns:p="http://schemas.openxmlformats.org/presentationml/2006/main">
+  <p:cSld>
+    <p:spTree>
+      <p:nvGrpSpPr>
+        <p:cNvPr id="1" name=""/>
+        <p:cNvGrpSpPr/>
+        <p:nvPr/>
+      </p:nvGrpSpPr>
+      <p:grpSpPr>
+        <a:xfrm>
+          <a:off x="0" y="0"/>
+          <a:ext cx="0" cy="0"/>
+          <a:chOff x="0" y="0"/>
+          <a:chExt cx="0" cy="0"/>
+        </a:xfrm>
+      </p:grpSpPr>
+      <p:sp>
+        <p:nvSpPr>
+          <p:cNvPr id="2" name="Titel 1"/>
+          <p:cNvSpPr>
+            <a:spLocks noGrp="1"/>
+          </p:cNvSpPr>
+          <p:nvPr>
+            <p:ph type="title"/>
+          </p:nvPr>
+        </p:nvSpPr>
+        <p:spPr/>
+        <p:txBody>
+          <a:bodyPr/>
+          <a:lstStyle/>
+          <a:p>
+            <a:r>
+              <a:rPr lang="en-US" dirty="0" smtClean="0"/>
+              <a:t>Workshop </a:t>
+            </a:r>
+            <a:r>
+              <a:rPr lang="en-US" dirty="0" err="1" smtClean="0"/>
+              <a:t>organisation</a:t>
+            </a:r>
+            <a:endParaRPr lang="nl-NL" dirty="0"/>
+          </a:p>
+        </p:txBody>
+      </p:sp>
+      <p:sp>
+        <p:nvSpPr>
+          <p:cNvPr id="3" name="Tijdelijke aanduiding voor inhoud 2"/>
+          <p:cNvSpPr>
+            <a:spLocks noGrp="1"/>
+          </p:cNvSpPr>
+          <p:nvPr>
+            <p:ph idx="1"/>
+          </p:nvPr>
+        </p:nvSpPr>
+        <p:spPr>
+          <a:xfrm>
+            <a:off x="467544" y="1059582"/>
+            <a:ext cx="3970784" cy="3394472"/>
+          </a:xfrm>
+        </p:spPr>
+        <p:txBody>
+          <a:bodyPr>
+            <a:normAutofit fontScale="92500" lnSpcReduction="20000"/>
+          </a:bodyPr>
+          <a:lstStyle/>
+          <a:p>
+            <a:r>
+              <a:rPr lang="en-US" sz="2000" dirty="0" smtClean="0"/>
+              <a:t>Welcome and introduction presentation (10 min).</a:t>
+            </a:r>
+          </a:p>
+          <a:p>
+            <a:r>
+              <a:rPr lang="en-US" sz="2000" dirty="0" smtClean="0"/>
+              <a:t>After that everyone will work at his or her own pace.</a:t>
+            </a:r>
+          </a:p>
+          <a:p>
+            <a:r>
+              <a:rPr lang="en-US" sz="2000" dirty="0" smtClean="0"/>
+              <a:t>At times we will present for 5 minutes to explain a next concept.</a:t>
+            </a:r>
+          </a:p>
+          <a:p>
+            <a:r>
+              <a:rPr lang="en-US" sz="2000" dirty="0" smtClean="0"/>
+              <a:t>Language: English, but help in German available.</a:t>
+            </a:r>
+          </a:p>
+          <a:p>
+            <a:r>
+              <a:rPr lang="en-US" sz="2000" dirty="0" smtClean="0"/>
+              <a:t>At the end copy the material you created to your USB stick (if you want)</a:t>
+            </a:r>
+          </a:p>
+          <a:p>
+            <a:r>
+              <a:rPr lang="en-US" sz="2000" dirty="0" smtClean="0"/>
+              <a:t>Cleanup.</a:t>
+            </a:r>
+            <a:endParaRPr lang="nl-NL" sz="2000" dirty="0"/>
+          </a:p>
+        </p:txBody>
+      </p:sp>
+      <p:sp>
+        <p:nvSpPr>
+          <p:cNvPr id="4" name="Tijdelijke aanduiding voor inhoud 2"/>
+          <p:cNvSpPr txBox="1">
+            <a:spLocks/>
+          </p:cNvSpPr>
+          <p:nvPr/>
+        </p:nvSpPr>
+        <p:spPr>
+          <a:xfrm>
+            <a:off x="4644008" y="1059582"/>
+            <a:ext cx="3970784" cy="3744416"/>
+          </a:xfrm>
+          <a:prstGeom prst="rect">
+            <a:avLst/>
+          </a:prstGeom>
+        </p:spPr>
+        <p:txBody>
+          <a:bodyPr vert="horz" lIns="91440" tIns="45720" rIns="91440" bIns="45720" rtlCol="0">
+            <a:normAutofit fontScale="77500" lnSpcReduction="20000"/>
+          </a:bodyPr>
+          <a:lstStyle/>
+          <a:p>
+            <a:pPr marL="179388" marR="0" lvl="0" indent="-179388" algn="l" defTabSz="914400" rtl="0" eaLnBrk="1" fontAlgn="auto" latinLnBrk="0" hangingPunct="1">
+              <a:lnSpc>
+                <a:spcPct val="100000"/>
+              </a:lnSpc>
+              <a:spcBef>
+                <a:spcPct val="20000"/>
+              </a:spcBef>
+              <a:spcAft>
+                <a:spcPts val="0"/>
+              </a:spcAft>
+              <a:buClrTx/>
+              <a:buSzTx/>
+              <a:buFont typeface="Arial" pitchFamily="34" charset="0"/>
+              <a:buChar char="•"/>
+              <a:tabLst/>
+              <a:defRPr/>
+            </a:pPr>
+            <a:r>
+              <a:rPr kumimoji="0" lang="en-US" sz="2400" b="0" i="0" u="none" strike="noStrike" kern="1200" cap="none" spc="0" normalizeH="0" baseline="0" noProof="0" dirty="0" smtClean="0">
+                <a:ln>
+                  <a:noFill/>
+                </a:ln>
+                <a:solidFill>
+                  <a:schemeClr val="tx1"/>
+                </a:solidFill>
+                <a:effectLst/>
+                <a:uLnTx/>
+                <a:uFillTx/>
+                <a:latin typeface="+mn-lt"/>
+                <a:ea typeface="+mn-ea"/>
+                <a:cs typeface="+mn-cs"/>
+              </a:rPr>
+              <a:t>The major steps:</a:t>
+            </a:r>
+          </a:p>
+          <a:p>
+            <a:pPr marL="361950" lvl="1" indent="-190500">
+              <a:spcBef>
+                <a:spcPct val="20000"/>
+              </a:spcBef>
+              <a:buFont typeface="+mj-lt"/>
+              <a:buAutoNum type="arabicPeriod"/>
+            </a:pPr>
+            <a:r>
+              <a:rPr lang="en-US" sz="2000" noProof="0" dirty="0" smtClean="0"/>
+              <a:t>Get a working hardware and </a:t>
+            </a:r>
+            <a:r>
+              <a:rPr lang="en-US" sz="2000" noProof="0" dirty="0" err="1" smtClean="0"/>
+              <a:t>scratchClient</a:t>
+            </a:r>
+            <a:r>
+              <a:rPr lang="en-US" sz="2000" noProof="0" dirty="0" smtClean="0"/>
+              <a:t> </a:t>
+            </a:r>
+            <a:r>
+              <a:rPr lang="en-US" sz="2000" noProof="0" dirty="0" err="1" smtClean="0"/>
+              <a:t>config</a:t>
+            </a:r>
+            <a:r>
+              <a:rPr lang="en-US" sz="2000" noProof="0" dirty="0" smtClean="0"/>
+              <a:t> using a Scratch test program.</a:t>
+            </a:r>
+          </a:p>
+          <a:p>
+            <a:pPr marL="361950" lvl="1" indent="-190500">
+              <a:spcBef>
+                <a:spcPct val="20000"/>
+              </a:spcBef>
+              <a:buFont typeface="+mj-lt"/>
+              <a:buAutoNum type="arabicPeriod"/>
+            </a:pPr>
+            <a:r>
+              <a:rPr lang="en-US" sz="2000" noProof="0" dirty="0" smtClean="0"/>
+              <a:t>Update </a:t>
+            </a:r>
+            <a:r>
+              <a:rPr lang="en-US" sz="2000" noProof="0" dirty="0" err="1" smtClean="0"/>
+              <a:t>scratchClient</a:t>
+            </a:r>
+            <a:r>
+              <a:rPr lang="en-US" sz="2000" noProof="0" dirty="0" smtClean="0"/>
+              <a:t> </a:t>
+            </a:r>
+            <a:r>
+              <a:rPr lang="en-US" sz="2000" noProof="0" dirty="0" err="1" smtClean="0"/>
+              <a:t>config</a:t>
+            </a:r>
+            <a:r>
+              <a:rPr lang="en-US" sz="2000" noProof="0" dirty="0" smtClean="0"/>
+              <a:t> (moving to other GPIO pins)</a:t>
+            </a:r>
+          </a:p>
+          <a:p>
+            <a:pPr marL="361950" lvl="1" indent="-190500">
+              <a:spcBef>
+                <a:spcPct val="20000"/>
+              </a:spcBef>
+              <a:buFont typeface="+mj-lt"/>
+              <a:buAutoNum type="arabicPeriod"/>
+            </a:pPr>
+            <a:r>
+              <a:rPr lang="en-US" sz="2000" dirty="0" smtClean="0"/>
+              <a:t>Write your own Scratch program to access the board.</a:t>
+            </a:r>
+          </a:p>
+          <a:p>
+            <a:pPr marL="361950" lvl="1" indent="-190500">
+              <a:spcBef>
+                <a:spcPct val="20000"/>
+              </a:spcBef>
+              <a:buFont typeface="+mj-lt"/>
+              <a:buAutoNum type="arabicPeriod"/>
+            </a:pPr>
+            <a:r>
+              <a:rPr lang="en-US" sz="2000" dirty="0" smtClean="0"/>
+              <a:t>Add more hardware (buzzer, tri-color LED, button, joy stick) and adapt </a:t>
+            </a:r>
+            <a:r>
+              <a:rPr lang="en-US" sz="2000" dirty="0" err="1" smtClean="0"/>
+              <a:t>scratchClient</a:t>
+            </a:r>
+            <a:r>
+              <a:rPr lang="en-US" sz="2000" dirty="0" smtClean="0"/>
+              <a:t> </a:t>
+            </a:r>
+            <a:r>
+              <a:rPr lang="en-US" sz="2000" dirty="0" err="1" smtClean="0"/>
+              <a:t>config</a:t>
+            </a:r>
+            <a:r>
+              <a:rPr lang="en-US" sz="2000" dirty="0" smtClean="0"/>
+              <a:t> and adapt the Scratch program.</a:t>
+            </a:r>
+          </a:p>
+          <a:p>
+            <a:pPr marL="361950" lvl="1" indent="-190500">
+              <a:spcBef>
+                <a:spcPct val="20000"/>
+              </a:spcBef>
+              <a:buFont typeface="+mj-lt"/>
+              <a:buAutoNum type="arabicPeriod"/>
+            </a:pPr>
+            <a:r>
+              <a:rPr lang="en-US" sz="2000" noProof="0" dirty="0" smtClean="0"/>
+              <a:t>If you want: have a look at the game used at the </a:t>
+            </a:r>
+            <a:r>
+              <a:rPr lang="en-US" sz="2000" noProof="0" dirty="0" err="1" smtClean="0"/>
+              <a:t>Weekendschool</a:t>
+            </a:r>
+            <a:r>
+              <a:rPr lang="en-US" sz="2000" dirty="0" smtClean="0"/>
+              <a:t> and program a bit yourself (but it is still in Dutch </a:t>
+            </a:r>
+            <a:r>
+              <a:rPr lang="en-US" sz="2000" dirty="0" smtClean="0">
+                <a:sym typeface="Wingdings" pitchFamily="2" charset="2"/>
+              </a:rPr>
+              <a:t> )</a:t>
+            </a:r>
+            <a:endParaRPr lang="en-US" sz="2000" dirty="0" smtClean="0"/>
+          </a:p>
+          <a:p>
+            <a:pPr marL="450850" lvl="2" indent="12700">
+              <a:spcBef>
+                <a:spcPct val="20000"/>
+              </a:spcBef>
+            </a:pPr>
+            <a:r>
+              <a:rPr lang="en-US" sz="1900" noProof="0" dirty="0" smtClean="0"/>
+              <a:t>Start latest 30 minutes before the end of the workshop.</a:t>
+            </a:r>
+          </a:p>
+        </p:txBody>
+      </p:sp>
+      <p:sp>
+        <p:nvSpPr>
+          <p:cNvPr id="5" name="Tijdelijke aanduiding voor dianummer 4"/>
+          <p:cNvSpPr>
+            <a:spLocks noGrp="1"/>
+          </p:cNvSpPr>
+          <p:nvPr>
+            <p:ph type="sldNum" sz="quarter" idx="12"/>
+          </p:nvPr>
+        </p:nvSpPr>
+        <p:spPr/>
+        <p:txBody>
+          <a:bodyPr/>
+          <a:lstStyle/>
+          <a:p>
+            <a:fld id="{6802DAD7-DC19-4A9E-93C3-E71314786426}" type="slidenum">
+              <a:rPr lang="nl-NL" smtClean="0"/>
+              <a:pPr/>
+              <a:t>3</a:t>
+            </a:fld>
+            <a:endParaRPr lang="nl-NL" dirty="0"/>
+          </a:p>
+        </p:txBody>
+      </p:sp>
+    </p:spTree>
+  </p:cSld>
+  <p:clrMapOvr>
+    <a:masterClrMapping/>
+  </p:clrMapOvr>
+</p:sld>
+</file>
+
+<file path=ppt/slides/slide30.xml><?xml version="1.0" encoding="utf-8"?>
 <p:sld xmlns:a="http://schemas.openxmlformats.org/drawingml/2006/main" xmlns:r="http://schemas.openxmlformats.org/officeDocument/2006/relationships" xmlns:p="http://schemas.openxmlformats.org/presentationml/2006/main">
   <p:cSld>
     <p:spTree>
@@ -8391,39 +9549,14 @@
           <a:noFill/>
         </p:spPr>
       </p:pic>
-    </p:spTree>
-  </p:cSld>
-  <p:clrMapOvr>
-    <a:masterClrMapping/>
-  </p:clrMapOvr>
-</p:sld>
-</file>
-
-<file path=ppt/slides/slide3.xml><?xml version="1.0" encoding="utf-8"?>
-<p:sld xmlns:a="http://schemas.openxmlformats.org/drawingml/2006/main" xmlns:r="http://schemas.openxmlformats.org/officeDocument/2006/relationships" xmlns:p="http://schemas.openxmlformats.org/presentationml/2006/main">
-  <p:cSld>
-    <p:spTree>
-      <p:nvGrpSpPr>
-        <p:cNvPr id="1" name=""/>
-        <p:cNvGrpSpPr/>
-        <p:nvPr/>
-      </p:nvGrpSpPr>
-      <p:grpSpPr>
-        <a:xfrm>
-          <a:off x="0" y="0"/>
-          <a:ext cx="0" cy="0"/>
-          <a:chOff x="0" y="0"/>
-          <a:chExt cx="0" cy="0"/>
-        </a:xfrm>
-      </p:grpSpPr>
-      <p:sp>
-        <p:nvSpPr>
-          <p:cNvPr id="2" name="Titel 1"/>
-          <p:cNvSpPr>
-            <a:spLocks noGrp="1"/>
-          </p:cNvSpPr>
-          <p:nvPr>
-            <p:ph type="title"/>
+      <p:sp>
+        <p:nvSpPr>
+          <p:cNvPr id="5" name="Tijdelijke aanduiding voor dianummer 4"/>
+          <p:cNvSpPr>
+            <a:spLocks noGrp="1"/>
+          </p:cNvSpPr>
+          <p:nvPr>
+            <p:ph type="sldNum" sz="quarter" idx="12"/>
           </p:nvPr>
         </p:nvSpPr>
         <p:spPr/>
@@ -8431,364 +9564,11 @@
           <a:bodyPr/>
           <a:lstStyle/>
           <a:p>
-            <a:r>
-              <a:rPr lang="en-US" dirty="0" smtClean="0"/>
-              <a:t>Workshop </a:t>
-            </a:r>
-            <a:r>
-              <a:rPr lang="en-US" dirty="0" err="1" smtClean="0"/>
-              <a:t>organisation</a:t>
-            </a:r>
-            <a:endParaRPr lang="nl-NL" dirty="0"/>
-          </a:p>
-        </p:txBody>
-      </p:sp>
-      <p:sp>
-        <p:nvSpPr>
-          <p:cNvPr id="3" name="Tijdelijke aanduiding voor inhoud 2"/>
-          <p:cNvSpPr>
-            <a:spLocks noGrp="1"/>
-          </p:cNvSpPr>
-          <p:nvPr>
-            <p:ph idx="1"/>
-          </p:nvPr>
-        </p:nvSpPr>
-        <p:spPr>
-          <a:xfrm>
-            <a:off x="467544" y="1059582"/>
-            <a:ext cx="3970784" cy="3394472"/>
-          </a:xfrm>
-        </p:spPr>
-        <p:txBody>
-          <a:bodyPr>
-            <a:normAutofit fontScale="92500" lnSpcReduction="20000"/>
-          </a:bodyPr>
-          <a:lstStyle/>
-          <a:p>
-            <a:r>
-              <a:rPr lang="en-US" sz="2000" dirty="0" smtClean="0"/>
-              <a:t>Welcome and introduction presentation (10 min).</a:t>
-            </a:r>
-          </a:p>
-          <a:p>
-            <a:r>
-              <a:rPr lang="en-US" sz="2000" dirty="0" smtClean="0"/>
-              <a:t>After that everyone will work at his or her own pace.</a:t>
-            </a:r>
-          </a:p>
-          <a:p>
-            <a:r>
-              <a:rPr lang="en-US" sz="2000" dirty="0" smtClean="0"/>
-              <a:t>At times we will present for 5 minutes to explain a next concept.</a:t>
-            </a:r>
-          </a:p>
-          <a:p>
-            <a:r>
-              <a:rPr lang="en-US" sz="2000" dirty="0" smtClean="0"/>
-              <a:t>Language: English, but help in German available.</a:t>
-            </a:r>
-          </a:p>
-          <a:p>
-            <a:r>
-              <a:rPr lang="en-US" sz="2000" dirty="0" smtClean="0"/>
-              <a:t>At the end copy the material you created to your USB stick (if you want)</a:t>
-            </a:r>
-          </a:p>
-          <a:p>
-            <a:r>
-              <a:rPr lang="en-US" sz="2000" dirty="0" smtClean="0"/>
-              <a:t>Cleanup.</a:t>
-            </a:r>
-            <a:endParaRPr lang="nl-NL" sz="2000" dirty="0"/>
-          </a:p>
-        </p:txBody>
-      </p:sp>
-      <p:sp>
-        <p:nvSpPr>
-          <p:cNvPr id="4" name="Tijdelijke aanduiding voor inhoud 2"/>
-          <p:cNvSpPr txBox="1">
-            <a:spLocks/>
-          </p:cNvSpPr>
-          <p:nvPr/>
-        </p:nvSpPr>
-        <p:spPr>
-          <a:xfrm>
-            <a:off x="4644008" y="1059582"/>
-            <a:ext cx="3970784" cy="3744416"/>
-          </a:xfrm>
-          <a:prstGeom prst="rect">
-            <a:avLst/>
-          </a:prstGeom>
-        </p:spPr>
-        <p:txBody>
-          <a:bodyPr vert="horz" lIns="91440" tIns="45720" rIns="91440" bIns="45720" rtlCol="0">
-            <a:normAutofit fontScale="77500" lnSpcReduction="20000"/>
-          </a:bodyPr>
-          <a:lstStyle/>
-          <a:p>
-            <a:pPr marL="179388" marR="0" lvl="0" indent="-179388" algn="l" defTabSz="914400" rtl="0" eaLnBrk="1" fontAlgn="auto" latinLnBrk="0" hangingPunct="1">
-              <a:lnSpc>
-                <a:spcPct val="100000"/>
-              </a:lnSpc>
-              <a:spcBef>
-                <a:spcPct val="20000"/>
-              </a:spcBef>
-              <a:spcAft>
-                <a:spcPts val="0"/>
-              </a:spcAft>
-              <a:buClrTx/>
-              <a:buSzTx/>
-              <a:buFont typeface="Arial" pitchFamily="34" charset="0"/>
-              <a:buChar char="•"/>
-              <a:tabLst/>
-              <a:defRPr/>
-            </a:pPr>
-            <a:r>
-              <a:rPr kumimoji="0" lang="en-US" sz="2400" b="0" i="0" u="none" strike="noStrike" kern="1200" cap="none" spc="0" normalizeH="0" baseline="0" noProof="0" dirty="0" smtClean="0">
-                <a:ln>
-                  <a:noFill/>
-                </a:ln>
-                <a:solidFill>
-                  <a:schemeClr val="tx1"/>
-                </a:solidFill>
-                <a:effectLst/>
-                <a:uLnTx/>
-                <a:uFillTx/>
-                <a:latin typeface="+mn-lt"/>
-                <a:ea typeface="+mn-ea"/>
-                <a:cs typeface="+mn-cs"/>
-              </a:rPr>
-              <a:t>The major steps:</a:t>
-            </a:r>
-          </a:p>
-          <a:p>
-            <a:pPr marL="361950" lvl="1" indent="-190500">
-              <a:spcBef>
-                <a:spcPct val="20000"/>
-              </a:spcBef>
-              <a:buFont typeface="+mj-lt"/>
-              <a:buAutoNum type="arabicPeriod"/>
-            </a:pPr>
-            <a:r>
-              <a:rPr lang="en-US" sz="2000" noProof="0" dirty="0" smtClean="0"/>
-              <a:t>Get a working hardware and </a:t>
-            </a:r>
-            <a:r>
-              <a:rPr lang="en-US" sz="2000" noProof="0" dirty="0" err="1" smtClean="0"/>
-              <a:t>scratchClient</a:t>
-            </a:r>
-            <a:r>
-              <a:rPr lang="en-US" sz="2000" noProof="0" dirty="0" smtClean="0"/>
-              <a:t> </a:t>
-            </a:r>
-            <a:r>
-              <a:rPr lang="en-US" sz="2000" noProof="0" dirty="0" err="1" smtClean="0"/>
-              <a:t>config</a:t>
-            </a:r>
-            <a:r>
-              <a:rPr lang="en-US" sz="2000" noProof="0" dirty="0" smtClean="0"/>
-              <a:t> using a Scratch test program.</a:t>
-            </a:r>
-          </a:p>
-          <a:p>
-            <a:pPr marL="361950" lvl="1" indent="-190500">
-              <a:spcBef>
-                <a:spcPct val="20000"/>
-              </a:spcBef>
-              <a:buFont typeface="+mj-lt"/>
-              <a:buAutoNum type="arabicPeriod"/>
-            </a:pPr>
-            <a:r>
-              <a:rPr lang="en-US" sz="2000" noProof="0" dirty="0" smtClean="0"/>
-              <a:t>Update </a:t>
-            </a:r>
-            <a:r>
-              <a:rPr lang="en-US" sz="2000" noProof="0" dirty="0" err="1" smtClean="0"/>
-              <a:t>scratchClient</a:t>
-            </a:r>
-            <a:r>
-              <a:rPr lang="en-US" sz="2000" noProof="0" dirty="0" smtClean="0"/>
-              <a:t> </a:t>
-            </a:r>
-            <a:r>
-              <a:rPr lang="en-US" sz="2000" noProof="0" dirty="0" err="1" smtClean="0"/>
-              <a:t>config</a:t>
-            </a:r>
-            <a:r>
-              <a:rPr lang="en-US" sz="2000" noProof="0" dirty="0" smtClean="0"/>
-              <a:t> (moving to other GPIO pins)</a:t>
-            </a:r>
-          </a:p>
-          <a:p>
-            <a:pPr marL="361950" lvl="1" indent="-190500">
-              <a:spcBef>
-                <a:spcPct val="20000"/>
-              </a:spcBef>
-              <a:buFont typeface="+mj-lt"/>
-              <a:buAutoNum type="arabicPeriod"/>
-            </a:pPr>
-            <a:r>
-              <a:rPr lang="en-US" sz="2000" dirty="0" smtClean="0"/>
-              <a:t>Write your own Scratch program to access the board.</a:t>
-            </a:r>
-          </a:p>
-          <a:p>
-            <a:pPr marL="361950" lvl="1" indent="-190500">
-              <a:spcBef>
-                <a:spcPct val="20000"/>
-              </a:spcBef>
-              <a:buFont typeface="+mj-lt"/>
-              <a:buAutoNum type="arabicPeriod"/>
-            </a:pPr>
-            <a:r>
-              <a:rPr lang="en-US" sz="2000" dirty="0" smtClean="0"/>
-              <a:t>Add more hardware (buzzer, tri-color LED, button, joy stick) and adapt </a:t>
-            </a:r>
-            <a:r>
-              <a:rPr lang="en-US" sz="2000" dirty="0" err="1" smtClean="0"/>
-              <a:t>scratchClient</a:t>
-            </a:r>
-            <a:r>
-              <a:rPr lang="en-US" sz="2000" dirty="0" smtClean="0"/>
-              <a:t> </a:t>
-            </a:r>
-            <a:r>
-              <a:rPr lang="en-US" sz="2000" dirty="0" err="1" smtClean="0"/>
-              <a:t>config</a:t>
-            </a:r>
-            <a:r>
-              <a:rPr lang="en-US" sz="2000" dirty="0" smtClean="0"/>
-              <a:t> and adapt the Scratch program.</a:t>
-            </a:r>
-          </a:p>
-          <a:p>
-            <a:pPr marL="361950" lvl="1" indent="-190500">
-              <a:spcBef>
-                <a:spcPct val="20000"/>
-              </a:spcBef>
-              <a:buFont typeface="+mj-lt"/>
-              <a:buAutoNum type="arabicPeriod"/>
-            </a:pPr>
-            <a:r>
-              <a:rPr lang="en-US" sz="2000" noProof="0" dirty="0" smtClean="0"/>
-              <a:t>If you want: have a look at the game used at the </a:t>
-            </a:r>
-            <a:r>
-              <a:rPr lang="en-US" sz="2000" noProof="0" dirty="0" err="1" smtClean="0"/>
-              <a:t>Weekendschool</a:t>
-            </a:r>
-            <a:r>
-              <a:rPr lang="en-US" sz="2000" dirty="0" smtClean="0"/>
-              <a:t> and program a bit yourself (but it is still in Dutch </a:t>
-            </a:r>
-            <a:r>
-              <a:rPr lang="en-US" sz="2000" dirty="0" smtClean="0">
-                <a:sym typeface="Wingdings" pitchFamily="2" charset="2"/>
-              </a:rPr>
-              <a:t> )</a:t>
-            </a:r>
-            <a:endParaRPr lang="en-US" sz="2000" dirty="0" smtClean="0"/>
-          </a:p>
-          <a:p>
-            <a:pPr marL="450850" lvl="2" indent="12700">
-              <a:spcBef>
-                <a:spcPct val="20000"/>
-              </a:spcBef>
-            </a:pPr>
-            <a:r>
-              <a:rPr lang="en-US" sz="1900" noProof="0" dirty="0" smtClean="0"/>
-              <a:t>Start latest 30 minutes before the end of the workshop.</a:t>
-            </a:r>
-          </a:p>
-        </p:txBody>
-      </p:sp>
-    </p:spTree>
-  </p:cSld>
-  <p:clrMapOvr>
-    <a:masterClrMapping/>
-  </p:clrMapOvr>
-</p:sld>
-</file>
-
-<file path=ppt/slides/slide30.xml><?xml version="1.0" encoding="utf-8"?>
-<p:sld xmlns:a="http://schemas.openxmlformats.org/drawingml/2006/main" xmlns:r="http://schemas.openxmlformats.org/officeDocument/2006/relationships" xmlns:p="http://schemas.openxmlformats.org/presentationml/2006/main">
-  <p:cSld>
-    <p:spTree>
-      <p:nvGrpSpPr>
-        <p:cNvPr id="1" name=""/>
-        <p:cNvGrpSpPr/>
-        <p:nvPr/>
-      </p:nvGrpSpPr>
-      <p:grpSpPr>
-        <a:xfrm>
-          <a:off x="0" y="0"/>
-          <a:ext cx="0" cy="0"/>
-          <a:chOff x="0" y="0"/>
-          <a:chExt cx="0" cy="0"/>
-        </a:xfrm>
-      </p:grpSpPr>
-      <p:sp>
-        <p:nvSpPr>
-          <p:cNvPr id="2" name="Titel 1"/>
-          <p:cNvSpPr>
-            <a:spLocks noGrp="1"/>
-          </p:cNvSpPr>
-          <p:nvPr>
-            <p:ph type="title"/>
-          </p:nvPr>
-        </p:nvSpPr>
-        <p:spPr/>
-        <p:txBody>
-          <a:bodyPr/>
-          <a:lstStyle/>
-          <a:p>
-            <a:r>
-              <a:rPr lang="en-US" dirty="0" smtClean="0"/>
-              <a:t>Update the </a:t>
-            </a:r>
-            <a:r>
-              <a:rPr lang="en-US" dirty="0" err="1" smtClean="0"/>
-              <a:t>config</a:t>
-            </a:r>
-            <a:r>
-              <a:rPr lang="en-US" dirty="0" smtClean="0"/>
-              <a:t> file</a:t>
-            </a:r>
-            <a:endParaRPr lang="nl-NL" dirty="0"/>
-          </a:p>
-        </p:txBody>
-      </p:sp>
-      <p:sp>
-        <p:nvSpPr>
-          <p:cNvPr id="3" name="Tijdelijke aanduiding voor inhoud 2"/>
-          <p:cNvSpPr>
-            <a:spLocks noGrp="1"/>
-          </p:cNvSpPr>
-          <p:nvPr>
-            <p:ph idx="1"/>
-          </p:nvPr>
-        </p:nvSpPr>
-        <p:spPr/>
-        <p:txBody>
-          <a:bodyPr/>
-          <a:lstStyle/>
-          <a:p>
-            <a:r>
-              <a:rPr lang="en-US" dirty="0" smtClean="0"/>
-              <a:t>Configure the names for the next pins</a:t>
-            </a:r>
-          </a:p>
-          <a:p>
-            <a:r>
-              <a:rPr lang="en-US" dirty="0" smtClean="0"/>
-              <a:t>Go to the tool window that is still open</a:t>
-            </a:r>
-          </a:p>
-          <a:p>
-            <a:r>
-              <a:rPr lang="en-US" dirty="0" smtClean="0"/>
-              <a:t>Put these names in:</a:t>
-            </a:r>
+            <a:fld id="{6802DAD7-DC19-4A9E-93C3-E71314786426}" type="slidenum">
+              <a:rPr lang="nl-NL" smtClean="0"/>
+              <a:pPr/>
+              <a:t>30</a:t>
+            </a:fld>
             <a:endParaRPr lang="nl-NL" dirty="0"/>
           </a:p>
         </p:txBody>
@@ -8835,7 +9615,7 @@
           <a:p>
             <a:r>
               <a:rPr lang="en-US" dirty="0" smtClean="0"/>
-              <a:t>The servo setup</a:t>
+              <a:t>Controlling a buzzer with PWM</a:t>
             </a:r>
             <a:endParaRPr lang="nl-NL" dirty="0"/>
           </a:p>
@@ -8856,7 +9636,62 @@
           <a:bodyPr/>
           <a:lstStyle/>
           <a:p>
-            <a:endParaRPr lang="nl-NL"/>
+            <a:r>
+              <a:rPr lang="en-US" dirty="0" smtClean="0"/>
+              <a:t>The buzzer will sound if it gets a signal in an audible frequency range.</a:t>
+            </a:r>
+          </a:p>
+          <a:p>
+            <a:r>
+              <a:rPr lang="en-US" dirty="0" smtClean="0"/>
+              <a:t>A PWM signal on </a:t>
+            </a:r>
+            <a:r>
+              <a:rPr lang="en-US" dirty="0" err="1" smtClean="0"/>
+              <a:t>Arduino</a:t>
+            </a:r>
+            <a:r>
+              <a:rPr lang="en-US" dirty="0" smtClean="0"/>
+              <a:t> gives ca. 800 Hz.</a:t>
+            </a:r>
+          </a:p>
+          <a:p>
+            <a:pPr lvl="1"/>
+            <a:r>
+              <a:rPr lang="en-US" dirty="0" smtClean="0"/>
+              <a:t>Different for different pins</a:t>
+            </a:r>
+          </a:p>
+          <a:p>
+            <a:r>
+              <a:rPr lang="en-US" dirty="0" smtClean="0"/>
+              <a:t>You will see that there is not much influence by changing the duty cycle.</a:t>
+            </a:r>
+            <a:endParaRPr lang="nl-NL" dirty="0"/>
+          </a:p>
+        </p:txBody>
+      </p:sp>
+      <p:sp>
+        <p:nvSpPr>
+          <p:cNvPr id="4" name="Tijdelijke aanduiding voor dianummer 3"/>
+          <p:cNvSpPr>
+            <a:spLocks noGrp="1"/>
+          </p:cNvSpPr>
+          <p:nvPr>
+            <p:ph type="sldNum" sz="quarter" idx="12"/>
+          </p:nvPr>
+        </p:nvSpPr>
+        <p:spPr/>
+        <p:txBody>
+          <a:bodyPr/>
+          <a:lstStyle/>
+          <a:p>
+            <a:fld id="{6802DAD7-DC19-4A9E-93C3-E71314786426}" type="slidenum">
+              <a:rPr lang="nl-NL" smtClean="0"/>
+              <a:pPr/>
+              <a:t>31</a:t>
+            </a:fld>
+            <a:endParaRPr lang="nl-NL" dirty="0"/>
           </a:p>
         </p:txBody>
       </p:sp>
@@ -8897,25 +9732,97 @@
         </p:nvSpPr>
         <p:spPr/>
         <p:txBody>
+          <a:bodyPr>
+            <a:normAutofit fontScale="90000"/>
+          </a:bodyPr>
+          <a:lstStyle/>
+          <a:p>
+            <a:r>
+              <a:rPr lang="en-US" dirty="0" smtClean="0"/>
+              <a:t>PWM limitations of </a:t>
+            </a:r>
+            <a:r>
+              <a:rPr lang="en-US" dirty="0" err="1" smtClean="0"/>
+              <a:t>Arduino</a:t>
+            </a:r>
+            <a:r>
+              <a:rPr lang="en-US" dirty="0" smtClean="0"/>
+              <a:t> </a:t>
+            </a:r>
+            <a:r>
+              <a:rPr lang="en-US" sz="2700" dirty="0" smtClean="0"/>
+              <a:t>(</a:t>
+            </a:r>
+            <a:r>
+              <a:rPr lang="en-US" sz="2700" dirty="0" err="1" smtClean="0"/>
+              <a:t>Nano</a:t>
+            </a:r>
+            <a:r>
+              <a:rPr lang="en-US" sz="2700" dirty="0" smtClean="0"/>
+              <a:t> and Uno)</a:t>
+            </a:r>
+            <a:endParaRPr lang="nl-NL" dirty="0"/>
+          </a:p>
+        </p:txBody>
+      </p:sp>
+      <p:sp>
+        <p:nvSpPr>
+          <p:cNvPr id="3" name="Tijdelijke aanduiding voor inhoud 2"/>
+          <p:cNvSpPr>
+            <a:spLocks noGrp="1"/>
+          </p:cNvSpPr>
+          <p:nvPr>
+            <p:ph idx="1"/>
+          </p:nvPr>
+        </p:nvSpPr>
+        <p:spPr/>
+        <p:txBody>
           <a:bodyPr/>
           <a:lstStyle/>
           <a:p>
             <a:r>
               <a:rPr lang="en-US" dirty="0" smtClean="0"/>
-              <a:t>Dimming a LED with PWM</a:t>
-            </a:r>
-            <a:endParaRPr lang="nl-NL" dirty="0"/>
-          </a:p>
-        </p:txBody>
-      </p:sp>
-      <p:sp>
-        <p:nvSpPr>
-          <p:cNvPr id="3" name="Tijdelijke aanduiding voor inhoud 2"/>
-          <p:cNvSpPr>
-            <a:spLocks noGrp="1"/>
-          </p:cNvSpPr>
-          <p:nvPr>
-            <p:ph idx="1"/>
+              <a:t>General PWM is available on pins 3, 5, 6, 9, 10, 11</a:t>
+            </a:r>
+          </a:p>
+          <a:p>
+            <a:r>
+              <a:rPr lang="en-US" dirty="0" smtClean="0"/>
+              <a:t>Servo can be configured on those pins, but also on 2, 4, 7, 8, 12</a:t>
+            </a:r>
+          </a:p>
+          <a:p>
+            <a:r>
+              <a:rPr lang="en-US" dirty="0" smtClean="0"/>
+              <a:t>If a servo is configured on any pin, pins 10 and 11 cannot be configured as PWM anymore.</a:t>
+            </a:r>
+          </a:p>
+          <a:p>
+            <a:pPr lvl="1"/>
+            <a:r>
+              <a:rPr lang="en-US" dirty="0" smtClean="0"/>
+              <a:t>The </a:t>
+            </a:r>
+            <a:r>
+              <a:rPr lang="en-US" dirty="0" err="1" smtClean="0"/>
+              <a:t>config</a:t>
+            </a:r>
+            <a:r>
+              <a:rPr lang="en-US" dirty="0" smtClean="0"/>
+              <a:t> tool will warn you if you do it wrongly.</a:t>
+            </a:r>
+            <a:endParaRPr lang="nl-NL" dirty="0"/>
+          </a:p>
+        </p:txBody>
+      </p:sp>
+      <p:sp>
+        <p:nvSpPr>
+          <p:cNvPr id="4" name="Tijdelijke aanduiding voor dianummer 3"/>
+          <p:cNvSpPr>
+            <a:spLocks noGrp="1"/>
+          </p:cNvSpPr>
+          <p:nvPr>
+            <p:ph type="sldNum" sz="quarter" idx="12"/>
           </p:nvPr>
         </p:nvSpPr>
         <p:spPr/>
@@ -8923,10 +9830,11 @@
           <a:bodyPr/>
           <a:lstStyle/>
           <a:p>
-            <a:r>
-              <a:rPr lang="en-US" dirty="0" smtClean="0"/>
-              <a:t>Put the green LED in the right place.</a:t>
-            </a:r>
+            <a:fld id="{6802DAD7-DC19-4A9E-93C3-E71314786426}" type="slidenum">
+              <a:rPr lang="nl-NL" smtClean="0"/>
+              <a:pPr/>
+              <a:t>32</a:t>
+            </a:fld>
             <a:endParaRPr lang="nl-NL" dirty="0"/>
           </a:p>
         </p:txBody>
@@ -8973,7 +9881,15 @@
           <a:p>
             <a:r>
               <a:rPr lang="en-US" dirty="0" smtClean="0"/>
-              <a:t>Controlling a buzzer with PWM</a:t>
+              <a:t>Update the </a:t>
+            </a:r>
+            <a:r>
+              <a:rPr lang="en-US" dirty="0" err="1" smtClean="0"/>
+              <a:t>config</a:t>
+            </a:r>
+            <a:r>
+              <a:rPr lang="en-US" dirty="0" smtClean="0"/>
+              <a:t> file</a:t>
             </a:r>
             <a:endParaRPr lang="nl-NL" dirty="0"/>
           </a:p>
@@ -8996,8 +9912,44 @@
           <a:p>
             <a:r>
               <a:rPr lang="en-US" dirty="0" smtClean="0"/>
-              <a:t>Put the green LED in the right place.</a:t>
-            </a:r>
+              <a:t>Configure the names for the next pins</a:t>
+            </a:r>
+          </a:p>
+          <a:p>
+            <a:r>
+              <a:rPr lang="en-US" dirty="0" smtClean="0"/>
+              <a:t>Go to the tool window that is still open</a:t>
+            </a:r>
+          </a:p>
+          <a:p>
+            <a:r>
+              <a:rPr lang="en-US" dirty="0" smtClean="0"/>
+              <a:t>Put these names in:</a:t>
+            </a:r>
+            <a:endParaRPr lang="nl-NL" dirty="0"/>
+          </a:p>
+        </p:txBody>
+      </p:sp>
+      <p:sp>
+        <p:nvSpPr>
+          <p:cNvPr id="4" name="Tijdelijke aanduiding voor dianummer 3"/>
+          <p:cNvSpPr>
+            <a:spLocks noGrp="1"/>
+          </p:cNvSpPr>
+          <p:nvPr>
+            <p:ph type="sldNum" sz="quarter" idx="12"/>
+          </p:nvPr>
+        </p:nvSpPr>
+        <p:spPr/>
+        <p:txBody>
+          <a:bodyPr/>
+          <a:lstStyle/>
+          <a:p>
+            <a:fld id="{6802DAD7-DC19-4A9E-93C3-E71314786426}" type="slidenum">
+              <a:rPr lang="nl-NL" smtClean="0"/>
+              <a:pPr/>
+              <a:t>33</a:t>
+            </a:fld>
             <a:endParaRPr lang="nl-NL" dirty="0"/>
           </a:p>
         </p:txBody>
@@ -9044,11 +9996,7 @@
           <a:p>
             <a:r>
               <a:rPr lang="en-US" dirty="0" smtClean="0"/>
-              <a:t>Restart </a:t>
-            </a:r>
-            <a:r>
-              <a:rPr lang="en-US" dirty="0" err="1" smtClean="0"/>
-              <a:t>scratchClient</a:t>
+              <a:t>The servo setup</a:t>
             </a:r>
             <a:endParaRPr lang="nl-NL" dirty="0"/>
           </a:p>
@@ -9069,35 +10017,30 @@
           <a:bodyPr/>
           <a:lstStyle/>
           <a:p>
-            <a:r>
-              <a:rPr lang="en-US" dirty="0" smtClean="0"/>
-              <a:t>Stop the </a:t>
-            </a:r>
-            <a:r>
-              <a:rPr lang="en-US" dirty="0" err="1" smtClean="0"/>
-              <a:t>scratchClient</a:t>
-            </a:r>
-            <a:r>
-              <a:rPr lang="en-US" dirty="0" smtClean="0"/>
-              <a:t>. </a:t>
-            </a:r>
-          </a:p>
-          <a:p>
-            <a:pPr lvl="1"/>
-            <a:r>
-              <a:rPr lang="en-US" dirty="0" smtClean="0"/>
-              <a:t>Just close the window</a:t>
-            </a:r>
-          </a:p>
-          <a:p>
-            <a:r>
-              <a:rPr lang="en-US" dirty="0" smtClean="0"/>
-              <a:t>Restart the </a:t>
-            </a:r>
-            <a:r>
-              <a:rPr lang="en-US" dirty="0" err="1" smtClean="0"/>
-              <a:t>scratchClient</a:t>
-            </a:r>
+            <a:endParaRPr lang="nl-NL"/>
+          </a:p>
+        </p:txBody>
+      </p:sp>
+      <p:sp>
+        <p:nvSpPr>
+          <p:cNvPr id="4" name="Tijdelijke aanduiding voor dianummer 3"/>
+          <p:cNvSpPr>
+            <a:spLocks noGrp="1"/>
+          </p:cNvSpPr>
+          <p:nvPr>
+            <p:ph type="sldNum" sz="quarter" idx="12"/>
+          </p:nvPr>
+        </p:nvSpPr>
+        <p:spPr/>
+        <p:txBody>
+          <a:bodyPr/>
+          <a:lstStyle/>
+          <a:p>
+            <a:fld id="{6802DAD7-DC19-4A9E-93C3-E71314786426}" type="slidenum">
+              <a:rPr lang="nl-NL" smtClean="0"/>
+              <a:pPr/>
+              <a:t>34</a:t>
+            </a:fld>
             <a:endParaRPr lang="nl-NL" dirty="0"/>
           </a:p>
         </p:txBody>
@@ -9144,7 +10087,7 @@
           <a:p>
             <a:r>
               <a:rPr lang="en-US" dirty="0" smtClean="0"/>
-              <a:t>Make the new variables</a:t>
+              <a:t>Dimming a LED with PWM</a:t>
             </a:r>
             <a:endParaRPr lang="nl-NL" dirty="0"/>
           </a:p>
@@ -9167,51 +10110,33 @@
           <a:p>
             <a:r>
               <a:rPr lang="en-US" dirty="0" smtClean="0"/>
-              <a:t>Make the variables</a:t>
-            </a:r>
-          </a:p>
-          <a:p>
-            <a:pPr lvl="1"/>
-            <a:r>
-              <a:rPr lang="en-US" dirty="0" smtClean="0"/>
-              <a:t>Servo1 for the servo</a:t>
-            </a:r>
-          </a:p>
-          <a:p>
-            <a:pPr lvl="1"/>
-            <a:r>
-              <a:rPr lang="en-US" dirty="0" err="1" smtClean="0"/>
-              <a:t>GreenLed</a:t>
-            </a:r>
-            <a:r>
-              <a:rPr lang="en-US" dirty="0" smtClean="0"/>
-              <a:t> for the LED</a:t>
-            </a:r>
-          </a:p>
-          <a:p>
-            <a:pPr lvl="1"/>
-            <a:r>
-              <a:rPr lang="en-US" dirty="0" smtClean="0"/>
-              <a:t>Buzzer for the buzzer</a:t>
-            </a:r>
-            <a:endParaRPr lang="nl-NL" dirty="0" smtClean="0"/>
-          </a:p>
-          <a:p>
-            <a:r>
-              <a:rPr lang="en-US" dirty="0" smtClean="0"/>
-              <a:t>Make the extra sensor visible </a:t>
-            </a:r>
-          </a:p>
-          <a:p>
-            <a:pPr lvl="1"/>
-            <a:r>
-              <a:rPr lang="en-US" dirty="0" err="1" smtClean="0"/>
-              <a:t>Potmeter</a:t>
-            </a:r>
-            <a:r>
-              <a:rPr lang="en-US" dirty="0" smtClean="0"/>
-              <a:t> for the potentiometer</a:t>
-            </a:r>
+              <a:t>Put the green LED in the right place.</a:t>
+            </a:r>
+            <a:endParaRPr lang="nl-NL" dirty="0"/>
+          </a:p>
+        </p:txBody>
+      </p:sp>
+      <p:sp>
+        <p:nvSpPr>
+          <p:cNvPr id="4" name="Tijdelijke aanduiding voor dianummer 3"/>
+          <p:cNvSpPr>
+            <a:spLocks noGrp="1"/>
+          </p:cNvSpPr>
+          <p:nvPr>
+            <p:ph type="sldNum" sz="quarter" idx="12"/>
+          </p:nvPr>
+        </p:nvSpPr>
+        <p:spPr/>
+        <p:txBody>
+          <a:bodyPr/>
+          <a:lstStyle/>
+          <a:p>
+            <a:fld id="{6802DAD7-DC19-4A9E-93C3-E71314786426}" type="slidenum">
+              <a:rPr lang="nl-NL" smtClean="0"/>
+              <a:pPr/>
+              <a:t>35</a:t>
+            </a:fld>
+            <a:endParaRPr lang="nl-NL" dirty="0"/>
           </a:p>
         </p:txBody>
       </p:sp>
@@ -9257,7 +10182,7 @@
           <a:p>
             <a:r>
               <a:rPr lang="en-US" dirty="0" smtClean="0"/>
-              <a:t>Test whether it works</a:t>
+              <a:t>Controlling a buzzer with PWM</a:t>
             </a:r>
             <a:endParaRPr lang="nl-NL" dirty="0"/>
           </a:p>
@@ -9280,8 +10205,33 @@
           <a:p>
             <a:r>
               <a:rPr lang="en-US" dirty="0" smtClean="0"/>
-              <a:t>Change in Scratch the value of the variables that you just made.</a:t>
-            </a:r>
+              <a:t>Put the green LED in the right place.</a:t>
+            </a:r>
+            <a:endParaRPr lang="nl-NL" dirty="0"/>
+          </a:p>
+        </p:txBody>
+      </p:sp>
+      <p:sp>
+        <p:nvSpPr>
+          <p:cNvPr id="4" name="Tijdelijke aanduiding voor dianummer 3"/>
+          <p:cNvSpPr>
+            <a:spLocks noGrp="1"/>
+          </p:cNvSpPr>
+          <p:nvPr>
+            <p:ph type="sldNum" sz="quarter" idx="12"/>
+          </p:nvPr>
+        </p:nvSpPr>
+        <p:spPr/>
+        <p:txBody>
+          <a:bodyPr/>
+          <a:lstStyle/>
+          <a:p>
+            <a:fld id="{6802DAD7-DC19-4A9E-93C3-E71314786426}" type="slidenum">
+              <a:rPr lang="nl-NL" smtClean="0"/>
+              <a:pPr/>
+              <a:t>36</a:t>
+            </a:fld>
+            <a:endParaRPr lang="nl-NL" dirty="0"/>
           </a:p>
         </p:txBody>
       </p:sp>
@@ -9294,6 +10244,649 @@
 </file>
 
 <file path=ppt/slides/slide37.xml><?xml version="1.0" encoding="utf-8"?>
+<p:sld xmlns:a="http://schemas.openxmlformats.org/drawingml/2006/main" xmlns:r="http://schemas.openxmlformats.org/officeDocument/2006/relationships" xmlns:p="http://schemas.openxmlformats.org/presentationml/2006/main">
+  <p:cSld>
+    <p:spTree>
+      <p:nvGrpSpPr>
+        <p:cNvPr id="1" name=""/>
+        <p:cNvGrpSpPr/>
+        <p:nvPr/>
+      </p:nvGrpSpPr>
+      <p:grpSpPr>
+        <a:xfrm>
+          <a:off x="0" y="0"/>
+          <a:ext cx="0" cy="0"/>
+          <a:chOff x="0" y="0"/>
+          <a:chExt cx="0" cy="0"/>
+        </a:xfrm>
+      </p:grpSpPr>
+      <p:sp>
+        <p:nvSpPr>
+          <p:cNvPr id="2" name="Titel 1"/>
+          <p:cNvSpPr>
+            <a:spLocks noGrp="1"/>
+          </p:cNvSpPr>
+          <p:nvPr>
+            <p:ph type="title"/>
+          </p:nvPr>
+        </p:nvSpPr>
+        <p:spPr/>
+        <p:txBody>
+          <a:bodyPr/>
+          <a:lstStyle/>
+          <a:p>
+            <a:r>
+              <a:rPr lang="en-US" dirty="0" smtClean="0"/>
+              <a:t>Restart </a:t>
+            </a:r>
+            <a:r>
+              <a:rPr lang="en-US" dirty="0" err="1" smtClean="0"/>
+              <a:t>scratchClient</a:t>
+            </a:r>
+            <a:endParaRPr lang="nl-NL" dirty="0"/>
+          </a:p>
+        </p:txBody>
+      </p:sp>
+      <p:sp>
+        <p:nvSpPr>
+          <p:cNvPr id="3" name="Tijdelijke aanduiding voor inhoud 2"/>
+          <p:cNvSpPr>
+            <a:spLocks noGrp="1"/>
+          </p:cNvSpPr>
+          <p:nvPr>
+            <p:ph idx="1"/>
+          </p:nvPr>
+        </p:nvSpPr>
+        <p:spPr/>
+        <p:txBody>
+          <a:bodyPr/>
+          <a:lstStyle/>
+          <a:p>
+            <a:r>
+              <a:rPr lang="en-US" dirty="0" smtClean="0"/>
+              <a:t>After each change of the </a:t>
+            </a:r>
+            <a:r>
+              <a:rPr lang="en-US" dirty="0" err="1" smtClean="0"/>
+              <a:t>config</a:t>
+            </a:r>
+            <a:r>
+              <a:rPr lang="en-US" dirty="0" smtClean="0"/>
+              <a:t> file</a:t>
+            </a:r>
+          </a:p>
+          <a:p>
+            <a:pPr lvl="1"/>
+            <a:r>
+              <a:rPr lang="en-US" dirty="0" smtClean="0"/>
+              <a:t>Y</a:t>
+            </a:r>
+            <a:r>
+              <a:rPr lang="en-US" dirty="0" smtClean="0"/>
+              <a:t>ou must restart </a:t>
+            </a:r>
+            <a:r>
+              <a:rPr lang="en-US" dirty="0" err="1" smtClean="0"/>
+              <a:t>scratchClient</a:t>
+            </a:r>
+            <a:r>
+              <a:rPr lang="en-US" dirty="0" smtClean="0"/>
+              <a:t>.</a:t>
+            </a:r>
+          </a:p>
+          <a:p>
+            <a:pPr lvl="1"/>
+            <a:r>
+              <a:rPr lang="en-US" dirty="0" smtClean="0"/>
+              <a:t>If you are monitoring the variables in the browser, you must refresh (press F5).</a:t>
+            </a:r>
+            <a:endParaRPr lang="en-US" dirty="0" smtClean="0"/>
+          </a:p>
+          <a:p>
+            <a:r>
+              <a:rPr lang="en-US" dirty="0" smtClean="0"/>
+              <a:t>Stop </a:t>
+            </a:r>
+            <a:r>
+              <a:rPr lang="en-US" dirty="0" err="1" smtClean="0"/>
+              <a:t>scratchClient</a:t>
+            </a:r>
+            <a:r>
+              <a:rPr lang="en-US" dirty="0" smtClean="0"/>
+              <a:t>. </a:t>
+            </a:r>
+          </a:p>
+          <a:p>
+            <a:pPr lvl="1"/>
+            <a:r>
+              <a:rPr lang="en-US" dirty="0" smtClean="0"/>
+              <a:t>Just close the window</a:t>
+            </a:r>
+          </a:p>
+          <a:p>
+            <a:r>
+              <a:rPr lang="en-US" dirty="0" smtClean="0"/>
+              <a:t>Restart </a:t>
+            </a:r>
+            <a:r>
+              <a:rPr lang="en-US" dirty="0" err="1" smtClean="0"/>
+              <a:t>scratchClient</a:t>
+            </a:r>
+            <a:r>
+              <a:rPr lang="en-US" dirty="0" smtClean="0"/>
+              <a:t> by double clicking the </a:t>
+            </a:r>
+            <a:r>
+              <a:rPr lang="en-US" i="1" dirty="0" smtClean="0"/>
+              <a:t>StartSC.sh</a:t>
+            </a:r>
+            <a:r>
+              <a:rPr lang="en-US" dirty="0" smtClean="0"/>
+              <a:t> file.</a:t>
+            </a:r>
+          </a:p>
+          <a:p>
+            <a:pPr lvl="1"/>
+            <a:r>
+              <a:rPr lang="en-US" dirty="0" smtClean="0"/>
+              <a:t>And then refresh the browser if you are monitoring</a:t>
+            </a:r>
+            <a:endParaRPr lang="nl-NL" dirty="0"/>
+          </a:p>
+        </p:txBody>
+      </p:sp>
+      <p:sp>
+        <p:nvSpPr>
+          <p:cNvPr id="4" name="Tijdelijke aanduiding voor dianummer 3"/>
+          <p:cNvSpPr>
+            <a:spLocks noGrp="1"/>
+          </p:cNvSpPr>
+          <p:nvPr>
+            <p:ph type="sldNum" sz="quarter" idx="12"/>
+          </p:nvPr>
+        </p:nvSpPr>
+        <p:spPr/>
+        <p:txBody>
+          <a:bodyPr/>
+          <a:lstStyle/>
+          <a:p>
+            <a:fld id="{6802DAD7-DC19-4A9E-93C3-E71314786426}" type="slidenum">
+              <a:rPr lang="nl-NL" smtClean="0"/>
+              <a:pPr/>
+              <a:t>37</a:t>
+            </a:fld>
+            <a:endParaRPr lang="nl-NL" dirty="0"/>
+          </a:p>
+        </p:txBody>
+      </p:sp>
+    </p:spTree>
+  </p:cSld>
+  <p:clrMapOvr>
+    <a:masterClrMapping/>
+  </p:clrMapOvr>
+</p:sld>
+</file>
+
+<file path=ppt/slides/slide38.xml><?xml version="1.0" encoding="utf-8"?>
+<p:sld xmlns:a="http://schemas.openxmlformats.org/drawingml/2006/main" xmlns:r="http://schemas.openxmlformats.org/officeDocument/2006/relationships" xmlns:p="http://schemas.openxmlformats.org/presentationml/2006/main">
+  <p:cSld>
+    <p:spTree>
+      <p:nvGrpSpPr>
+        <p:cNvPr id="1" name=""/>
+        <p:cNvGrpSpPr/>
+        <p:nvPr/>
+      </p:nvGrpSpPr>
+      <p:grpSpPr>
+        <a:xfrm>
+          <a:off x="0" y="0"/>
+          <a:ext cx="0" cy="0"/>
+          <a:chOff x="0" y="0"/>
+          <a:chExt cx="0" cy="0"/>
+        </a:xfrm>
+      </p:grpSpPr>
+      <p:sp>
+        <p:nvSpPr>
+          <p:cNvPr id="2" name="Titel 1"/>
+          <p:cNvSpPr>
+            <a:spLocks noGrp="1"/>
+          </p:cNvSpPr>
+          <p:nvPr>
+            <p:ph type="title"/>
+          </p:nvPr>
+        </p:nvSpPr>
+        <p:spPr/>
+        <p:txBody>
+          <a:bodyPr/>
+          <a:lstStyle/>
+          <a:p>
+            <a:r>
+              <a:rPr lang="en-US" dirty="0" smtClean="0"/>
+              <a:t>Make the new </a:t>
+            </a:r>
+            <a:r>
+              <a:rPr lang="en-US" dirty="0" smtClean="0"/>
+              <a:t>variables in Scratch</a:t>
+            </a:r>
+            <a:endParaRPr lang="nl-NL" dirty="0"/>
+          </a:p>
+        </p:txBody>
+      </p:sp>
+      <p:sp>
+        <p:nvSpPr>
+          <p:cNvPr id="3" name="Tijdelijke aanduiding voor inhoud 2"/>
+          <p:cNvSpPr>
+            <a:spLocks noGrp="1"/>
+          </p:cNvSpPr>
+          <p:nvPr>
+            <p:ph idx="1"/>
+          </p:nvPr>
+        </p:nvSpPr>
+        <p:spPr/>
+        <p:txBody>
+          <a:bodyPr/>
+          <a:lstStyle/>
+          <a:p>
+            <a:r>
+              <a:rPr lang="en-US" dirty="0" smtClean="0"/>
+              <a:t>Make the variables</a:t>
+            </a:r>
+          </a:p>
+          <a:p>
+            <a:pPr lvl="1"/>
+            <a:r>
+              <a:rPr lang="en-US" dirty="0" smtClean="0"/>
+              <a:t>Servo1 for the servo</a:t>
+            </a:r>
+          </a:p>
+          <a:p>
+            <a:pPr lvl="1"/>
+            <a:r>
+              <a:rPr lang="en-US" dirty="0" err="1" smtClean="0"/>
+              <a:t>GreenLed</a:t>
+            </a:r>
+            <a:r>
+              <a:rPr lang="en-US" dirty="0" smtClean="0"/>
+              <a:t> for the LED</a:t>
+            </a:r>
+          </a:p>
+          <a:p>
+            <a:pPr lvl="1"/>
+            <a:r>
+              <a:rPr lang="en-US" dirty="0" smtClean="0"/>
+              <a:t>Buzzer for the buzzer</a:t>
+            </a:r>
+            <a:endParaRPr lang="nl-NL" dirty="0" smtClean="0"/>
+          </a:p>
+          <a:p>
+            <a:r>
+              <a:rPr lang="en-US" dirty="0" smtClean="0"/>
+              <a:t>Make the extra sensor visible </a:t>
+            </a:r>
+          </a:p>
+          <a:p>
+            <a:pPr lvl="1"/>
+            <a:r>
+              <a:rPr lang="en-US" dirty="0" err="1" smtClean="0"/>
+              <a:t>Potmeter</a:t>
+            </a:r>
+            <a:r>
+              <a:rPr lang="en-US" dirty="0" smtClean="0"/>
+              <a:t> for the potentiometer</a:t>
+            </a:r>
+          </a:p>
+        </p:txBody>
+      </p:sp>
+      <p:sp>
+        <p:nvSpPr>
+          <p:cNvPr id="4" name="Tijdelijke aanduiding voor dianummer 3"/>
+          <p:cNvSpPr>
+            <a:spLocks noGrp="1"/>
+          </p:cNvSpPr>
+          <p:nvPr>
+            <p:ph type="sldNum" sz="quarter" idx="12"/>
+          </p:nvPr>
+        </p:nvSpPr>
+        <p:spPr/>
+        <p:txBody>
+          <a:bodyPr/>
+          <a:lstStyle/>
+          <a:p>
+            <a:fld id="{6802DAD7-DC19-4A9E-93C3-E71314786426}" type="slidenum">
+              <a:rPr lang="nl-NL" smtClean="0"/>
+              <a:pPr/>
+              <a:t>38</a:t>
+            </a:fld>
+            <a:endParaRPr lang="nl-NL" dirty="0"/>
+          </a:p>
+        </p:txBody>
+      </p:sp>
+    </p:spTree>
+  </p:cSld>
+  <p:clrMapOvr>
+    <a:masterClrMapping/>
+  </p:clrMapOvr>
+</p:sld>
+</file>
+
+<file path=ppt/slides/slide39.xml><?xml version="1.0" encoding="utf-8"?>
+<p:sld xmlns:a="http://schemas.openxmlformats.org/drawingml/2006/main" xmlns:r="http://schemas.openxmlformats.org/officeDocument/2006/relationships" xmlns:p="http://schemas.openxmlformats.org/presentationml/2006/main">
+  <p:cSld>
+    <p:spTree>
+      <p:nvGrpSpPr>
+        <p:cNvPr id="1" name=""/>
+        <p:cNvGrpSpPr/>
+        <p:nvPr/>
+      </p:nvGrpSpPr>
+      <p:grpSpPr>
+        <a:xfrm>
+          <a:off x="0" y="0"/>
+          <a:ext cx="0" cy="0"/>
+          <a:chOff x="0" y="0"/>
+          <a:chExt cx="0" cy="0"/>
+        </a:xfrm>
+      </p:grpSpPr>
+      <p:sp>
+        <p:nvSpPr>
+          <p:cNvPr id="2" name="Titel 1"/>
+          <p:cNvSpPr>
+            <a:spLocks noGrp="1"/>
+          </p:cNvSpPr>
+          <p:nvPr>
+            <p:ph type="title"/>
+          </p:nvPr>
+        </p:nvSpPr>
+        <p:spPr/>
+        <p:txBody>
+          <a:bodyPr/>
+          <a:lstStyle/>
+          <a:p>
+            <a:r>
+              <a:rPr lang="en-US" dirty="0" smtClean="0"/>
+              <a:t>Test whether it works</a:t>
+            </a:r>
+            <a:endParaRPr lang="nl-NL" dirty="0"/>
+          </a:p>
+        </p:txBody>
+      </p:sp>
+      <p:sp>
+        <p:nvSpPr>
+          <p:cNvPr id="3" name="Tijdelijke aanduiding voor inhoud 2"/>
+          <p:cNvSpPr>
+            <a:spLocks noGrp="1"/>
+          </p:cNvSpPr>
+          <p:nvPr>
+            <p:ph idx="1"/>
+          </p:nvPr>
+        </p:nvSpPr>
+        <p:spPr/>
+        <p:txBody>
+          <a:bodyPr/>
+          <a:lstStyle/>
+          <a:p>
+            <a:r>
+              <a:rPr lang="en-US" dirty="0" smtClean="0"/>
+              <a:t>Change in Scratch the value of the variables that you just made.</a:t>
+            </a:r>
+          </a:p>
+        </p:txBody>
+      </p:sp>
+      <p:sp>
+        <p:nvSpPr>
+          <p:cNvPr id="4" name="Tijdelijke aanduiding voor dianummer 3"/>
+          <p:cNvSpPr>
+            <a:spLocks noGrp="1"/>
+          </p:cNvSpPr>
+          <p:nvPr>
+            <p:ph type="sldNum" sz="quarter" idx="12"/>
+          </p:nvPr>
+        </p:nvSpPr>
+        <p:spPr/>
+        <p:txBody>
+          <a:bodyPr/>
+          <a:lstStyle/>
+          <a:p>
+            <a:fld id="{6802DAD7-DC19-4A9E-93C3-E71314786426}" type="slidenum">
+              <a:rPr lang="nl-NL" smtClean="0"/>
+              <a:pPr/>
+              <a:t>39</a:t>
+            </a:fld>
+            <a:endParaRPr lang="nl-NL" dirty="0"/>
+          </a:p>
+        </p:txBody>
+      </p:sp>
+    </p:spTree>
+  </p:cSld>
+  <p:clrMapOvr>
+    <a:masterClrMapping/>
+  </p:clrMapOvr>
+</p:sld>
+</file>
+
+<file path=ppt/slides/slide4.xml><?xml version="1.0" encoding="utf-8"?>
+<p:sld xmlns:a="http://schemas.openxmlformats.org/drawingml/2006/main" xmlns:r="http://schemas.openxmlformats.org/officeDocument/2006/relationships" xmlns:p="http://schemas.openxmlformats.org/presentationml/2006/main">
+  <p:cSld>
+    <p:spTree>
+      <p:nvGrpSpPr>
+        <p:cNvPr id="1" name=""/>
+        <p:cNvGrpSpPr/>
+        <p:nvPr/>
+      </p:nvGrpSpPr>
+      <p:grpSpPr>
+        <a:xfrm>
+          <a:off x="0" y="0"/>
+          <a:ext cx="0" cy="0"/>
+          <a:chOff x="0" y="0"/>
+          <a:chExt cx="0" cy="0"/>
+        </a:xfrm>
+      </p:grpSpPr>
+      <p:sp>
+        <p:nvSpPr>
+          <p:cNvPr id="2" name="Titel 1"/>
+          <p:cNvSpPr>
+            <a:spLocks noGrp="1"/>
+          </p:cNvSpPr>
+          <p:nvPr>
+            <p:ph type="title"/>
+          </p:nvPr>
+        </p:nvSpPr>
+        <p:spPr/>
+        <p:txBody>
+          <a:bodyPr/>
+          <a:lstStyle/>
+          <a:p>
+            <a:r>
+              <a:rPr lang="en-US" dirty="0" smtClean="0"/>
+              <a:t>Objectives</a:t>
+            </a:r>
+            <a:endParaRPr lang="nl-NL" dirty="0"/>
+          </a:p>
+        </p:txBody>
+      </p:sp>
+      <p:sp>
+        <p:nvSpPr>
+          <p:cNvPr id="3" name="Tijdelijke aanduiding voor inhoud 2"/>
+          <p:cNvSpPr>
+            <a:spLocks noGrp="1"/>
+          </p:cNvSpPr>
+          <p:nvPr>
+            <p:ph idx="1"/>
+          </p:nvPr>
+        </p:nvSpPr>
+        <p:spPr>
+          <a:xfrm>
+            <a:off x="457200" y="987574"/>
+            <a:ext cx="8229600" cy="3607049"/>
+          </a:xfrm>
+        </p:spPr>
+        <p:txBody>
+          <a:bodyPr>
+            <a:normAutofit fontScale="70000" lnSpcReduction="20000"/>
+          </a:bodyPr>
+          <a:lstStyle/>
+          <a:p>
+            <a:r>
+              <a:rPr lang="en-US" dirty="0" smtClean="0"/>
+              <a:t>At the end of today you should be able to:</a:t>
+            </a:r>
+          </a:p>
+          <a:p>
+            <a:pPr lvl="1"/>
+            <a:r>
+              <a:rPr lang="en-US" dirty="0" smtClean="0"/>
+              <a:t>Reproduce the setup at home (provided you have the hardware </a:t>
+            </a:r>
+            <a:r>
+              <a:rPr lang="en-US" dirty="0" smtClean="0">
+                <a:sym typeface="Wingdings" pitchFamily="2" charset="2"/>
+              </a:rPr>
+              <a:t> )</a:t>
+            </a:r>
+          </a:p>
+          <a:p>
+            <a:pPr lvl="1"/>
+            <a:r>
+              <a:rPr lang="en-US" dirty="0" smtClean="0">
+                <a:sym typeface="Wingdings" pitchFamily="2" charset="2"/>
+              </a:rPr>
+              <a:t>Understand</a:t>
+            </a:r>
+          </a:p>
+          <a:p>
+            <a:pPr lvl="2"/>
+            <a:r>
+              <a:rPr lang="en-US" dirty="0" smtClean="0">
+                <a:sym typeface="Wingdings" pitchFamily="2" charset="2"/>
+              </a:rPr>
+              <a:t>Digital output (e.g. lighting a LED)</a:t>
+            </a:r>
+          </a:p>
+          <a:p>
+            <a:pPr lvl="2"/>
+            <a:r>
+              <a:rPr lang="en-US" dirty="0" smtClean="0"/>
+              <a:t>Digital input (e.g. sensing a button)</a:t>
+            </a:r>
+          </a:p>
+          <a:p>
+            <a:pPr lvl="2"/>
+            <a:r>
+              <a:rPr lang="en-US" dirty="0" smtClean="0"/>
+              <a:t>Analog input (e.g. from a potentiometer)</a:t>
+            </a:r>
+          </a:p>
+          <a:p>
+            <a:pPr lvl="2"/>
+            <a:r>
+              <a:rPr lang="en-US" dirty="0" smtClean="0"/>
+              <a:t>Pulse Width Modulation (PWM) </a:t>
+            </a:r>
+          </a:p>
+          <a:p>
+            <a:pPr lvl="3"/>
+            <a:r>
+              <a:rPr lang="en-US" dirty="0" smtClean="0"/>
+              <a:t>For dimming LEDs</a:t>
+            </a:r>
+          </a:p>
+          <a:p>
+            <a:pPr lvl="3"/>
+            <a:r>
+              <a:rPr lang="en-US" dirty="0" smtClean="0"/>
+              <a:t>For controlling servos</a:t>
+            </a:r>
+          </a:p>
+          <a:p>
+            <a:pPr lvl="3"/>
+            <a:r>
+              <a:rPr lang="en-US" dirty="0" smtClean="0"/>
+              <a:t>For sounding a buzzer</a:t>
+            </a:r>
+          </a:p>
+          <a:p>
+            <a:pPr lvl="1"/>
+            <a:r>
+              <a:rPr lang="en-US" dirty="0" smtClean="0"/>
+              <a:t>Understand what all the resistors are for</a:t>
+            </a:r>
+          </a:p>
+          <a:p>
+            <a:pPr lvl="1"/>
+            <a:r>
+              <a:rPr lang="en-US" dirty="0" smtClean="0"/>
+              <a:t>Be able to configure and run </a:t>
+            </a:r>
+            <a:r>
+              <a:rPr lang="en-US" dirty="0" err="1" smtClean="0"/>
+              <a:t>scratchClient</a:t>
+            </a:r>
+            <a:endParaRPr lang="en-US" dirty="0" smtClean="0"/>
+          </a:p>
+          <a:p>
+            <a:pPr lvl="1"/>
+            <a:r>
+              <a:rPr lang="en-US" dirty="0" smtClean="0"/>
+              <a:t>Program Scratch to control the physical input and output</a:t>
+            </a:r>
+          </a:p>
+          <a:p>
+            <a:r>
+              <a:rPr lang="en-US" dirty="0" smtClean="0"/>
+              <a:t>If time permits / as you desire: look at a game using servos, buttons, LEDs etc. as used on the </a:t>
+            </a:r>
+            <a:r>
+              <a:rPr lang="en-US" dirty="0" err="1" smtClean="0"/>
+              <a:t>Weekendschools</a:t>
+            </a:r>
+            <a:r>
+              <a:rPr lang="en-US" dirty="0" smtClean="0"/>
+              <a:t> in The Netherlands.</a:t>
+            </a:r>
+          </a:p>
+          <a:p>
+            <a:r>
+              <a:rPr lang="en-US" b="1" dirty="0" smtClean="0"/>
+              <a:t>Have fun!</a:t>
+            </a:r>
+          </a:p>
+          <a:p>
+            <a:pPr lvl="1"/>
+            <a:endParaRPr lang="nl-NL" dirty="0"/>
+          </a:p>
+        </p:txBody>
+      </p:sp>
+      <p:sp>
+        <p:nvSpPr>
+          <p:cNvPr id="4" name="Tijdelijke aanduiding voor dianummer 3"/>
+          <p:cNvSpPr>
+            <a:spLocks noGrp="1"/>
+          </p:cNvSpPr>
+          <p:nvPr>
+            <p:ph type="sldNum" sz="quarter" idx="12"/>
+          </p:nvPr>
+        </p:nvSpPr>
+        <p:spPr/>
+        <p:txBody>
+          <a:bodyPr/>
+          <a:lstStyle/>
+          <a:p>
+            <a:fld id="{6802DAD7-DC19-4A9E-93C3-E71314786426}" type="slidenum">
+              <a:rPr lang="nl-NL" smtClean="0"/>
+              <a:pPr/>
+              <a:t>4</a:t>
+            </a:fld>
+            <a:endParaRPr lang="nl-NL" dirty="0"/>
+          </a:p>
+        </p:txBody>
+      </p:sp>
+    </p:spTree>
+  </p:cSld>
+  <p:clrMapOvr>
+    <a:masterClrMapping/>
+  </p:clrMapOvr>
+</p:sld>
+</file>
+
+<file path=ppt/slides/slide40.xml><?xml version="1.0" encoding="utf-8"?>
 <p:sld xmlns:a="http://schemas.openxmlformats.org/drawingml/2006/main" xmlns:r="http://schemas.openxmlformats.org/officeDocument/2006/relationships" xmlns:p="http://schemas.openxmlformats.org/presentationml/2006/main">
   <p:cSld>
     <p:spTree>
@@ -9507,352 +11100,9 @@
           </a:p>
         </p:txBody>
       </p:sp>
-    </p:spTree>
-  </p:cSld>
-  <p:clrMapOvr>
-    <a:masterClrMapping/>
-  </p:clrMapOvr>
-</p:sld>
-</file>
-
-<file path=ppt/slides/slide38.xml><?xml version="1.0" encoding="utf-8"?>
-<p:sld xmlns:a="http://schemas.openxmlformats.org/drawingml/2006/main" xmlns:r="http://schemas.openxmlformats.org/officeDocument/2006/relationships" xmlns:p="http://schemas.openxmlformats.org/presentationml/2006/main">
-  <p:cSld>
-    <p:spTree>
-      <p:nvGrpSpPr>
-        <p:cNvPr id="1" name=""/>
-        <p:cNvGrpSpPr/>
-        <p:nvPr/>
-      </p:nvGrpSpPr>
-      <p:grpSpPr>
-        <a:xfrm>
-          <a:off x="0" y="0"/>
-          <a:ext cx="0" cy="0"/>
-          <a:chOff x="0" y="0"/>
-          <a:chExt cx="0" cy="0"/>
-        </a:xfrm>
-      </p:grpSpPr>
-      <p:sp>
-        <p:nvSpPr>
-          <p:cNvPr id="2" name="Titel 1"/>
-          <p:cNvSpPr>
-            <a:spLocks noGrp="1"/>
-          </p:cNvSpPr>
-          <p:nvPr>
-            <p:ph type="title"/>
-          </p:nvPr>
-        </p:nvSpPr>
-        <p:spPr/>
-        <p:txBody>
-          <a:bodyPr/>
-          <a:lstStyle/>
-          <a:p>
-            <a:r>
-              <a:rPr lang="en-US" dirty="0" smtClean="0"/>
-              <a:t>Adapt Scratch</a:t>
-            </a:r>
-            <a:endParaRPr lang="nl-NL" dirty="0"/>
-          </a:p>
-        </p:txBody>
-      </p:sp>
-      <p:sp>
-        <p:nvSpPr>
-          <p:cNvPr id="3" name="Tijdelijke aanduiding voor inhoud 2"/>
-          <p:cNvSpPr>
-            <a:spLocks noGrp="1"/>
-          </p:cNvSpPr>
-          <p:nvPr>
-            <p:ph idx="1"/>
-          </p:nvPr>
-        </p:nvSpPr>
-        <p:spPr/>
-        <p:txBody>
-          <a:bodyPr/>
-          <a:lstStyle/>
-          <a:p>
-            <a:r>
-              <a:rPr lang="en-US" dirty="0" smtClean="0"/>
-              <a:t>Make the sensor </a:t>
-            </a:r>
-            <a:r>
-              <a:rPr lang="en-US" i="1" dirty="0" err="1" smtClean="0"/>
-              <a:t>Potmeter</a:t>
-            </a:r>
-            <a:r>
-              <a:rPr lang="en-US" dirty="0" smtClean="0"/>
-              <a:t> visible</a:t>
-            </a:r>
-          </a:p>
-          <a:p>
-            <a:r>
-              <a:rPr lang="en-US" dirty="0" smtClean="0"/>
-              <a:t>Make some code that takes the </a:t>
-            </a:r>
-            <a:r>
-              <a:rPr lang="en-US" dirty="0" err="1" smtClean="0"/>
-              <a:t>potmeter</a:t>
-            </a:r>
-            <a:r>
-              <a:rPr lang="en-US" dirty="0" smtClean="0"/>
-              <a:t> reading (between 0 and 1024) and transforms it into the range 0 to 255 (so divide by 4) and set the value of </a:t>
-            </a:r>
-            <a:r>
-              <a:rPr lang="en-US" dirty="0" err="1" smtClean="0"/>
-              <a:t>GreenLED</a:t>
-            </a:r>
-            <a:r>
-              <a:rPr lang="en-US" dirty="0" smtClean="0"/>
-              <a:t>.</a:t>
-            </a:r>
-          </a:p>
-          <a:p>
-            <a:r>
-              <a:rPr lang="en-US" dirty="0" smtClean="0"/>
-              <a:t>Try out whether turning the </a:t>
-            </a:r>
-            <a:r>
-              <a:rPr lang="en-US" dirty="0" err="1" smtClean="0"/>
-              <a:t>potmeter</a:t>
-            </a:r>
-            <a:r>
-              <a:rPr lang="en-US" dirty="0" smtClean="0"/>
-              <a:t> changes the LED intensity.</a:t>
-            </a:r>
-            <a:endParaRPr lang="nl-NL" dirty="0"/>
-          </a:p>
-        </p:txBody>
-      </p:sp>
-    </p:spTree>
-  </p:cSld>
-  <p:clrMapOvr>
-    <a:masterClrMapping/>
-  </p:clrMapOvr>
-</p:sld>
-</file>
-
-<file path=ppt/slides/slide39.xml><?xml version="1.0" encoding="utf-8"?>
-<p:sld xmlns:a="http://schemas.openxmlformats.org/drawingml/2006/main" xmlns:r="http://schemas.openxmlformats.org/officeDocument/2006/relationships" xmlns:p="http://schemas.openxmlformats.org/presentationml/2006/main">
-  <p:cSld>
-    <p:spTree>
-      <p:nvGrpSpPr>
-        <p:cNvPr id="1" name=""/>
-        <p:cNvGrpSpPr/>
-        <p:nvPr/>
-      </p:nvGrpSpPr>
-      <p:grpSpPr>
-        <a:xfrm>
-          <a:off x="0" y="0"/>
-          <a:ext cx="0" cy="0"/>
-          <a:chOff x="0" y="0"/>
-          <a:chExt cx="0" cy="0"/>
-        </a:xfrm>
-      </p:grpSpPr>
-      <p:sp>
-        <p:nvSpPr>
-          <p:cNvPr id="5" name="Rechthoek 4"/>
-          <p:cNvSpPr/>
-          <p:nvPr/>
-        </p:nvSpPr>
-        <p:spPr>
-          <a:xfrm>
-            <a:off x="395536" y="1131590"/>
-            <a:ext cx="7992888" cy="648072"/>
-          </a:xfrm>
-          <a:prstGeom prst="rect">
-            <a:avLst/>
-          </a:prstGeom>
-          <a:solidFill>
-            <a:srgbClr val="FFFF00"/>
-          </a:solidFill>
-        </p:spPr>
-        <p:style>
-          <a:lnRef idx="2">
-            <a:schemeClr val="accent1">
-              <a:shade val="50000"/>
-            </a:schemeClr>
-          </a:lnRef>
-          <a:fillRef idx="1">
-            <a:schemeClr val="accent1"/>
-          </a:fillRef>
-          <a:effectRef idx="0">
-            <a:schemeClr val="accent1"/>
-          </a:effectRef>
-          <a:fontRef idx="minor">
-            <a:schemeClr val="lt1"/>
-          </a:fontRef>
-        </p:style>
-        <p:txBody>
-          <a:bodyPr rtlCol="0" anchor="ctr"/>
-          <a:lstStyle/>
-          <a:p>
-            <a:pPr algn="ctr"/>
-            <a:endParaRPr lang="nl-NL"/>
-          </a:p>
-        </p:txBody>
-      </p:sp>
-      <p:sp>
-        <p:nvSpPr>
-          <p:cNvPr id="2" name="Titel 1"/>
-          <p:cNvSpPr>
-            <a:spLocks noGrp="1"/>
-          </p:cNvSpPr>
-          <p:nvPr>
-            <p:ph type="title"/>
-          </p:nvPr>
-        </p:nvSpPr>
-        <p:spPr/>
-        <p:txBody>
-          <a:bodyPr/>
-          <a:lstStyle/>
-          <a:p>
-            <a:r>
-              <a:rPr lang="en-US" dirty="0" smtClean="0"/>
-              <a:t>More information</a:t>
-            </a:r>
-            <a:endParaRPr lang="nl-NL" dirty="0"/>
-          </a:p>
-        </p:txBody>
-      </p:sp>
-      <p:sp>
-        <p:nvSpPr>
-          <p:cNvPr id="3" name="Tijdelijke aanduiding voor inhoud 2"/>
-          <p:cNvSpPr>
-            <a:spLocks noGrp="1"/>
-          </p:cNvSpPr>
-          <p:nvPr>
-            <p:ph idx="1"/>
-          </p:nvPr>
-        </p:nvSpPr>
-        <p:spPr>
-          <a:xfrm>
-            <a:off x="457200" y="1200150"/>
-            <a:ext cx="8229600" cy="3531839"/>
-          </a:xfrm>
-        </p:spPr>
-        <p:txBody>
-          <a:bodyPr>
-            <a:normAutofit fontScale="85000" lnSpcReduction="20000"/>
-          </a:bodyPr>
-          <a:lstStyle/>
-          <a:p>
-            <a:r>
-              <a:rPr lang="en-US" dirty="0" smtClean="0"/>
-              <a:t>This presentation, source files of the game and workshop material</a:t>
-            </a:r>
-          </a:p>
-          <a:p>
-            <a:pPr lvl="1"/>
-            <a:r>
-              <a:rPr lang="en-US" dirty="0" smtClean="0">
-                <a:hlinkClick r:id="rId2"/>
-              </a:rPr>
-              <a:t>www.github.com</a:t>
-            </a:r>
-            <a:r>
-              <a:rPr lang="en-US" dirty="0" smtClean="0"/>
-              <a:t> and search for </a:t>
-            </a:r>
-            <a:r>
-              <a:rPr lang="en-US" i="1" dirty="0" err="1" smtClean="0"/>
-              <a:t>Weekendschool</a:t>
-            </a:r>
-            <a:r>
-              <a:rPr lang="en-US" dirty="0" smtClean="0"/>
-              <a:t> or for </a:t>
-            </a:r>
-            <a:r>
-              <a:rPr lang="en-US" i="1" dirty="0" err="1" smtClean="0"/>
-              <a:t>PiAndMore</a:t>
-            </a:r>
-            <a:endParaRPr lang="en-US" i="1" dirty="0" smtClean="0"/>
-          </a:p>
-          <a:p>
-            <a:r>
-              <a:rPr lang="en-US" dirty="0" err="1" smtClean="0"/>
-              <a:t>scratchClient</a:t>
-            </a:r>
-            <a:endParaRPr lang="en-US" dirty="0" smtClean="0"/>
-          </a:p>
-          <a:p>
-            <a:pPr lvl="1"/>
-            <a:r>
-              <a:rPr lang="nl-NL" dirty="0" smtClean="0">
-                <a:hlinkClick r:id="rId3"/>
-              </a:rPr>
-              <a:t>http://heppg.de/ikg/wordpress/?page_id=6</a:t>
-            </a:r>
-            <a:endParaRPr lang="nl-NL" dirty="0" smtClean="0"/>
-          </a:p>
-          <a:p>
-            <a:r>
-              <a:rPr lang="en-US" dirty="0" smtClean="0"/>
-              <a:t>Scratch</a:t>
-            </a:r>
-          </a:p>
-          <a:p>
-            <a:pPr lvl="1"/>
-            <a:r>
-              <a:rPr lang="nl-NL" dirty="0" smtClean="0">
-                <a:hlinkClick r:id="rId4"/>
-              </a:rPr>
-              <a:t>https://scratch.mit.edu/</a:t>
-            </a:r>
-            <a:endParaRPr lang="nl-NL" dirty="0" smtClean="0"/>
-          </a:p>
-          <a:p>
-            <a:r>
-              <a:rPr lang="en-US" dirty="0" smtClean="0"/>
-              <a:t>Scratch on Raspberry Pi</a:t>
-            </a:r>
-          </a:p>
-          <a:p>
-            <a:pPr lvl="1"/>
-            <a:r>
-              <a:rPr lang="nl-NL" dirty="0" smtClean="0">
-                <a:hlinkClick r:id="rId5"/>
-              </a:rPr>
-              <a:t>https://www.raspberrypi.org/forums/viewforum.php?f=77</a:t>
-            </a:r>
-            <a:endParaRPr lang="en-US" dirty="0" smtClean="0"/>
-          </a:p>
-          <a:p>
-            <a:r>
-              <a:rPr lang="en-US" dirty="0" smtClean="0"/>
-              <a:t>Raspberry Pi</a:t>
-            </a:r>
-          </a:p>
-          <a:p>
-            <a:pPr lvl="1"/>
-            <a:r>
-              <a:rPr lang="nl-NL" dirty="0" smtClean="0">
-                <a:hlinkClick r:id="rId6"/>
-              </a:rPr>
-              <a:t>https://www.raspberrypi.org/</a:t>
-            </a:r>
-            <a:endParaRPr lang="nl-NL" dirty="0" smtClean="0"/>
-          </a:p>
-          <a:p>
-            <a:r>
-              <a:rPr lang="en-US" dirty="0" err="1" smtClean="0"/>
-              <a:t>Arduino</a:t>
-            </a:r>
-            <a:endParaRPr lang="en-US" dirty="0" smtClean="0"/>
-          </a:p>
-          <a:p>
-            <a:pPr lvl="1"/>
-            <a:r>
-              <a:rPr lang="nl-NL" dirty="0" smtClean="0">
-                <a:hlinkClick r:id="rId7"/>
-              </a:rPr>
-              <a:t>https://www.arduino.cc/</a:t>
-            </a:r>
-            <a:endParaRPr lang="nl-NL" dirty="0" smtClean="0"/>
-          </a:p>
-        </p:txBody>
-      </p:sp>
-      <p:sp>
-        <p:nvSpPr>
-          <p:cNvPr id="4" name="Tijdelijke aanduiding voor dianummer 3"/>
+      <p:sp>
+        <p:nvSpPr>
+          <p:cNvPr id="9" name="Tijdelijke aanduiding voor dianummer 8"/>
           <p:cNvSpPr>
             <a:spLocks noGrp="1"/>
           </p:cNvSpPr>
@@ -9868,490 +11118,9 @@
             <a:fld id="{6802DAD7-DC19-4A9E-93C3-E71314786426}" type="slidenum">
               <a:rPr lang="nl-NL" smtClean="0"/>
               <a:pPr/>
-              <a:t>39</a:t>
+              <a:t>40</a:t>
             </a:fld>
-            <a:endParaRPr lang="nl-NL"/>
-          </a:p>
-        </p:txBody>
-      </p:sp>
-    </p:spTree>
-  </p:cSld>
-  <p:clrMapOvr>
-    <a:masterClrMapping/>
-  </p:clrMapOvr>
-  <p:timing>
-    <p:tnLst>
-      <p:par>
-        <p:cTn id="1" dur="indefinite" restart="never" nodeType="tmRoot"/>
-      </p:par>
-    </p:tnLst>
-  </p:timing>
-</p:sld>
-</file>
-
-<file path=ppt/slides/slide4.xml><?xml version="1.0" encoding="utf-8"?>
-<p:sld xmlns:a="http://schemas.openxmlformats.org/drawingml/2006/main" xmlns:r="http://schemas.openxmlformats.org/officeDocument/2006/relationships" xmlns:p="http://schemas.openxmlformats.org/presentationml/2006/main">
-  <p:cSld>
-    <p:spTree>
-      <p:nvGrpSpPr>
-        <p:cNvPr id="1" name=""/>
-        <p:cNvGrpSpPr/>
-        <p:nvPr/>
-      </p:nvGrpSpPr>
-      <p:grpSpPr>
-        <a:xfrm>
-          <a:off x="0" y="0"/>
-          <a:ext cx="0" cy="0"/>
-          <a:chOff x="0" y="0"/>
-          <a:chExt cx="0" cy="0"/>
-        </a:xfrm>
-      </p:grpSpPr>
-      <p:sp>
-        <p:nvSpPr>
-          <p:cNvPr id="2" name="Titel 1"/>
-          <p:cNvSpPr>
-            <a:spLocks noGrp="1"/>
-          </p:cNvSpPr>
-          <p:nvPr>
-            <p:ph type="title"/>
-          </p:nvPr>
-        </p:nvSpPr>
-        <p:spPr/>
-        <p:txBody>
-          <a:bodyPr/>
-          <a:lstStyle/>
-          <a:p>
-            <a:r>
-              <a:rPr lang="en-US" dirty="0" smtClean="0"/>
-              <a:t>Objectives</a:t>
-            </a:r>
-            <a:endParaRPr lang="nl-NL" dirty="0"/>
-          </a:p>
-        </p:txBody>
-      </p:sp>
-      <p:sp>
-        <p:nvSpPr>
-          <p:cNvPr id="3" name="Tijdelijke aanduiding voor inhoud 2"/>
-          <p:cNvSpPr>
-            <a:spLocks noGrp="1"/>
-          </p:cNvSpPr>
-          <p:nvPr>
-            <p:ph idx="1"/>
-          </p:nvPr>
-        </p:nvSpPr>
-        <p:spPr>
-          <a:xfrm>
-            <a:off x="457200" y="987574"/>
-            <a:ext cx="8229600" cy="3607049"/>
-          </a:xfrm>
-        </p:spPr>
-        <p:txBody>
-          <a:bodyPr>
-            <a:normAutofit fontScale="70000" lnSpcReduction="20000"/>
-          </a:bodyPr>
-          <a:lstStyle/>
-          <a:p>
-            <a:r>
-              <a:rPr lang="en-US" dirty="0" smtClean="0"/>
-              <a:t>At the end of today you should be able to:</a:t>
-            </a:r>
-          </a:p>
-          <a:p>
-            <a:pPr lvl="1"/>
-            <a:r>
-              <a:rPr lang="en-US" dirty="0" smtClean="0"/>
-              <a:t>Reproduce the setup at home (provided you have the hardware </a:t>
-            </a:r>
-            <a:r>
-              <a:rPr lang="en-US" dirty="0" smtClean="0">
-                <a:sym typeface="Wingdings" pitchFamily="2" charset="2"/>
-              </a:rPr>
-              <a:t> )</a:t>
-            </a:r>
-          </a:p>
-          <a:p>
-            <a:pPr lvl="1"/>
-            <a:r>
-              <a:rPr lang="en-US" dirty="0" smtClean="0">
-                <a:sym typeface="Wingdings" pitchFamily="2" charset="2"/>
-              </a:rPr>
-              <a:t>Understand</a:t>
-            </a:r>
-          </a:p>
-          <a:p>
-            <a:pPr lvl="2"/>
-            <a:r>
-              <a:rPr lang="en-US" dirty="0" smtClean="0">
-                <a:sym typeface="Wingdings" pitchFamily="2" charset="2"/>
-              </a:rPr>
-              <a:t>Digital output (e.g. lighting a LED)</a:t>
-            </a:r>
-          </a:p>
-          <a:p>
-            <a:pPr lvl="2"/>
-            <a:r>
-              <a:rPr lang="en-US" dirty="0" smtClean="0"/>
-              <a:t>Digital input (e.g. sensing a button)</a:t>
-            </a:r>
-          </a:p>
-          <a:p>
-            <a:pPr lvl="2"/>
-            <a:r>
-              <a:rPr lang="en-US" dirty="0" smtClean="0"/>
-              <a:t>Analog input (e.g. from a potentiometer)</a:t>
-            </a:r>
-          </a:p>
-          <a:p>
-            <a:pPr lvl="2"/>
-            <a:r>
-              <a:rPr lang="en-US" dirty="0" smtClean="0"/>
-              <a:t>Pulse Width Modulation (PWM) </a:t>
-            </a:r>
-          </a:p>
-          <a:p>
-            <a:pPr lvl="3"/>
-            <a:r>
-              <a:rPr lang="en-US" dirty="0" smtClean="0"/>
-              <a:t>F</a:t>
-            </a:r>
-            <a:r>
-              <a:rPr lang="en-US" dirty="0" smtClean="0"/>
-              <a:t>or </a:t>
-            </a:r>
-            <a:r>
-              <a:rPr lang="en-US" dirty="0" smtClean="0"/>
-              <a:t>dimming LEDs</a:t>
-            </a:r>
-          </a:p>
-          <a:p>
-            <a:pPr lvl="3"/>
-            <a:r>
-              <a:rPr lang="en-US" dirty="0" smtClean="0"/>
-              <a:t>For controlling </a:t>
-            </a:r>
-            <a:r>
-              <a:rPr lang="en-US" dirty="0" smtClean="0"/>
-              <a:t>servos</a:t>
-            </a:r>
-          </a:p>
-          <a:p>
-            <a:pPr lvl="3"/>
-            <a:r>
-              <a:rPr lang="en-US" dirty="0" smtClean="0"/>
-              <a:t>For sounding a buzzer</a:t>
-            </a:r>
-            <a:endParaRPr lang="en-US" dirty="0" smtClean="0"/>
-          </a:p>
-          <a:p>
-            <a:pPr lvl="1"/>
-            <a:r>
-              <a:rPr lang="en-US" dirty="0" smtClean="0"/>
-              <a:t>Understand what all the resistors are for</a:t>
-            </a:r>
-          </a:p>
-          <a:p>
-            <a:pPr lvl="1"/>
-            <a:r>
-              <a:rPr lang="en-US" dirty="0" smtClean="0"/>
-              <a:t>Be able to configure and run </a:t>
-            </a:r>
-            <a:r>
-              <a:rPr lang="en-US" dirty="0" err="1" smtClean="0"/>
-              <a:t>scratchClient</a:t>
-            </a:r>
-            <a:endParaRPr lang="en-US" dirty="0" smtClean="0"/>
-          </a:p>
-          <a:p>
-            <a:pPr lvl="1"/>
-            <a:r>
-              <a:rPr lang="en-US" dirty="0" smtClean="0"/>
-              <a:t>Program Scratch to control the physical input and output</a:t>
-            </a:r>
-          </a:p>
-          <a:p>
-            <a:r>
-              <a:rPr lang="en-US" dirty="0" smtClean="0"/>
-              <a:t>If time permits / as you desire: look at a game using servos, buttons, LEDs etc. as used on the </a:t>
-            </a:r>
-            <a:r>
-              <a:rPr lang="en-US" dirty="0" err="1" smtClean="0"/>
-              <a:t>Weekendschools</a:t>
-            </a:r>
-            <a:r>
-              <a:rPr lang="en-US" dirty="0" smtClean="0"/>
-              <a:t> in The Netherlands.</a:t>
-            </a:r>
-          </a:p>
-          <a:p>
-            <a:r>
-              <a:rPr lang="en-US" b="1" dirty="0" smtClean="0"/>
-              <a:t>Have fun!</a:t>
-            </a:r>
-          </a:p>
-          <a:p>
-            <a:pPr lvl="1"/>
-            <a:endParaRPr lang="nl-NL" dirty="0"/>
-          </a:p>
-        </p:txBody>
-      </p:sp>
-    </p:spTree>
-  </p:cSld>
-  <p:clrMapOvr>
-    <a:masterClrMapping/>
-  </p:clrMapOvr>
-</p:sld>
-</file>
-
-<file path=ppt/slides/slide40.xml><?xml version="1.0" encoding="utf-8"?>
-<p:sld xmlns:a="http://schemas.openxmlformats.org/drawingml/2006/main" xmlns:r="http://schemas.openxmlformats.org/officeDocument/2006/relationships" xmlns:p="http://schemas.openxmlformats.org/presentationml/2006/main">
-  <p:cSld>
-    <p:spTree>
-      <p:nvGrpSpPr>
-        <p:cNvPr id="1" name=""/>
-        <p:cNvGrpSpPr/>
-        <p:nvPr/>
-      </p:nvGrpSpPr>
-      <p:grpSpPr>
-        <a:xfrm>
-          <a:off x="0" y="0"/>
-          <a:ext cx="0" cy="0"/>
-          <a:chOff x="0" y="0"/>
-          <a:chExt cx="0" cy="0"/>
-        </a:xfrm>
-      </p:grpSpPr>
-      <p:sp>
-        <p:nvSpPr>
-          <p:cNvPr id="2" name="Titel 1"/>
-          <p:cNvSpPr>
-            <a:spLocks noGrp="1"/>
-          </p:cNvSpPr>
-          <p:nvPr>
-            <p:ph type="ctrTitle"/>
-          </p:nvPr>
-        </p:nvSpPr>
-        <p:spPr>
-          <a:xfrm>
-            <a:off x="683568" y="51470"/>
-            <a:ext cx="7772400" cy="3096344"/>
-          </a:xfrm>
-        </p:spPr>
-        <p:txBody>
-          <a:bodyPr>
-            <a:normAutofit fontScale="90000"/>
-          </a:bodyPr>
-          <a:lstStyle/>
-          <a:p>
-            <a:pPr algn="ctr"/>
-            <a:r>
-              <a:rPr lang="nl-NL" dirty="0" err="1" smtClean="0"/>
-              <a:t>Physical</a:t>
-            </a:r>
-            <a:r>
-              <a:rPr lang="nl-NL" dirty="0" smtClean="0"/>
-              <a:t> </a:t>
-            </a:r>
-            <a:r>
-              <a:rPr lang="nl-NL" dirty="0" err="1" smtClean="0"/>
-              <a:t>computing</a:t>
-            </a:r>
-            <a:r>
-              <a:rPr lang="nl-NL" dirty="0" smtClean="0"/>
-              <a:t> </a:t>
-            </a:r>
-            <a:r>
-              <a:rPr lang="nl-NL" dirty="0" err="1" smtClean="0"/>
-              <a:t>from</a:t>
-            </a:r>
-            <a:r>
-              <a:rPr lang="nl-NL" dirty="0" smtClean="0"/>
-              <a:t> Scratch </a:t>
-            </a:r>
-            <a:r>
-              <a:rPr lang="nl-NL" dirty="0" err="1" smtClean="0"/>
-              <a:t>using</a:t>
-            </a:r>
-            <a:r>
-              <a:rPr lang="nl-NL" dirty="0" smtClean="0"/>
-              <a:t> </a:t>
-            </a:r>
-            <a:r>
-              <a:rPr lang="nl-NL" dirty="0" err="1" smtClean="0"/>
-              <a:t>scratchClient</a:t>
-            </a:r>
-            <a:r>
-              <a:rPr lang="nl-NL" dirty="0" smtClean="0"/>
-              <a:t> – </a:t>
-            </a:r>
-            <a:r>
-              <a:rPr lang="nl-NL" b="1" dirty="0" err="1" smtClean="0"/>
-              <a:t>Advanced</a:t>
-            </a:r>
-            <a:r>
-              <a:rPr lang="nl-NL" b="1" dirty="0" smtClean="0"/>
-              <a:t/>
-            </a:r>
-            <a:br>
-              <a:rPr lang="nl-NL" b="1" dirty="0" smtClean="0"/>
-            </a:br>
-            <a:r>
-              <a:rPr lang="nl-NL" dirty="0" smtClean="0"/>
-              <a:t/>
-            </a:r>
-            <a:br>
-              <a:rPr lang="nl-NL" dirty="0" smtClean="0"/>
-            </a:br>
-            <a:r>
-              <a:rPr lang="en-US" sz="3600" i="1" dirty="0" smtClean="0"/>
-              <a:t>Co</a:t>
-            </a:r>
-            <a:r>
-              <a:rPr lang="nl-NL" sz="3600" i="1" dirty="0" err="1" smtClean="0"/>
-              <a:t>ntrol</a:t>
-            </a:r>
-            <a:r>
-              <a:rPr lang="nl-NL" sz="3600" i="1" dirty="0" smtClean="0"/>
-              <a:t> </a:t>
-            </a:r>
-            <a:r>
-              <a:rPr lang="nl-NL" sz="3600" i="1" dirty="0" err="1" smtClean="0"/>
-              <a:t>servos</a:t>
-            </a:r>
-            <a:r>
-              <a:rPr lang="nl-NL" sz="3600" i="1" dirty="0" smtClean="0"/>
-              <a:t>, </a:t>
-            </a:r>
-            <a:r>
-              <a:rPr lang="nl-NL" sz="3600" i="1" dirty="0" err="1" smtClean="0"/>
-              <a:t>LEDs</a:t>
-            </a:r>
-            <a:r>
-              <a:rPr lang="nl-NL" sz="3600" i="1" dirty="0" smtClean="0"/>
-              <a:t> and more </a:t>
-            </a:r>
-            <a:r>
-              <a:rPr lang="nl-NL" sz="3600" i="1" dirty="0" err="1" smtClean="0"/>
-              <a:t>from</a:t>
-            </a:r>
-            <a:r>
-              <a:rPr lang="nl-NL" sz="3600" i="1" dirty="0" smtClean="0"/>
-              <a:t> Scratch </a:t>
-            </a:r>
-            <a:r>
-              <a:rPr lang="nl-NL" sz="3600" i="1" dirty="0" err="1" smtClean="0"/>
-              <a:t>using</a:t>
-            </a:r>
-            <a:r>
-              <a:rPr lang="nl-NL" sz="3600" i="1" dirty="0" smtClean="0"/>
-              <a:t> </a:t>
-            </a:r>
-            <a:r>
-              <a:rPr lang="nl-NL" sz="3600" i="1" dirty="0" err="1" smtClean="0"/>
-              <a:t>RPi</a:t>
-            </a:r>
-            <a:r>
-              <a:rPr lang="nl-NL" sz="3600" i="1" dirty="0" smtClean="0"/>
-              <a:t>, </a:t>
-            </a:r>
-            <a:r>
-              <a:rPr lang="nl-NL" sz="3600" i="1" dirty="0" err="1" smtClean="0"/>
-              <a:t>Arduino</a:t>
-            </a:r>
-            <a:r>
-              <a:rPr lang="nl-NL" sz="3600" i="1" dirty="0" smtClean="0"/>
-              <a:t>, </a:t>
-            </a:r>
-            <a:r>
-              <a:rPr lang="nl-NL" sz="3600" i="1" dirty="0" err="1" smtClean="0"/>
-              <a:t>scratchClient</a:t>
-            </a:r>
-            <a:endParaRPr lang="nl-NL" i="1" dirty="0"/>
-          </a:p>
-        </p:txBody>
-      </p:sp>
-      <p:sp>
-        <p:nvSpPr>
-          <p:cNvPr id="3" name="Ondertitel 2"/>
-          <p:cNvSpPr>
-            <a:spLocks noGrp="1"/>
-          </p:cNvSpPr>
-          <p:nvPr>
-            <p:ph type="subTitle" idx="1"/>
-          </p:nvPr>
-        </p:nvSpPr>
-        <p:spPr>
-          <a:xfrm>
-            <a:off x="1331640" y="3435846"/>
-            <a:ext cx="6400800" cy="1314450"/>
-          </a:xfrm>
-        </p:spPr>
-        <p:txBody>
-          <a:bodyPr>
-            <a:normAutofit lnSpcReduction="10000"/>
-          </a:bodyPr>
-          <a:lstStyle/>
-          <a:p>
-            <a:r>
-              <a:rPr lang="en-US" dirty="0" smtClean="0">
-                <a:solidFill>
-                  <a:schemeClr val="bg1"/>
-                </a:solidFill>
-              </a:rPr>
-              <a:t>Hans de </a:t>
-            </a:r>
-            <a:r>
-              <a:rPr lang="en-US" dirty="0" err="1" smtClean="0">
-                <a:solidFill>
-                  <a:schemeClr val="bg1"/>
-                </a:solidFill>
-              </a:rPr>
-              <a:t>Jong</a:t>
-            </a:r>
-            <a:r>
-              <a:rPr lang="en-US" dirty="0" smtClean="0">
-                <a:solidFill>
-                  <a:schemeClr val="bg1"/>
-                </a:solidFill>
-              </a:rPr>
-              <a:t> &amp; Gerhard </a:t>
-            </a:r>
-            <a:r>
-              <a:rPr lang="en-US" dirty="0" err="1" smtClean="0">
-                <a:solidFill>
-                  <a:schemeClr val="bg1"/>
-                </a:solidFill>
-              </a:rPr>
-              <a:t>Hepp</a:t>
-            </a:r>
-            <a:endParaRPr lang="en-US" dirty="0" smtClean="0">
-              <a:solidFill>
-                <a:schemeClr val="bg1"/>
-              </a:solidFill>
-            </a:endParaRPr>
-          </a:p>
-          <a:p>
-            <a:r>
-              <a:rPr lang="en-US" dirty="0" smtClean="0">
-                <a:solidFill>
-                  <a:schemeClr val="bg1"/>
-                </a:solidFill>
-              </a:rPr>
-              <a:t>Pi And More 10</a:t>
-            </a:r>
-          </a:p>
-          <a:p>
-            <a:r>
-              <a:rPr lang="en-US" dirty="0" smtClean="0">
-                <a:solidFill>
-                  <a:schemeClr val="bg1"/>
-                </a:solidFill>
-              </a:rPr>
-              <a:t>Trier – 24 June 2017 </a:t>
-            </a:r>
-            <a:endParaRPr lang="nl-NL" dirty="0">
-              <a:solidFill>
-                <a:schemeClr val="bg1"/>
-              </a:solidFill>
-            </a:endParaRPr>
+            <a:endParaRPr lang="nl-NL" dirty="0"/>
           </a:p>
         </p:txBody>
       </p:sp>
@@ -10397,7 +11166,7 @@
           <a:p>
             <a:r>
               <a:rPr lang="en-US" dirty="0" smtClean="0"/>
-              <a:t>Add a Joystick</a:t>
+              <a:t>Adapt Scratch</a:t>
             </a:r>
             <a:endParaRPr lang="nl-NL" dirty="0"/>
           </a:p>
@@ -10415,79 +11184,53 @@
         </p:nvSpPr>
         <p:spPr/>
         <p:txBody>
-          <a:bodyPr>
-            <a:normAutofit fontScale="92500"/>
-          </a:bodyPr>
-          <a:lstStyle/>
-          <a:p>
-            <a:r>
-              <a:rPr lang="en-US" dirty="0" smtClean="0"/>
-              <a:t>The joy stick consists of</a:t>
-            </a:r>
-          </a:p>
-          <a:p>
-            <a:pPr lvl="1"/>
-            <a:r>
-              <a:rPr lang="en-US" dirty="0" smtClean="0"/>
-              <a:t>Potentiometer for X</a:t>
-            </a:r>
-          </a:p>
-          <a:p>
-            <a:pPr lvl="1"/>
-            <a:r>
-              <a:rPr lang="en-US" dirty="0" smtClean="0"/>
-              <a:t>Potentiometer for Y</a:t>
-            </a:r>
-          </a:p>
-          <a:p>
-            <a:pPr lvl="1"/>
-            <a:r>
-              <a:rPr lang="en-US" dirty="0" smtClean="0"/>
-              <a:t>Button</a:t>
-            </a:r>
-          </a:p>
-          <a:p>
-            <a:r>
-              <a:rPr lang="en-US" dirty="0" smtClean="0"/>
-              <a:t>Wire these 3 signals via a 1 </a:t>
+          <a:bodyPr/>
+          <a:lstStyle/>
+          <a:p>
+            <a:r>
+              <a:rPr lang="en-US" dirty="0" smtClean="0"/>
+              <a:t>Make the sensor </a:t>
+            </a:r>
+            <a:r>
+              <a:rPr lang="en-US" i="1" dirty="0" err="1" smtClean="0"/>
+              <a:t>Potmeter</a:t>
+            </a:r>
+            <a:r>
+              <a:rPr lang="en-US" dirty="0" smtClean="0"/>
+              <a:t> </a:t>
+            </a:r>
+            <a:r>
+              <a:rPr lang="en-US" dirty="0" smtClean="0"/>
+              <a:t>visible.</a:t>
+            </a:r>
+            <a:endParaRPr lang="en-US" dirty="0" smtClean="0"/>
+          </a:p>
+          <a:p>
+            <a:r>
+              <a:rPr lang="en-US" dirty="0" smtClean="0"/>
+              <a:t>Make some code that takes the </a:t>
+            </a:r>
+            <a:r>
+              <a:rPr lang="en-US" dirty="0" smtClean="0"/>
+              <a:t>potentiometer </a:t>
+            </a:r>
+            <a:r>
+              <a:rPr lang="en-US" dirty="0" smtClean="0"/>
+              <a:t>reading (between 0 and 1024) and transforms it into the range 0 to 255 (so divide by 4) and set the value of </a:t>
             </a:r>
             <a:r>
               <a:rPr lang="en-US" dirty="0" err="1" smtClean="0"/>
-              <a:t>kOhm</a:t>
-            </a:r>
-            <a:r>
-              <a:rPr lang="en-US" dirty="0" smtClean="0"/>
-              <a:t> resistor on the breadboard to pins A1 and A2 for X and Y and the button to one of the digital </a:t>
-            </a:r>
-            <a:r>
-              <a:rPr lang="en-US" dirty="0" smtClean="0"/>
-              <a:t>pins.</a:t>
-            </a:r>
-            <a:endParaRPr lang="en-US" dirty="0" smtClean="0"/>
-          </a:p>
-          <a:p>
-            <a:r>
-              <a:rPr lang="en-US" dirty="0" smtClean="0"/>
-              <a:t>Adapt the </a:t>
-            </a:r>
-            <a:r>
-              <a:rPr lang="en-US" dirty="0" err="1" smtClean="0"/>
-              <a:t>scratchClient</a:t>
-            </a:r>
-            <a:r>
-              <a:rPr lang="en-US" dirty="0" smtClean="0"/>
-              <a:t> </a:t>
-            </a:r>
-            <a:r>
-              <a:rPr lang="en-US" dirty="0" err="1" smtClean="0"/>
-              <a:t>config</a:t>
-            </a:r>
-            <a:endParaRPr lang="en-US" dirty="0" smtClean="0"/>
-          </a:p>
-          <a:p>
-            <a:r>
-              <a:rPr lang="en-US" dirty="0" smtClean="0"/>
-              <a:t>Once it runs, you can see values for the </a:t>
+              <a:t>GreenLED</a:t>
+            </a:r>
+            <a:r>
+              <a:rPr lang="en-US" dirty="0" smtClean="0"/>
+              <a:t>.</a:t>
+            </a:r>
+          </a:p>
+          <a:p>
+            <a:r>
+              <a:rPr lang="en-US" dirty="0" smtClean="0"/>
+              <a:t>Try out whether turning the </a:t>
             </a:r>
             <a:r>
               <a:rPr lang="en-US" dirty="0" err="1" smtClean="0"/>
@@ -10495,8 +11238,32 @@
             </a:r>
             <a:r>
               <a:rPr lang="en-US" dirty="0" smtClean="0"/>
-              <a:t> as sensors in Scratch.</a:t>
-            </a:r>
+              <a:t> changes the LED intensity.</a:t>
+            </a:r>
+            <a:endParaRPr lang="nl-NL" dirty="0"/>
+          </a:p>
+        </p:txBody>
+      </p:sp>
+      <p:sp>
+        <p:nvSpPr>
+          <p:cNvPr id="4" name="Tijdelijke aanduiding voor dianummer 3"/>
+          <p:cNvSpPr>
+            <a:spLocks noGrp="1"/>
+          </p:cNvSpPr>
+          <p:nvPr>
+            <p:ph type="sldNum" sz="quarter" idx="12"/>
+          </p:nvPr>
+        </p:nvSpPr>
+        <p:spPr/>
+        <p:txBody>
+          <a:bodyPr/>
+          <a:lstStyle/>
+          <a:p>
+            <a:fld id="{6802DAD7-DC19-4A9E-93C3-E71314786426}" type="slidenum">
+              <a:rPr lang="nl-NL" smtClean="0"/>
+              <a:pPr/>
+              <a:t>41</a:t>
+            </a:fld>
             <a:endParaRPr lang="nl-NL" dirty="0"/>
           </a:p>
         </p:txBody>
@@ -10528,6 +11295,49 @@
       </p:grpSpPr>
       <p:sp>
         <p:nvSpPr>
+          <p:cNvPr id="5" name="Rechthoek 4"/>
+          <p:cNvSpPr/>
+          <p:nvPr/>
+        </p:nvSpPr>
+        <p:spPr>
+          <a:xfrm>
+            <a:off x="395536" y="1131590"/>
+            <a:ext cx="7992888" cy="648072"/>
+          </a:xfrm>
+          <a:prstGeom prst="rect">
+            <a:avLst/>
+          </a:prstGeom>
+          <a:solidFill>
+            <a:srgbClr val="FFFF00"/>
+          </a:solidFill>
+        </p:spPr>
+        <p:style>
+          <a:lnRef idx="2">
+            <a:schemeClr val="accent1">
+              <a:shade val="50000"/>
+            </a:schemeClr>
+          </a:lnRef>
+          <a:fillRef idx="1">
+            <a:schemeClr val="accent1"/>
+          </a:fillRef>
+          <a:effectRef idx="0">
+            <a:schemeClr val="accent1"/>
+          </a:effectRef>
+          <a:fontRef idx="minor">
+            <a:schemeClr val="lt1"/>
+          </a:fontRef>
+        </p:style>
+        <p:txBody>
+          <a:bodyPr rtlCol="0" anchor="ctr"/>
+          <a:lstStyle/>
+          <a:p>
+            <a:pPr algn="ctr"/>
+            <a:endParaRPr lang="nl-NL"/>
+          </a:p>
+        </p:txBody>
+      </p:sp>
+      <p:sp>
+        <p:nvSpPr>
           <p:cNvPr id="2" name="Titel 1"/>
           <p:cNvSpPr>
             <a:spLocks noGrp="1"/>
@@ -10543,7 +11353,7 @@
           <a:p>
             <a:r>
               <a:rPr lang="en-US" dirty="0" smtClean="0"/>
-              <a:t>Add a Servo</a:t>
+              <a:t>More information</a:t>
             </a:r>
             <a:endParaRPr lang="nl-NL" dirty="0"/>
           </a:p>
@@ -10559,11 +11369,153 @@
             <p:ph idx="1"/>
           </p:nvPr>
         </p:nvSpPr>
+        <p:spPr>
+          <a:xfrm>
+            <a:off x="457200" y="1200150"/>
+            <a:ext cx="8229600" cy="3531839"/>
+          </a:xfrm>
+        </p:spPr>
+        <p:txBody>
+          <a:bodyPr>
+            <a:normAutofit fontScale="85000" lnSpcReduction="20000"/>
+          </a:bodyPr>
+          <a:lstStyle/>
+          <a:p>
+            <a:r>
+              <a:rPr lang="en-US" dirty="0" smtClean="0"/>
+              <a:t>This presentation, source files of the game and workshop material</a:t>
+            </a:r>
+          </a:p>
+          <a:p>
+            <a:pPr lvl="1"/>
+            <a:r>
+              <a:rPr lang="en-US" dirty="0" smtClean="0">
+                <a:hlinkClick r:id="rId2"/>
+              </a:rPr>
+              <a:t>www.github.com</a:t>
+            </a:r>
+            <a:r>
+              <a:rPr lang="en-US" dirty="0" smtClean="0"/>
+              <a:t> and search for </a:t>
+            </a:r>
+            <a:r>
+              <a:rPr lang="en-US" i="1" dirty="0" err="1" smtClean="0"/>
+              <a:t>Weekendschool</a:t>
+            </a:r>
+            <a:r>
+              <a:rPr lang="en-US" dirty="0" smtClean="0"/>
+              <a:t> or for </a:t>
+            </a:r>
+            <a:r>
+              <a:rPr lang="en-US" i="1" dirty="0" err="1" smtClean="0"/>
+              <a:t>PiAndMore</a:t>
+            </a:r>
+            <a:endParaRPr lang="en-US" i="1" dirty="0" smtClean="0"/>
+          </a:p>
+          <a:p>
+            <a:r>
+              <a:rPr lang="en-US" dirty="0" err="1" smtClean="0"/>
+              <a:t>scratchClient</a:t>
+            </a:r>
+            <a:endParaRPr lang="en-US" dirty="0" smtClean="0"/>
+          </a:p>
+          <a:p>
+            <a:pPr lvl="1"/>
+            <a:r>
+              <a:rPr lang="nl-NL" dirty="0" smtClean="0">
+                <a:hlinkClick r:id="rId3"/>
+              </a:rPr>
+              <a:t>http://heppg.de/ikg/wordpress/?page_id=6</a:t>
+            </a:r>
+            <a:endParaRPr lang="nl-NL" dirty="0" smtClean="0"/>
+          </a:p>
+          <a:p>
+            <a:r>
+              <a:rPr lang="en-US" dirty="0" smtClean="0"/>
+              <a:t>Scratch</a:t>
+            </a:r>
+          </a:p>
+          <a:p>
+            <a:pPr lvl="1"/>
+            <a:r>
+              <a:rPr lang="nl-NL" dirty="0" smtClean="0">
+                <a:hlinkClick r:id="rId4"/>
+              </a:rPr>
+              <a:t>https://scratch.mit.edu/</a:t>
+            </a:r>
+            <a:endParaRPr lang="nl-NL" dirty="0" smtClean="0"/>
+          </a:p>
+          <a:p>
+            <a:r>
+              <a:rPr lang="en-US" dirty="0" smtClean="0"/>
+              <a:t>Scratch on Raspberry Pi</a:t>
+            </a:r>
+          </a:p>
+          <a:p>
+            <a:pPr lvl="1"/>
+            <a:r>
+              <a:rPr lang="nl-NL" dirty="0" smtClean="0">
+                <a:hlinkClick r:id="rId5"/>
+              </a:rPr>
+              <a:t>https://www.raspberrypi.org/forums/viewforum.php?f=77</a:t>
+            </a:r>
+            <a:endParaRPr lang="en-US" dirty="0" smtClean="0"/>
+          </a:p>
+          <a:p>
+            <a:r>
+              <a:rPr lang="en-US" dirty="0" smtClean="0"/>
+              <a:t>Raspberry Pi</a:t>
+            </a:r>
+          </a:p>
+          <a:p>
+            <a:pPr lvl="1"/>
+            <a:r>
+              <a:rPr lang="nl-NL" dirty="0" smtClean="0">
+                <a:hlinkClick r:id="rId6"/>
+              </a:rPr>
+              <a:t>https://www.raspberrypi.org/</a:t>
+            </a:r>
+            <a:endParaRPr lang="nl-NL" dirty="0" smtClean="0"/>
+          </a:p>
+          <a:p>
+            <a:r>
+              <a:rPr lang="en-US" dirty="0" err="1" smtClean="0"/>
+              <a:t>Arduino</a:t>
+            </a:r>
+            <a:endParaRPr lang="en-US" dirty="0" smtClean="0"/>
+          </a:p>
+          <a:p>
+            <a:pPr lvl="1"/>
+            <a:r>
+              <a:rPr lang="nl-NL" dirty="0" smtClean="0">
+                <a:hlinkClick r:id="rId7"/>
+              </a:rPr>
+              <a:t>https://www.arduino.cc/</a:t>
+            </a:r>
+            <a:endParaRPr lang="nl-NL" dirty="0" smtClean="0"/>
+          </a:p>
+        </p:txBody>
+      </p:sp>
+      <p:sp>
+        <p:nvSpPr>
+          <p:cNvPr id="4" name="Tijdelijke aanduiding voor dianummer 3"/>
+          <p:cNvSpPr>
+            <a:spLocks noGrp="1"/>
+          </p:cNvSpPr>
+          <p:nvPr>
+            <p:ph type="sldNum" sz="quarter" idx="12"/>
+          </p:nvPr>
+        </p:nvSpPr>
         <p:spPr/>
         <p:txBody>
           <a:bodyPr/>
           <a:lstStyle/>
           <a:p>
+            <a:fld id="{6802DAD7-DC19-4A9E-93C3-E71314786426}" type="slidenum">
+              <a:rPr lang="nl-NL" smtClean="0"/>
+              <a:pPr/>
+              <a:t>42</a:t>
+            </a:fld>
             <a:endParaRPr lang="nl-NL"/>
           </a:p>
         </p:txBody>
@@ -10573,6 +11525,13 @@
   <p:clrMapOvr>
     <a:masterClrMapping/>
   </p:clrMapOvr>
+  <p:timing>
+    <p:tnLst>
+      <p:par>
+        <p:cTn id="1" dur="indefinite" restart="never" nodeType="tmRoot"/>
+      </p:par>
+    </p:tnLst>
+  </p:timing>
 </p:sld>
 </file>
 
@@ -10600,38 +11559,232 @@
             <a:spLocks noGrp="1"/>
           </p:cNvSpPr>
           <p:nvPr>
-            <p:ph type="title"/>
-          </p:nvPr>
-        </p:nvSpPr>
-        <p:spPr/>
-        <p:txBody>
-          <a:bodyPr/>
-          <a:lstStyle/>
-          <a:p>
-            <a:r>
-              <a:rPr lang="en-US" dirty="0" smtClean="0"/>
-              <a:t>Control a buzzer</a:t>
-            </a:r>
-            <a:endParaRPr lang="nl-NL" dirty="0"/>
-          </a:p>
-        </p:txBody>
-      </p:sp>
-      <p:sp>
-        <p:nvSpPr>
-          <p:cNvPr id="3" name="Tijdelijke aanduiding voor inhoud 2"/>
-          <p:cNvSpPr>
-            <a:spLocks noGrp="1"/>
-          </p:cNvSpPr>
-          <p:nvPr>
-            <p:ph idx="1"/>
-          </p:nvPr>
-        </p:nvSpPr>
-        <p:spPr/>
-        <p:txBody>
-          <a:bodyPr/>
-          <a:lstStyle/>
-          <a:p>
-            <a:endParaRPr lang="nl-NL"/>
+            <p:ph type="ctrTitle"/>
+          </p:nvPr>
+        </p:nvSpPr>
+        <p:spPr>
+          <a:xfrm>
+            <a:off x="683568" y="51470"/>
+            <a:ext cx="7772400" cy="3096344"/>
+          </a:xfrm>
+        </p:spPr>
+        <p:txBody>
+          <a:bodyPr>
+            <a:normAutofit fontScale="90000"/>
+          </a:bodyPr>
+          <a:lstStyle/>
+          <a:p>
+            <a:pPr algn="ctr"/>
+            <a:r>
+              <a:rPr lang="nl-NL" dirty="0" err="1" smtClean="0"/>
+              <a:t>Physical</a:t>
+            </a:r>
+            <a:r>
+              <a:rPr lang="nl-NL" dirty="0" smtClean="0"/>
+              <a:t> </a:t>
+            </a:r>
+            <a:r>
+              <a:rPr lang="nl-NL" dirty="0" err="1" smtClean="0"/>
+              <a:t>computing</a:t>
+            </a:r>
+            <a:r>
+              <a:rPr lang="nl-NL" dirty="0" smtClean="0"/>
+              <a:t> </a:t>
+            </a:r>
+            <a:r>
+              <a:rPr lang="nl-NL" dirty="0" err="1" smtClean="0"/>
+              <a:t>from</a:t>
+            </a:r>
+            <a:r>
+              <a:rPr lang="nl-NL" dirty="0" smtClean="0"/>
+              <a:t> Scratch </a:t>
+            </a:r>
+            <a:r>
+              <a:rPr lang="nl-NL" dirty="0" err="1" smtClean="0"/>
+              <a:t>using</a:t>
+            </a:r>
+            <a:r>
+              <a:rPr lang="nl-NL" dirty="0" smtClean="0"/>
+              <a:t> </a:t>
+            </a:r>
+            <a:r>
+              <a:rPr lang="nl-NL" dirty="0" err="1" smtClean="0"/>
+              <a:t>scratchClient</a:t>
+            </a:r>
+            <a:r>
+              <a:rPr lang="nl-NL" dirty="0" smtClean="0"/>
+              <a:t> – </a:t>
+            </a:r>
+            <a:r>
+              <a:rPr lang="nl-NL" b="1" dirty="0" err="1" smtClean="0"/>
+              <a:t>Advanced</a:t>
+            </a:r>
+            <a:r>
+              <a:rPr lang="nl-NL" b="1" dirty="0" smtClean="0"/>
+              <a:t/>
+            </a:r>
+            <a:br>
+              <a:rPr lang="nl-NL" b="1" dirty="0" smtClean="0"/>
+            </a:br>
+            <a:r>
+              <a:rPr lang="nl-NL" dirty="0" smtClean="0"/>
+              <a:t/>
+            </a:r>
+            <a:br>
+              <a:rPr lang="nl-NL" dirty="0" smtClean="0"/>
+            </a:br>
+            <a:r>
+              <a:rPr lang="en-US" sz="3600" i="1" dirty="0" smtClean="0"/>
+              <a:t>Co</a:t>
+            </a:r>
+            <a:r>
+              <a:rPr lang="nl-NL" sz="3600" i="1" dirty="0" err="1" smtClean="0"/>
+              <a:t>ntrol</a:t>
+            </a:r>
+            <a:r>
+              <a:rPr lang="nl-NL" sz="3600" i="1" dirty="0" smtClean="0"/>
+              <a:t> </a:t>
+            </a:r>
+            <a:r>
+              <a:rPr lang="nl-NL" sz="3600" i="1" dirty="0" err="1" smtClean="0"/>
+              <a:t>servos</a:t>
+            </a:r>
+            <a:r>
+              <a:rPr lang="nl-NL" sz="3600" i="1" dirty="0" smtClean="0"/>
+              <a:t>, </a:t>
+            </a:r>
+            <a:r>
+              <a:rPr lang="nl-NL" sz="3600" i="1" dirty="0" err="1" smtClean="0"/>
+              <a:t>LEDs</a:t>
+            </a:r>
+            <a:r>
+              <a:rPr lang="nl-NL" sz="3600" i="1" dirty="0" smtClean="0"/>
+              <a:t> and more </a:t>
+            </a:r>
+            <a:r>
+              <a:rPr lang="nl-NL" sz="3600" i="1" dirty="0" err="1" smtClean="0"/>
+              <a:t>from</a:t>
+            </a:r>
+            <a:r>
+              <a:rPr lang="nl-NL" sz="3600" i="1" dirty="0" smtClean="0"/>
+              <a:t> Scratch </a:t>
+            </a:r>
+            <a:r>
+              <a:rPr lang="nl-NL" sz="3600" i="1" dirty="0" err="1" smtClean="0"/>
+              <a:t>using</a:t>
+            </a:r>
+            <a:r>
+              <a:rPr lang="nl-NL" sz="3600" i="1" dirty="0" smtClean="0"/>
+              <a:t> </a:t>
+            </a:r>
+            <a:r>
+              <a:rPr lang="nl-NL" sz="3600" i="1" dirty="0" err="1" smtClean="0"/>
+              <a:t>RPi</a:t>
+            </a:r>
+            <a:r>
+              <a:rPr lang="nl-NL" sz="3600" i="1" dirty="0" smtClean="0"/>
+              <a:t>, </a:t>
+            </a:r>
+            <a:r>
+              <a:rPr lang="nl-NL" sz="3600" i="1" dirty="0" err="1" smtClean="0"/>
+              <a:t>Arduino</a:t>
+            </a:r>
+            <a:r>
+              <a:rPr lang="nl-NL" sz="3600" i="1" dirty="0" smtClean="0"/>
+              <a:t>, </a:t>
+            </a:r>
+            <a:r>
+              <a:rPr lang="nl-NL" sz="3600" i="1" dirty="0" err="1" smtClean="0"/>
+              <a:t>scratchClient</a:t>
+            </a:r>
+            <a:endParaRPr lang="nl-NL" i="1" dirty="0"/>
+          </a:p>
+        </p:txBody>
+      </p:sp>
+      <p:sp>
+        <p:nvSpPr>
+          <p:cNvPr id="3" name="Ondertitel 2"/>
+          <p:cNvSpPr>
+            <a:spLocks noGrp="1"/>
+          </p:cNvSpPr>
+          <p:nvPr>
+            <p:ph type="subTitle" idx="1"/>
+          </p:nvPr>
+        </p:nvSpPr>
+        <p:spPr>
+          <a:xfrm>
+            <a:off x="1331640" y="3435846"/>
+            <a:ext cx="6400800" cy="1314450"/>
+          </a:xfrm>
+        </p:spPr>
+        <p:txBody>
+          <a:bodyPr>
+            <a:normAutofit lnSpcReduction="10000"/>
+          </a:bodyPr>
+          <a:lstStyle/>
+          <a:p>
+            <a:r>
+              <a:rPr lang="en-US" dirty="0" smtClean="0">
+                <a:solidFill>
+                  <a:schemeClr val="bg1"/>
+                </a:solidFill>
+              </a:rPr>
+              <a:t>Hans de </a:t>
+            </a:r>
+            <a:r>
+              <a:rPr lang="en-US" dirty="0" err="1" smtClean="0">
+                <a:solidFill>
+                  <a:schemeClr val="bg1"/>
+                </a:solidFill>
+              </a:rPr>
+              <a:t>Jong</a:t>
+            </a:r>
+            <a:r>
+              <a:rPr lang="en-US" dirty="0" smtClean="0">
+                <a:solidFill>
+                  <a:schemeClr val="bg1"/>
+                </a:solidFill>
+              </a:rPr>
+              <a:t> &amp; Gerhard </a:t>
+            </a:r>
+            <a:r>
+              <a:rPr lang="en-US" dirty="0" err="1" smtClean="0">
+                <a:solidFill>
+                  <a:schemeClr val="bg1"/>
+                </a:solidFill>
+              </a:rPr>
+              <a:t>Hepp</a:t>
+            </a:r>
+            <a:endParaRPr lang="en-US" dirty="0" smtClean="0">
+              <a:solidFill>
+                <a:schemeClr val="bg1"/>
+              </a:solidFill>
+            </a:endParaRPr>
+          </a:p>
+          <a:p>
+            <a:r>
+              <a:rPr lang="en-US" dirty="0" smtClean="0">
+                <a:solidFill>
+                  <a:schemeClr val="bg1"/>
+                </a:solidFill>
+              </a:rPr>
+              <a:t>Pi And More 10</a:t>
+            </a:r>
+          </a:p>
+          <a:p>
+            <a:r>
+              <a:rPr lang="en-US" dirty="0" smtClean="0">
+                <a:solidFill>
+                  <a:schemeClr val="bg1"/>
+                </a:solidFill>
+              </a:rPr>
+              <a:t>Trier – 24 June 2017 </a:t>
+            </a:r>
+            <a:endParaRPr lang="nl-NL" dirty="0">
+              <a:solidFill>
+                <a:schemeClr val="bg1"/>
+              </a:solidFill>
+            </a:endParaRPr>
           </a:p>
         </p:txBody>
       </p:sp>
@@ -10677,7 +11830,7 @@
           <a:p>
             <a:r>
               <a:rPr lang="en-US" dirty="0" smtClean="0"/>
-              <a:t>Control a 3-color LED</a:t>
+              <a:t>If you start here</a:t>
             </a:r>
             <a:endParaRPr lang="nl-NL" dirty="0"/>
           </a:p>
@@ -10698,7 +11851,83 @@
           <a:bodyPr/>
           <a:lstStyle/>
           <a:p>
-            <a:endParaRPr lang="nl-NL"/>
+            <a:r>
+              <a:rPr lang="en-US" dirty="0" smtClean="0"/>
+              <a:t>If you did not do this directly after the beginners workshop</a:t>
+            </a:r>
+          </a:p>
+          <a:p>
+            <a:r>
+              <a:rPr lang="en-US" dirty="0" smtClean="0"/>
+              <a:t>Do this ….</a:t>
+            </a:r>
+          </a:p>
+          <a:p>
+            <a:pPr lvl="1"/>
+            <a:r>
+              <a:rPr lang="en-US" dirty="0" smtClean="0"/>
+              <a:t>Create a </a:t>
+            </a:r>
+            <a:r>
+              <a:rPr lang="en-US" dirty="0" err="1" smtClean="0"/>
+              <a:t>config</a:t>
+            </a:r>
+            <a:r>
+              <a:rPr lang="en-US" dirty="0" smtClean="0"/>
+              <a:t> file</a:t>
+            </a:r>
+          </a:p>
+          <a:p>
+            <a:pPr lvl="1"/>
+            <a:r>
+              <a:rPr lang="en-US" dirty="0" smtClean="0"/>
+              <a:t>Create a .</a:t>
+            </a:r>
+            <a:r>
+              <a:rPr lang="en-US" dirty="0" err="1" smtClean="0"/>
+              <a:t>sh</a:t>
+            </a:r>
+            <a:r>
+              <a:rPr lang="en-US" dirty="0" smtClean="0"/>
+              <a:t> file to start </a:t>
+            </a:r>
+            <a:r>
+              <a:rPr lang="en-US" dirty="0" err="1" smtClean="0"/>
+              <a:t>scratchClient</a:t>
+            </a:r>
+            <a:endParaRPr lang="en-US" dirty="0" smtClean="0"/>
+          </a:p>
+          <a:p>
+            <a:pPr lvl="1"/>
+            <a:r>
+              <a:rPr lang="en-US" dirty="0" smtClean="0"/>
+              <a:t>Wire + and – to the breadboard</a:t>
+            </a:r>
+            <a:endParaRPr lang="nl-NL" dirty="0"/>
+          </a:p>
+        </p:txBody>
+      </p:sp>
+      <p:sp>
+        <p:nvSpPr>
+          <p:cNvPr id="4" name="Tijdelijke aanduiding voor dianummer 3"/>
+          <p:cNvSpPr>
+            <a:spLocks noGrp="1"/>
+          </p:cNvSpPr>
+          <p:nvPr>
+            <p:ph type="sldNum" sz="quarter" idx="12"/>
+          </p:nvPr>
+        </p:nvSpPr>
+        <p:spPr/>
+        <p:txBody>
+          <a:bodyPr/>
+          <a:lstStyle/>
+          <a:p>
+            <a:fld id="{6802DAD7-DC19-4A9E-93C3-E71314786426}" type="slidenum">
+              <a:rPr lang="nl-NL" smtClean="0"/>
+              <a:pPr/>
+              <a:t>44</a:t>
+            </a:fld>
+            <a:endParaRPr lang="nl-NL" dirty="0"/>
           </a:p>
         </p:txBody>
       </p:sp>
@@ -10744,24 +11973,113 @@
           <a:p>
             <a:r>
               <a:rPr lang="en-US" dirty="0" smtClean="0"/>
-              <a:t>Usage of </a:t>
+              <a:t>Add a Joystick</a:t>
+            </a:r>
+            <a:endParaRPr lang="nl-NL" dirty="0"/>
+          </a:p>
+        </p:txBody>
+      </p:sp>
+      <p:sp>
+        <p:nvSpPr>
+          <p:cNvPr id="3" name="Tijdelijke aanduiding voor inhoud 2"/>
+          <p:cNvSpPr>
+            <a:spLocks noGrp="1"/>
+          </p:cNvSpPr>
+          <p:nvPr>
+            <p:ph idx="1"/>
+          </p:nvPr>
+        </p:nvSpPr>
+        <p:spPr/>
+        <p:txBody>
+          <a:bodyPr>
+            <a:normAutofit fontScale="92500"/>
+          </a:bodyPr>
+          <a:lstStyle/>
+          <a:p>
+            <a:r>
+              <a:rPr lang="en-US" dirty="0" smtClean="0"/>
+              <a:t>The joy stick consists of</a:t>
+            </a:r>
+          </a:p>
+          <a:p>
+            <a:pPr lvl="1"/>
+            <a:r>
+              <a:rPr lang="en-US" dirty="0" smtClean="0"/>
+              <a:t>Potentiometer for X</a:t>
+            </a:r>
+          </a:p>
+          <a:p>
+            <a:pPr lvl="1"/>
+            <a:r>
+              <a:rPr lang="en-US" dirty="0" smtClean="0"/>
+              <a:t>Potentiometer for Y</a:t>
+            </a:r>
+          </a:p>
+          <a:p>
+            <a:pPr lvl="1"/>
+            <a:r>
+              <a:rPr lang="en-US" dirty="0" smtClean="0"/>
+              <a:t>Button</a:t>
+            </a:r>
+          </a:p>
+          <a:p>
+            <a:r>
+              <a:rPr lang="en-US" dirty="0" smtClean="0"/>
+              <a:t>Wire these 3 signals via a 1 </a:t>
             </a:r>
             <a:r>
               <a:rPr lang="en-US" dirty="0" err="1" smtClean="0"/>
-              <a:t>ident</a:t>
-            </a:r>
-            <a:endParaRPr lang="nl-NL" dirty="0"/>
-          </a:p>
-        </p:txBody>
-      </p:sp>
-      <p:sp>
-        <p:nvSpPr>
-          <p:cNvPr id="3" name="Tijdelijke aanduiding voor inhoud 2"/>
-          <p:cNvSpPr>
-            <a:spLocks noGrp="1"/>
-          </p:cNvSpPr>
-          <p:nvPr>
-            <p:ph idx="1"/>
+              <a:t>kOhm</a:t>
+            </a:r>
+            <a:r>
+              <a:rPr lang="en-US" dirty="0" smtClean="0"/>
+              <a:t> resistor on the breadboard to pins A1 and A2 for X and Y and the button to one of the digital pins.</a:t>
+            </a:r>
+          </a:p>
+          <a:p>
+            <a:r>
+              <a:rPr lang="en-US" dirty="0" smtClean="0"/>
+              <a:t>Adapt the </a:t>
+            </a:r>
+            <a:r>
+              <a:rPr lang="en-US" dirty="0" err="1" smtClean="0"/>
+              <a:t>scratchClient</a:t>
+            </a:r>
+            <a:r>
+              <a:rPr lang="en-US" dirty="0" smtClean="0"/>
+              <a:t> </a:t>
+            </a:r>
+            <a:r>
+              <a:rPr lang="en-US" dirty="0" err="1" smtClean="0"/>
+              <a:t>config</a:t>
+            </a:r>
+            <a:endParaRPr lang="en-US" dirty="0" smtClean="0"/>
+          </a:p>
+          <a:p>
+            <a:r>
+              <a:rPr lang="en-US" dirty="0" smtClean="0"/>
+              <a:t>Once it runs, you can see values for the </a:t>
+            </a:r>
+            <a:r>
+              <a:rPr lang="en-US" dirty="0" err="1" smtClean="0"/>
+              <a:t>potmeter</a:t>
+            </a:r>
+            <a:r>
+              <a:rPr lang="en-US" dirty="0" smtClean="0"/>
+              <a:t> as sensors in Scratch.</a:t>
+            </a:r>
+            <a:endParaRPr lang="nl-NL" dirty="0"/>
+          </a:p>
+        </p:txBody>
+      </p:sp>
+      <p:sp>
+        <p:nvSpPr>
+          <p:cNvPr id="4" name="Tijdelijke aanduiding voor dianummer 3"/>
+          <p:cNvSpPr>
+            <a:spLocks noGrp="1"/>
+          </p:cNvSpPr>
+          <p:nvPr>
+            <p:ph type="sldNum" sz="quarter" idx="12"/>
           </p:nvPr>
         </p:nvSpPr>
         <p:spPr/>
@@ -10769,7 +12087,12 @@
           <a:bodyPr/>
           <a:lstStyle/>
           <a:p>
-            <a:endParaRPr lang="nl-NL"/>
+            <a:fld id="{6802DAD7-DC19-4A9E-93C3-E71314786426}" type="slidenum">
+              <a:rPr lang="nl-NL" smtClean="0"/>
+              <a:pPr/>
+              <a:t>45</a:t>
+            </a:fld>
+            <a:endParaRPr lang="nl-NL" dirty="0"/>
           </a:p>
         </p:txBody>
       </p:sp>
@@ -10815,11 +12138,7 @@
           <a:p>
             <a:r>
               <a:rPr lang="en-US" dirty="0" smtClean="0"/>
-              <a:t>Control multiple </a:t>
-            </a:r>
-            <a:r>
-              <a:rPr lang="en-US" dirty="0" err="1" smtClean="0"/>
-              <a:t>Arduinos</a:t>
+              <a:t>Uses of Joysticks</a:t>
             </a:r>
             <a:endParaRPr lang="nl-NL" dirty="0"/>
           </a:p>
@@ -10837,10 +12156,95 @@
         </p:nvSpPr>
         <p:spPr/>
         <p:txBody>
+          <a:bodyPr>
+            <a:normAutofit fontScale="92500" lnSpcReduction="20000"/>
+          </a:bodyPr>
+          <a:lstStyle/>
+          <a:p>
+            <a:r>
+              <a:rPr lang="en-US" dirty="0" smtClean="0"/>
+              <a:t>You can directly use the value of the joystick </a:t>
+            </a:r>
+          </a:p>
+          <a:p>
+            <a:pPr lvl="1"/>
+            <a:r>
+              <a:rPr lang="en-US" dirty="0" smtClean="0"/>
+              <a:t>E.g. to control the position of a servo</a:t>
+            </a:r>
+          </a:p>
+          <a:p>
+            <a:pPr lvl="1"/>
+            <a:r>
+              <a:rPr lang="en-US" dirty="0" smtClean="0"/>
+              <a:t>E.g. to control the intensity of a LED</a:t>
+            </a:r>
+          </a:p>
+          <a:p>
+            <a:pPr lvl="1"/>
+            <a:r>
+              <a:rPr lang="en-US" dirty="0" smtClean="0"/>
+              <a:t>When release the knob, it will then move to the middle value.</a:t>
+            </a:r>
+          </a:p>
+          <a:p>
+            <a:r>
+              <a:rPr lang="en-US" dirty="0" smtClean="0"/>
+              <a:t>You can alternatively use the joystick determine the speed of the change</a:t>
+            </a:r>
+          </a:p>
+          <a:p>
+            <a:pPr lvl="1"/>
+            <a:r>
+              <a:rPr lang="en-US" dirty="0" smtClean="0"/>
+              <a:t>E.g. move a servo fast or slow. Let the servo stop at the latest position when you release the knob.</a:t>
+            </a:r>
+          </a:p>
+          <a:p>
+            <a:pPr lvl="1"/>
+            <a:r>
+              <a:rPr lang="en-US" dirty="0" smtClean="0"/>
+              <a:t>You can also use the Scratch pen function draw on the screen.</a:t>
+            </a:r>
+          </a:p>
+          <a:p>
+            <a:pPr lvl="2"/>
+            <a:r>
+              <a:rPr lang="en-US" dirty="0" smtClean="0"/>
+              <a:t>And e.g. use the potentiometer to change pen width or color.</a:t>
+            </a:r>
+          </a:p>
+          <a:p>
+            <a:pPr lvl="1"/>
+            <a:r>
+              <a:rPr lang="en-US" dirty="0" smtClean="0"/>
+              <a:t>Take care of drift (see next slide)</a:t>
+            </a:r>
+            <a:endParaRPr lang="nl-NL" dirty="0"/>
+          </a:p>
+        </p:txBody>
+      </p:sp>
+      <p:sp>
+        <p:nvSpPr>
+          <p:cNvPr id="4" name="Tijdelijke aanduiding voor dianummer 3"/>
+          <p:cNvSpPr>
+            <a:spLocks noGrp="1"/>
+          </p:cNvSpPr>
+          <p:nvPr>
+            <p:ph type="sldNum" sz="quarter" idx="12"/>
+          </p:nvPr>
+        </p:nvSpPr>
+        <p:spPr/>
+        <p:txBody>
           <a:bodyPr/>
           <a:lstStyle/>
           <a:p>
-            <a:endParaRPr lang="nl-NL"/>
+            <a:fld id="{6802DAD7-DC19-4A9E-93C3-E71314786426}" type="slidenum">
+              <a:rPr lang="nl-NL" smtClean="0"/>
+              <a:pPr/>
+              <a:t>46</a:t>
+            </a:fld>
+            <a:endParaRPr lang="nl-NL" dirty="0"/>
           </a:p>
         </p:txBody>
       </p:sp>
@@ -10881,31 +12285,83 @@
         </p:nvSpPr>
         <p:spPr/>
         <p:txBody>
+          <a:bodyPr/>
+          <a:lstStyle/>
+          <a:p>
+            <a:r>
+              <a:rPr lang="en-US" dirty="0" smtClean="0"/>
+              <a:t>Take care of drift</a:t>
+            </a:r>
+            <a:endParaRPr lang="nl-NL" dirty="0"/>
+          </a:p>
+        </p:txBody>
+      </p:sp>
+      <p:sp>
+        <p:nvSpPr>
+          <p:cNvPr id="3" name="Tijdelijke aanduiding voor inhoud 2"/>
+          <p:cNvSpPr>
+            <a:spLocks noGrp="1"/>
+          </p:cNvSpPr>
+          <p:nvPr>
+            <p:ph idx="1"/>
+          </p:nvPr>
+        </p:nvSpPr>
+        <p:spPr/>
+        <p:txBody>
           <a:bodyPr>
-            <a:normAutofit fontScale="90000"/>
+            <a:normAutofit fontScale="92500" lnSpcReduction="20000"/>
           </a:bodyPr>
           <a:lstStyle/>
           <a:p>
             <a:r>
               <a:rPr lang="en-US" dirty="0" smtClean="0"/>
-              <a:t>The counting function of </a:t>
-            </a:r>
-            <a:r>
-              <a:rPr lang="en-US" dirty="0" err="1" smtClean="0"/>
-              <a:t>scratchClient</a:t>
-            </a:r>
-            <a:endParaRPr lang="nl-NL" dirty="0"/>
-          </a:p>
-        </p:txBody>
-      </p:sp>
-      <p:sp>
-        <p:nvSpPr>
-          <p:cNvPr id="3" name="Tijdelijke aanduiding voor inhoud 2"/>
-          <p:cNvSpPr>
-            <a:spLocks noGrp="1"/>
-          </p:cNvSpPr>
-          <p:nvPr>
-            <p:ph idx="1"/>
+              <a:t>Not all joysticks will give the same value if they are in the middle position</a:t>
+            </a:r>
+          </a:p>
+          <a:p>
+            <a:r>
+              <a:rPr lang="en-US" dirty="0" smtClean="0"/>
+              <a:t>Influenced by temperature, the value produced in the middle position can drift over time.</a:t>
+            </a:r>
+          </a:p>
+          <a:p>
+            <a:r>
+              <a:rPr lang="en-US" dirty="0" smtClean="0"/>
+              <a:t>Therefore build in some threshold around the middle position</a:t>
+            </a:r>
+          </a:p>
+          <a:p>
+            <a:pPr lvl="1"/>
+            <a:r>
+              <a:rPr lang="en-US" dirty="0" smtClean="0"/>
+              <a:t>If the middle position is 512, then do only react if the value changes by at least 5, so &gt; 517 or &lt; 507.</a:t>
+            </a:r>
+          </a:p>
+          <a:p>
+            <a:pPr lvl="1"/>
+            <a:r>
+              <a:rPr lang="en-US" dirty="0" smtClean="0"/>
+              <a:t>Whether 5 is enough as threshold you will learn over time. Increase if it drifts more than that.</a:t>
+            </a:r>
+          </a:p>
+          <a:p>
+            <a:pPr lvl="1"/>
+            <a:r>
+              <a:rPr lang="en-US" dirty="0" smtClean="0"/>
+              <a:t>If you have a general program that works with several joysticks then you may have to use a larger threshold, or you need to calibrate (adapt the program for each particular servo). </a:t>
+            </a:r>
+            <a:endParaRPr lang="nl-NL" dirty="0"/>
+          </a:p>
+        </p:txBody>
+      </p:sp>
+      <p:sp>
+        <p:nvSpPr>
+          <p:cNvPr id="4" name="Tijdelijke aanduiding voor dianummer 3"/>
+          <p:cNvSpPr>
+            <a:spLocks noGrp="1"/>
+          </p:cNvSpPr>
+          <p:nvPr>
+            <p:ph type="sldNum" sz="quarter" idx="12"/>
           </p:nvPr>
         </p:nvSpPr>
         <p:spPr/>
@@ -10913,7 +12369,12 @@
           <a:bodyPr/>
           <a:lstStyle/>
           <a:p>
-            <a:endParaRPr lang="nl-NL"/>
+            <a:fld id="{6802DAD7-DC19-4A9E-93C3-E71314786426}" type="slidenum">
+              <a:rPr lang="nl-NL" smtClean="0"/>
+              <a:pPr/>
+              <a:t>47</a:t>
+            </a:fld>
+            <a:endParaRPr lang="nl-NL" dirty="0"/>
           </a:p>
         </p:txBody>
       </p:sp>
@@ -10958,8 +12419,8 @@
           <a:lstStyle/>
           <a:p>
             <a:r>
-              <a:rPr lang="en-US" dirty="0" err="1" smtClean="0"/>
-              <a:t>Debouncing</a:t>
+              <a:rPr lang="en-US" dirty="0" smtClean="0"/>
+              <a:t>Control a 3-color LED</a:t>
             </a:r>
             <a:endParaRPr lang="nl-NL" dirty="0"/>
           </a:p>
@@ -10977,10 +12438,101 @@
         </p:nvSpPr>
         <p:spPr/>
         <p:txBody>
+          <a:bodyPr>
+            <a:normAutofit fontScale="92500" lnSpcReduction="20000"/>
+          </a:bodyPr>
+          <a:lstStyle/>
+          <a:p>
+            <a:r>
+              <a:rPr lang="en-US" dirty="0" smtClean="0"/>
+              <a:t>A 3-color LED has 3 LEDs in one package</a:t>
+            </a:r>
+          </a:p>
+          <a:p>
+            <a:pPr lvl="1"/>
+            <a:r>
+              <a:rPr lang="en-US" dirty="0" smtClean="0"/>
+              <a:t>Green</a:t>
+            </a:r>
+          </a:p>
+          <a:p>
+            <a:pPr lvl="1"/>
+            <a:r>
+              <a:rPr lang="en-US" dirty="0" smtClean="0"/>
+              <a:t>Red</a:t>
+            </a:r>
+          </a:p>
+          <a:p>
+            <a:pPr lvl="1"/>
+            <a:r>
+              <a:rPr lang="en-US" dirty="0" smtClean="0"/>
+              <a:t>Blue</a:t>
+            </a:r>
+          </a:p>
+          <a:p>
+            <a:r>
+              <a:rPr lang="en-US" dirty="0" smtClean="0"/>
+              <a:t>Use PWM to change the intensity of each color</a:t>
+            </a:r>
+          </a:p>
+          <a:p>
+            <a:pPr lvl="1"/>
+            <a:r>
+              <a:rPr lang="en-US" dirty="0" smtClean="0"/>
+              <a:t>In that way you can create the entire spectrum of light</a:t>
+            </a:r>
+          </a:p>
+          <a:p>
+            <a:pPr lvl="1"/>
+            <a:r>
+              <a:rPr lang="en-US" dirty="0" smtClean="0"/>
+              <a:t>Including white light</a:t>
+            </a:r>
+          </a:p>
+          <a:p>
+            <a:r>
+              <a:rPr lang="en-US" dirty="0" smtClean="0"/>
+              <a:t>Use pins …….</a:t>
+            </a:r>
+          </a:p>
+          <a:p>
+            <a:pPr lvl="1"/>
+            <a:r>
+              <a:rPr lang="en-US" dirty="0" smtClean="0"/>
+              <a:t>If you still have pin xx for the separate green LED, then disconnect that one</a:t>
+            </a:r>
+          </a:p>
+          <a:p>
+            <a:pPr lvl="1"/>
+            <a:r>
+              <a:rPr lang="en-US" dirty="0" smtClean="0"/>
+              <a:t>Since also a servo is connected, pins 10 and 11 cannot be used for PWM and only 4 PWM pins are left (of which one is used for the buzzer).</a:t>
+            </a:r>
+            <a:endParaRPr lang="nl-NL" dirty="0"/>
+          </a:p>
+        </p:txBody>
+      </p:sp>
+      <p:sp>
+        <p:nvSpPr>
+          <p:cNvPr id="4" name="Tijdelijke aanduiding voor dianummer 3"/>
+          <p:cNvSpPr>
+            <a:spLocks noGrp="1"/>
+          </p:cNvSpPr>
+          <p:nvPr>
+            <p:ph type="sldNum" sz="quarter" idx="12"/>
+          </p:nvPr>
+        </p:nvSpPr>
+        <p:spPr/>
+        <p:txBody>
           <a:bodyPr/>
           <a:lstStyle/>
           <a:p>
-            <a:endParaRPr lang="nl-NL"/>
+            <a:fld id="{6802DAD7-DC19-4A9E-93C3-E71314786426}" type="slidenum">
+              <a:rPr lang="nl-NL" smtClean="0"/>
+              <a:pPr/>
+              <a:t>48</a:t>
+            </a:fld>
+            <a:endParaRPr lang="nl-NL" dirty="0"/>
           </a:p>
         </p:txBody>
       </p:sp>
@@ -11026,7 +12578,7 @@
           <a:p>
             <a:r>
               <a:rPr lang="en-US" dirty="0" smtClean="0"/>
-              <a:t>Power on self test</a:t>
+              <a:t>Counter function using a button</a:t>
             </a:r>
             <a:endParaRPr lang="nl-NL" dirty="0"/>
           </a:p>
@@ -11047,6 +12599,202 @@
           <a:bodyPr/>
           <a:lstStyle/>
           <a:p>
+            <a:r>
+              <a:rPr lang="en-US" dirty="0" smtClean="0"/>
+              <a:t>Update the </a:t>
+            </a:r>
+            <a:r>
+              <a:rPr lang="en-US" dirty="0" err="1" smtClean="0"/>
+              <a:t>config</a:t>
+            </a:r>
+            <a:r>
+              <a:rPr lang="en-US" dirty="0" smtClean="0"/>
+              <a:t> file to include a counter on pin</a:t>
+            </a:r>
+          </a:p>
+          <a:p>
+            <a:r>
+              <a:rPr lang="en-US" dirty="0" smtClean="0"/>
+              <a:t>It will count up</a:t>
+            </a:r>
+            <a:r>
+              <a:rPr lang="nl-NL" dirty="0" smtClean="0"/>
+              <a:t>. </a:t>
+            </a:r>
+            <a:r>
+              <a:rPr lang="nl-NL" dirty="0" err="1" smtClean="0"/>
+              <a:t>It</a:t>
+            </a:r>
+            <a:r>
+              <a:rPr lang="nl-NL" dirty="0" smtClean="0"/>
+              <a:t> </a:t>
+            </a:r>
+            <a:r>
+              <a:rPr lang="nl-NL" dirty="0" err="1" smtClean="0"/>
+              <a:t>will</a:t>
+            </a:r>
+            <a:r>
+              <a:rPr lang="nl-NL" dirty="0" smtClean="0"/>
+              <a:t> </a:t>
+            </a:r>
+            <a:r>
+              <a:rPr lang="nl-NL" dirty="0" err="1" smtClean="0"/>
+              <a:t>wrap</a:t>
+            </a:r>
+            <a:r>
+              <a:rPr lang="nl-NL" dirty="0" smtClean="0"/>
+              <a:t> </a:t>
+            </a:r>
+            <a:r>
+              <a:rPr lang="nl-NL" dirty="0" err="1" smtClean="0"/>
+              <a:t>round</a:t>
+            </a:r>
+            <a:r>
+              <a:rPr lang="nl-NL" dirty="0" smtClean="0"/>
+              <a:t> at a </a:t>
+            </a:r>
+            <a:r>
+              <a:rPr lang="nl-NL" dirty="0" err="1" smtClean="0"/>
+              <a:t>very</a:t>
+            </a:r>
+            <a:r>
+              <a:rPr lang="nl-NL" dirty="0" smtClean="0"/>
+              <a:t> </a:t>
+            </a:r>
+            <a:r>
+              <a:rPr lang="nl-NL" dirty="0" err="1" smtClean="0"/>
+              <a:t>large</a:t>
+            </a:r>
+            <a:r>
+              <a:rPr lang="nl-NL" dirty="0" smtClean="0"/>
+              <a:t> </a:t>
+            </a:r>
+            <a:r>
+              <a:rPr lang="nl-NL" dirty="0" err="1" smtClean="0"/>
+              <a:t>value</a:t>
+            </a:r>
+            <a:r>
+              <a:rPr lang="nl-NL" dirty="0" smtClean="0"/>
+              <a:t> </a:t>
+            </a:r>
+            <a:r>
+              <a:rPr lang="nl-NL" dirty="0" err="1" smtClean="0"/>
+              <a:t>that</a:t>
+            </a:r>
+            <a:r>
+              <a:rPr lang="nl-NL" dirty="0" smtClean="0"/>
+              <a:t> </a:t>
+            </a:r>
+            <a:r>
+              <a:rPr lang="nl-NL" dirty="0" err="1" smtClean="0"/>
+              <a:t>will</a:t>
+            </a:r>
+            <a:r>
+              <a:rPr lang="nl-NL" dirty="0" smtClean="0"/>
+              <a:t> </a:t>
+            </a:r>
+            <a:r>
+              <a:rPr lang="nl-NL" dirty="0" err="1" smtClean="0"/>
+              <a:t>be</a:t>
+            </a:r>
+            <a:r>
+              <a:rPr lang="nl-NL" dirty="0" smtClean="0"/>
+              <a:t> </a:t>
+            </a:r>
+            <a:r>
+              <a:rPr lang="nl-NL" dirty="0" err="1" smtClean="0"/>
+              <a:t>reached</a:t>
+            </a:r>
+            <a:r>
+              <a:rPr lang="nl-NL" dirty="0" smtClean="0"/>
+              <a:t> </a:t>
+            </a:r>
+            <a:r>
+              <a:rPr lang="nl-NL" dirty="0" err="1" smtClean="0"/>
+              <a:t>after</a:t>
+            </a:r>
+            <a:r>
+              <a:rPr lang="nl-NL" dirty="0" smtClean="0"/>
+              <a:t> </a:t>
+            </a:r>
+            <a:r>
+              <a:rPr lang="nl-NL" dirty="0" err="1" smtClean="0"/>
+              <a:t>days</a:t>
+            </a:r>
+            <a:r>
+              <a:rPr lang="nl-NL" dirty="0" smtClean="0"/>
+              <a:t> of </a:t>
+            </a:r>
+            <a:r>
+              <a:rPr lang="nl-NL" dirty="0" err="1" smtClean="0"/>
+              <a:t>counting</a:t>
+            </a:r>
+            <a:r>
+              <a:rPr lang="nl-NL" dirty="0" smtClean="0"/>
+              <a:t>.</a:t>
+            </a:r>
+          </a:p>
+          <a:p>
+            <a:r>
+              <a:rPr lang="en-US" dirty="0" smtClean="0"/>
+              <a:t>Max. ca. 80 counts per second = 4800 per minute</a:t>
+            </a:r>
+          </a:p>
+          <a:p>
+            <a:r>
+              <a:rPr lang="en-US" dirty="0" smtClean="0"/>
+              <a:t>There is a 4 ms </a:t>
+            </a:r>
+            <a:r>
+              <a:rPr lang="en-US" dirty="0" err="1" smtClean="0"/>
+              <a:t>debouncing</a:t>
+            </a:r>
+            <a:r>
+              <a:rPr lang="en-US" dirty="0" smtClean="0"/>
+              <a:t> delay</a:t>
+            </a:r>
+          </a:p>
+          <a:p>
+            <a:pPr lvl="1"/>
+            <a:r>
+              <a:rPr lang="en-US" dirty="0" smtClean="0"/>
+              <a:t>So multiple pulses within 4 ms will processed as a single count</a:t>
+            </a:r>
+          </a:p>
+          <a:p>
+            <a:pPr lvl="1"/>
+            <a:r>
+              <a:rPr lang="en-US" dirty="0" smtClean="0"/>
+              <a:t>So no need for capacitors to do </a:t>
+            </a:r>
+            <a:r>
+              <a:rPr lang="en-US" dirty="0" err="1" smtClean="0"/>
+              <a:t>debouncing</a:t>
+            </a:r>
+            <a:endParaRPr lang="en-US" dirty="0" smtClean="0"/>
+          </a:p>
+        </p:txBody>
+      </p:sp>
+      <p:sp>
+        <p:nvSpPr>
+          <p:cNvPr id="4" name="Tijdelijke aanduiding voor dianummer 3"/>
+          <p:cNvSpPr>
+            <a:spLocks noGrp="1"/>
+          </p:cNvSpPr>
+          <p:nvPr>
+            <p:ph type="sldNum" sz="quarter" idx="12"/>
+          </p:nvPr>
+        </p:nvSpPr>
+        <p:spPr/>
+        <p:txBody>
+          <a:bodyPr/>
+          <a:lstStyle/>
+          <a:p>
+            <a:fld id="{6802DAD7-DC19-4A9E-93C3-E71314786426}" type="slidenum">
+              <a:rPr lang="nl-NL" smtClean="0"/>
+              <a:pPr/>
+              <a:t>49</a:t>
+            </a:fld>
             <a:endParaRPr lang="nl-NL" dirty="0"/>
           </a:p>
         </p:txBody>
@@ -11141,6 +12889,981 @@
               <a:rPr lang="en-US" dirty="0" smtClean="0"/>
               <a:t>.</a:t>
             </a:r>
+            <a:endParaRPr lang="nl-NL" dirty="0"/>
+          </a:p>
+        </p:txBody>
+      </p:sp>
+      <p:sp>
+        <p:nvSpPr>
+          <p:cNvPr id="4" name="Tijdelijke aanduiding voor dianummer 3"/>
+          <p:cNvSpPr>
+            <a:spLocks noGrp="1"/>
+          </p:cNvSpPr>
+          <p:nvPr>
+            <p:ph type="sldNum" sz="quarter" idx="12"/>
+          </p:nvPr>
+        </p:nvSpPr>
+        <p:spPr/>
+        <p:txBody>
+          <a:bodyPr/>
+          <a:lstStyle/>
+          <a:p>
+            <a:fld id="{6802DAD7-DC19-4A9E-93C3-E71314786426}" type="slidenum">
+              <a:rPr lang="nl-NL" smtClean="0"/>
+              <a:pPr/>
+              <a:t>5</a:t>
+            </a:fld>
+            <a:endParaRPr lang="nl-NL" dirty="0"/>
+          </a:p>
+        </p:txBody>
+      </p:sp>
+    </p:spTree>
+  </p:cSld>
+  <p:clrMapOvr>
+    <a:masterClrMapping/>
+  </p:clrMapOvr>
+</p:sld>
+</file>
+
+<file path=ppt/slides/slide50.xml><?xml version="1.0" encoding="utf-8"?>
+<p:sld xmlns:a="http://schemas.openxmlformats.org/drawingml/2006/main" xmlns:r="http://schemas.openxmlformats.org/officeDocument/2006/relationships" xmlns:p="http://schemas.openxmlformats.org/presentationml/2006/main">
+  <p:cSld>
+    <p:spTree>
+      <p:nvGrpSpPr>
+        <p:cNvPr id="1" name=""/>
+        <p:cNvGrpSpPr/>
+        <p:nvPr/>
+      </p:nvGrpSpPr>
+      <p:grpSpPr>
+        <a:xfrm>
+          <a:off x="0" y="0"/>
+          <a:ext cx="0" cy="0"/>
+          <a:chOff x="0" y="0"/>
+          <a:chExt cx="0" cy="0"/>
+        </a:xfrm>
+      </p:grpSpPr>
+      <p:sp>
+        <p:nvSpPr>
+          <p:cNvPr id="2" name="Titel 1"/>
+          <p:cNvSpPr>
+            <a:spLocks noGrp="1"/>
+          </p:cNvSpPr>
+          <p:nvPr>
+            <p:ph type="title"/>
+          </p:nvPr>
+        </p:nvSpPr>
+        <p:spPr/>
+        <p:txBody>
+          <a:bodyPr/>
+          <a:lstStyle/>
+          <a:p>
+            <a:r>
+              <a:rPr lang="en-US" dirty="0" smtClean="0"/>
+              <a:t>Counter using an IR slotted sensor</a:t>
+            </a:r>
+            <a:endParaRPr lang="nl-NL" dirty="0"/>
+          </a:p>
+        </p:txBody>
+      </p:sp>
+      <p:sp>
+        <p:nvSpPr>
+          <p:cNvPr id="3" name="Tijdelijke aanduiding voor inhoud 2"/>
+          <p:cNvSpPr>
+            <a:spLocks noGrp="1"/>
+          </p:cNvSpPr>
+          <p:nvPr>
+            <p:ph idx="1"/>
+          </p:nvPr>
+        </p:nvSpPr>
+        <p:spPr/>
+        <p:txBody>
+          <a:bodyPr/>
+          <a:lstStyle/>
+          <a:p>
+            <a:r>
+              <a:rPr lang="en-US" dirty="0" smtClean="0"/>
+              <a:t>It does not need a pull up resistor</a:t>
+            </a:r>
+            <a:endParaRPr lang="nl-NL" dirty="0"/>
+          </a:p>
+        </p:txBody>
+      </p:sp>
+      <p:sp>
+        <p:nvSpPr>
+          <p:cNvPr id="4" name="Tijdelijke aanduiding voor dianummer 3"/>
+          <p:cNvSpPr>
+            <a:spLocks noGrp="1"/>
+          </p:cNvSpPr>
+          <p:nvPr>
+            <p:ph type="sldNum" sz="quarter" idx="12"/>
+          </p:nvPr>
+        </p:nvSpPr>
+        <p:spPr/>
+        <p:txBody>
+          <a:bodyPr/>
+          <a:lstStyle/>
+          <a:p>
+            <a:fld id="{6802DAD7-DC19-4A9E-93C3-E71314786426}" type="slidenum">
+              <a:rPr lang="nl-NL" smtClean="0"/>
+              <a:pPr/>
+              <a:t>50</a:t>
+            </a:fld>
+            <a:endParaRPr lang="nl-NL" dirty="0"/>
+          </a:p>
+        </p:txBody>
+      </p:sp>
+    </p:spTree>
+  </p:cSld>
+  <p:clrMapOvr>
+    <a:masterClrMapping/>
+  </p:clrMapOvr>
+</p:sld>
+</file>
+
+<file path=ppt/slides/slide51.xml><?xml version="1.0" encoding="utf-8"?>
+<p:sld xmlns:a="http://schemas.openxmlformats.org/drawingml/2006/main" xmlns:r="http://schemas.openxmlformats.org/officeDocument/2006/relationships" xmlns:p="http://schemas.openxmlformats.org/presentationml/2006/main">
+  <p:cSld>
+    <p:spTree>
+      <p:nvGrpSpPr>
+        <p:cNvPr id="1" name=""/>
+        <p:cNvGrpSpPr/>
+        <p:nvPr/>
+      </p:nvGrpSpPr>
+      <p:grpSpPr>
+        <a:xfrm>
+          <a:off x="0" y="0"/>
+          <a:ext cx="0" cy="0"/>
+          <a:chOff x="0" y="0"/>
+          <a:chExt cx="0" cy="0"/>
+        </a:xfrm>
+      </p:grpSpPr>
+      <p:sp>
+        <p:nvSpPr>
+          <p:cNvPr id="2" name="Titel 1"/>
+          <p:cNvSpPr>
+            <a:spLocks noGrp="1"/>
+          </p:cNvSpPr>
+          <p:nvPr>
+            <p:ph type="title"/>
+          </p:nvPr>
+        </p:nvSpPr>
+        <p:spPr/>
+        <p:txBody>
+          <a:bodyPr/>
+          <a:lstStyle/>
+          <a:p>
+            <a:r>
+              <a:rPr lang="en-US" dirty="0" smtClean="0"/>
+              <a:t>Tilt sensor</a:t>
+            </a:r>
+            <a:endParaRPr lang="nl-NL" dirty="0"/>
+          </a:p>
+        </p:txBody>
+      </p:sp>
+      <p:sp>
+        <p:nvSpPr>
+          <p:cNvPr id="3" name="Tijdelijke aanduiding voor inhoud 2"/>
+          <p:cNvSpPr>
+            <a:spLocks noGrp="1"/>
+          </p:cNvSpPr>
+          <p:nvPr>
+            <p:ph idx="1"/>
+          </p:nvPr>
+        </p:nvSpPr>
+        <p:spPr/>
+        <p:txBody>
+          <a:bodyPr/>
+          <a:lstStyle/>
+          <a:p>
+            <a:r>
+              <a:rPr lang="en-US" dirty="0" smtClean="0"/>
+              <a:t>Adapt the </a:t>
+            </a:r>
+            <a:r>
+              <a:rPr lang="en-US" dirty="0" err="1" smtClean="0"/>
+              <a:t>config</a:t>
+            </a:r>
+            <a:r>
+              <a:rPr lang="en-US" dirty="0" smtClean="0"/>
+              <a:t> file for a tilt sensor</a:t>
+            </a:r>
+            <a:endParaRPr lang="nl-NL" dirty="0"/>
+          </a:p>
+        </p:txBody>
+      </p:sp>
+      <p:sp>
+        <p:nvSpPr>
+          <p:cNvPr id="4" name="Tijdelijke aanduiding voor dianummer 3"/>
+          <p:cNvSpPr>
+            <a:spLocks noGrp="1"/>
+          </p:cNvSpPr>
+          <p:nvPr>
+            <p:ph type="sldNum" sz="quarter" idx="12"/>
+          </p:nvPr>
+        </p:nvSpPr>
+        <p:spPr/>
+        <p:txBody>
+          <a:bodyPr/>
+          <a:lstStyle/>
+          <a:p>
+            <a:fld id="{6802DAD7-DC19-4A9E-93C3-E71314786426}" type="slidenum">
+              <a:rPr lang="nl-NL" smtClean="0"/>
+              <a:pPr/>
+              <a:t>51</a:t>
+            </a:fld>
+            <a:endParaRPr lang="nl-NL" dirty="0"/>
+          </a:p>
+        </p:txBody>
+      </p:sp>
+    </p:spTree>
+  </p:cSld>
+  <p:clrMapOvr>
+    <a:masterClrMapping/>
+  </p:clrMapOvr>
+</p:sld>
+</file>
+
+<file path=ppt/slides/slide52.xml><?xml version="1.0" encoding="utf-8"?>
+<p:sld xmlns:a="http://schemas.openxmlformats.org/drawingml/2006/main" xmlns:r="http://schemas.openxmlformats.org/officeDocument/2006/relationships" xmlns:p="http://schemas.openxmlformats.org/presentationml/2006/main">
+  <p:cSld>
+    <p:spTree>
+      <p:nvGrpSpPr>
+        <p:cNvPr id="1" name=""/>
+        <p:cNvGrpSpPr/>
+        <p:nvPr/>
+      </p:nvGrpSpPr>
+      <p:grpSpPr>
+        <a:xfrm>
+          <a:off x="0" y="0"/>
+          <a:ext cx="0" cy="0"/>
+          <a:chOff x="0" y="0"/>
+          <a:chExt cx="0" cy="0"/>
+        </a:xfrm>
+      </p:grpSpPr>
+      <p:sp>
+        <p:nvSpPr>
+          <p:cNvPr id="2" name="Titel 1"/>
+          <p:cNvSpPr>
+            <a:spLocks noGrp="1"/>
+          </p:cNvSpPr>
+          <p:nvPr>
+            <p:ph type="title"/>
+          </p:nvPr>
+        </p:nvSpPr>
+        <p:spPr/>
+        <p:txBody>
+          <a:bodyPr/>
+          <a:lstStyle/>
+          <a:p>
+            <a:r>
+              <a:rPr lang="en-US" dirty="0" smtClean="0"/>
+              <a:t>Touch sensor</a:t>
+            </a:r>
+            <a:endParaRPr lang="nl-NL" dirty="0"/>
+          </a:p>
+        </p:txBody>
+      </p:sp>
+      <p:sp>
+        <p:nvSpPr>
+          <p:cNvPr id="3" name="Tijdelijke aanduiding voor inhoud 2"/>
+          <p:cNvSpPr>
+            <a:spLocks noGrp="1"/>
+          </p:cNvSpPr>
+          <p:nvPr>
+            <p:ph idx="1"/>
+          </p:nvPr>
+        </p:nvSpPr>
+        <p:spPr/>
+        <p:txBody>
+          <a:bodyPr/>
+          <a:lstStyle/>
+          <a:p>
+            <a:endParaRPr lang="nl-NL"/>
+          </a:p>
+        </p:txBody>
+      </p:sp>
+      <p:sp>
+        <p:nvSpPr>
+          <p:cNvPr id="4" name="Tijdelijke aanduiding voor dianummer 3"/>
+          <p:cNvSpPr>
+            <a:spLocks noGrp="1"/>
+          </p:cNvSpPr>
+          <p:nvPr>
+            <p:ph type="sldNum" sz="quarter" idx="12"/>
+          </p:nvPr>
+        </p:nvSpPr>
+        <p:spPr/>
+        <p:txBody>
+          <a:bodyPr/>
+          <a:lstStyle/>
+          <a:p>
+            <a:fld id="{6802DAD7-DC19-4A9E-93C3-E71314786426}" type="slidenum">
+              <a:rPr lang="nl-NL" smtClean="0"/>
+              <a:pPr/>
+              <a:t>52</a:t>
+            </a:fld>
+            <a:endParaRPr lang="nl-NL" dirty="0"/>
+          </a:p>
+        </p:txBody>
+      </p:sp>
+    </p:spTree>
+  </p:cSld>
+  <p:clrMapOvr>
+    <a:masterClrMapping/>
+  </p:clrMapOvr>
+</p:sld>
+</file>
+
+<file path=ppt/slides/slide53.xml><?xml version="1.0" encoding="utf-8"?>
+<p:sld xmlns:a="http://schemas.openxmlformats.org/drawingml/2006/main" xmlns:r="http://schemas.openxmlformats.org/officeDocument/2006/relationships" xmlns:p="http://schemas.openxmlformats.org/presentationml/2006/main">
+  <p:cSld>
+    <p:spTree>
+      <p:nvGrpSpPr>
+        <p:cNvPr id="1" name=""/>
+        <p:cNvGrpSpPr/>
+        <p:nvPr/>
+      </p:nvGrpSpPr>
+      <p:grpSpPr>
+        <a:xfrm>
+          <a:off x="0" y="0"/>
+          <a:ext cx="0" cy="0"/>
+          <a:chOff x="0" y="0"/>
+          <a:chExt cx="0" cy="0"/>
+        </a:xfrm>
+      </p:grpSpPr>
+      <p:sp>
+        <p:nvSpPr>
+          <p:cNvPr id="2" name="Titel 1"/>
+          <p:cNvSpPr>
+            <a:spLocks noGrp="1"/>
+          </p:cNvSpPr>
+          <p:nvPr>
+            <p:ph type="title"/>
+          </p:nvPr>
+        </p:nvSpPr>
+        <p:spPr/>
+        <p:txBody>
+          <a:bodyPr/>
+          <a:lstStyle/>
+          <a:p>
+            <a:r>
+              <a:rPr lang="en-US" dirty="0" smtClean="0"/>
+              <a:t>Usage of </a:t>
+            </a:r>
+            <a:r>
+              <a:rPr lang="en-US" dirty="0" err="1" smtClean="0"/>
+              <a:t>ident</a:t>
+            </a:r>
+            <a:endParaRPr lang="nl-NL" dirty="0"/>
+          </a:p>
+        </p:txBody>
+      </p:sp>
+      <p:sp>
+        <p:nvSpPr>
+          <p:cNvPr id="3" name="Tijdelijke aanduiding voor inhoud 2"/>
+          <p:cNvSpPr>
+            <a:spLocks noGrp="1"/>
+          </p:cNvSpPr>
+          <p:nvPr>
+            <p:ph idx="1"/>
+          </p:nvPr>
+        </p:nvSpPr>
+        <p:spPr/>
+        <p:txBody>
+          <a:bodyPr/>
+          <a:lstStyle/>
+          <a:p>
+            <a:endParaRPr lang="nl-NL"/>
+          </a:p>
+        </p:txBody>
+      </p:sp>
+      <p:sp>
+        <p:nvSpPr>
+          <p:cNvPr id="4" name="Tijdelijke aanduiding voor dianummer 3"/>
+          <p:cNvSpPr>
+            <a:spLocks noGrp="1"/>
+          </p:cNvSpPr>
+          <p:nvPr>
+            <p:ph type="sldNum" sz="quarter" idx="12"/>
+          </p:nvPr>
+        </p:nvSpPr>
+        <p:spPr/>
+        <p:txBody>
+          <a:bodyPr/>
+          <a:lstStyle/>
+          <a:p>
+            <a:fld id="{6802DAD7-DC19-4A9E-93C3-E71314786426}" type="slidenum">
+              <a:rPr lang="nl-NL" smtClean="0"/>
+              <a:pPr/>
+              <a:t>53</a:t>
+            </a:fld>
+            <a:endParaRPr lang="nl-NL" dirty="0"/>
+          </a:p>
+        </p:txBody>
+      </p:sp>
+    </p:spTree>
+  </p:cSld>
+  <p:clrMapOvr>
+    <a:masterClrMapping/>
+  </p:clrMapOvr>
+</p:sld>
+</file>
+
+<file path=ppt/slides/slide54.xml><?xml version="1.0" encoding="utf-8"?>
+<p:sld xmlns:a="http://schemas.openxmlformats.org/drawingml/2006/main" xmlns:r="http://schemas.openxmlformats.org/officeDocument/2006/relationships" xmlns:p="http://schemas.openxmlformats.org/presentationml/2006/main">
+  <p:cSld>
+    <p:spTree>
+      <p:nvGrpSpPr>
+        <p:cNvPr id="1" name=""/>
+        <p:cNvGrpSpPr/>
+        <p:nvPr/>
+      </p:nvGrpSpPr>
+      <p:grpSpPr>
+        <a:xfrm>
+          <a:off x="0" y="0"/>
+          <a:ext cx="0" cy="0"/>
+          <a:chOff x="0" y="0"/>
+          <a:chExt cx="0" cy="0"/>
+        </a:xfrm>
+      </p:grpSpPr>
+      <p:sp>
+        <p:nvSpPr>
+          <p:cNvPr id="2" name="Titel 1"/>
+          <p:cNvSpPr>
+            <a:spLocks noGrp="1"/>
+          </p:cNvSpPr>
+          <p:nvPr>
+            <p:ph type="title"/>
+          </p:nvPr>
+        </p:nvSpPr>
+        <p:spPr/>
+        <p:txBody>
+          <a:bodyPr/>
+          <a:lstStyle/>
+          <a:p>
+            <a:r>
+              <a:rPr lang="en-US" dirty="0" smtClean="0"/>
+              <a:t>Control multiple </a:t>
+            </a:r>
+            <a:r>
+              <a:rPr lang="en-US" dirty="0" err="1" smtClean="0"/>
+              <a:t>Arduinos</a:t>
+            </a:r>
+            <a:endParaRPr lang="nl-NL" dirty="0"/>
+          </a:p>
+        </p:txBody>
+      </p:sp>
+      <p:sp>
+        <p:nvSpPr>
+          <p:cNvPr id="3" name="Tijdelijke aanduiding voor inhoud 2"/>
+          <p:cNvSpPr>
+            <a:spLocks noGrp="1"/>
+          </p:cNvSpPr>
+          <p:nvPr>
+            <p:ph idx="1"/>
+          </p:nvPr>
+        </p:nvSpPr>
+        <p:spPr/>
+        <p:txBody>
+          <a:bodyPr/>
+          <a:lstStyle/>
+          <a:p>
+            <a:endParaRPr lang="nl-NL"/>
+          </a:p>
+        </p:txBody>
+      </p:sp>
+      <p:sp>
+        <p:nvSpPr>
+          <p:cNvPr id="4" name="Tijdelijke aanduiding voor dianummer 3"/>
+          <p:cNvSpPr>
+            <a:spLocks noGrp="1"/>
+          </p:cNvSpPr>
+          <p:nvPr>
+            <p:ph type="sldNum" sz="quarter" idx="12"/>
+          </p:nvPr>
+        </p:nvSpPr>
+        <p:spPr/>
+        <p:txBody>
+          <a:bodyPr/>
+          <a:lstStyle/>
+          <a:p>
+            <a:fld id="{6802DAD7-DC19-4A9E-93C3-E71314786426}" type="slidenum">
+              <a:rPr lang="nl-NL" smtClean="0"/>
+              <a:pPr/>
+              <a:t>54</a:t>
+            </a:fld>
+            <a:endParaRPr lang="nl-NL" dirty="0"/>
+          </a:p>
+        </p:txBody>
+      </p:sp>
+    </p:spTree>
+  </p:cSld>
+  <p:clrMapOvr>
+    <a:masterClrMapping/>
+  </p:clrMapOvr>
+</p:sld>
+</file>
+
+<file path=ppt/slides/slide55.xml><?xml version="1.0" encoding="utf-8"?>
+<p:sld xmlns:a="http://schemas.openxmlformats.org/drawingml/2006/main" xmlns:r="http://schemas.openxmlformats.org/officeDocument/2006/relationships" xmlns:p="http://schemas.openxmlformats.org/presentationml/2006/main">
+  <p:cSld>
+    <p:spTree>
+      <p:nvGrpSpPr>
+        <p:cNvPr id="1" name=""/>
+        <p:cNvGrpSpPr/>
+        <p:nvPr/>
+      </p:nvGrpSpPr>
+      <p:grpSpPr>
+        <a:xfrm>
+          <a:off x="0" y="0"/>
+          <a:ext cx="0" cy="0"/>
+          <a:chOff x="0" y="0"/>
+          <a:chExt cx="0" cy="0"/>
+        </a:xfrm>
+      </p:grpSpPr>
+      <p:sp>
+        <p:nvSpPr>
+          <p:cNvPr id="2" name="Titel 1"/>
+          <p:cNvSpPr>
+            <a:spLocks noGrp="1"/>
+          </p:cNvSpPr>
+          <p:nvPr>
+            <p:ph type="title"/>
+          </p:nvPr>
+        </p:nvSpPr>
+        <p:spPr/>
+        <p:txBody>
+          <a:bodyPr/>
+          <a:lstStyle/>
+          <a:p>
+            <a:r>
+              <a:rPr lang="en-US" dirty="0" err="1" smtClean="0"/>
+              <a:t>Debouncing</a:t>
+            </a:r>
+            <a:endParaRPr lang="nl-NL" dirty="0"/>
+          </a:p>
+        </p:txBody>
+      </p:sp>
+      <p:sp>
+        <p:nvSpPr>
+          <p:cNvPr id="3" name="Tijdelijke aanduiding voor inhoud 2"/>
+          <p:cNvSpPr>
+            <a:spLocks noGrp="1"/>
+          </p:cNvSpPr>
+          <p:nvPr>
+            <p:ph idx="1"/>
+          </p:nvPr>
+        </p:nvSpPr>
+        <p:spPr/>
+        <p:txBody>
+          <a:bodyPr/>
+          <a:lstStyle/>
+          <a:p>
+            <a:endParaRPr lang="nl-NL"/>
+          </a:p>
+        </p:txBody>
+      </p:sp>
+      <p:sp>
+        <p:nvSpPr>
+          <p:cNvPr id="4" name="Tijdelijke aanduiding voor dianummer 3"/>
+          <p:cNvSpPr>
+            <a:spLocks noGrp="1"/>
+          </p:cNvSpPr>
+          <p:nvPr>
+            <p:ph type="sldNum" sz="quarter" idx="12"/>
+          </p:nvPr>
+        </p:nvSpPr>
+        <p:spPr/>
+        <p:txBody>
+          <a:bodyPr/>
+          <a:lstStyle/>
+          <a:p>
+            <a:fld id="{6802DAD7-DC19-4A9E-93C3-E71314786426}" type="slidenum">
+              <a:rPr lang="nl-NL" smtClean="0"/>
+              <a:pPr/>
+              <a:t>55</a:t>
+            </a:fld>
+            <a:endParaRPr lang="nl-NL" dirty="0"/>
+          </a:p>
+        </p:txBody>
+      </p:sp>
+    </p:spTree>
+  </p:cSld>
+  <p:clrMapOvr>
+    <a:masterClrMapping/>
+  </p:clrMapOvr>
+</p:sld>
+</file>
+
+<file path=ppt/slides/slide56.xml><?xml version="1.0" encoding="utf-8"?>
+<p:sld xmlns:a="http://schemas.openxmlformats.org/drawingml/2006/main" xmlns:r="http://schemas.openxmlformats.org/officeDocument/2006/relationships" xmlns:p="http://schemas.openxmlformats.org/presentationml/2006/main">
+  <p:cSld>
+    <p:spTree>
+      <p:nvGrpSpPr>
+        <p:cNvPr id="1" name=""/>
+        <p:cNvGrpSpPr/>
+        <p:nvPr/>
+      </p:nvGrpSpPr>
+      <p:grpSpPr>
+        <a:xfrm>
+          <a:off x="0" y="0"/>
+          <a:ext cx="0" cy="0"/>
+          <a:chOff x="0" y="0"/>
+          <a:chExt cx="0" cy="0"/>
+        </a:xfrm>
+      </p:grpSpPr>
+      <p:sp>
+        <p:nvSpPr>
+          <p:cNvPr id="2" name="Titel 1"/>
+          <p:cNvSpPr>
+            <a:spLocks noGrp="1"/>
+          </p:cNvSpPr>
+          <p:nvPr>
+            <p:ph type="title"/>
+          </p:nvPr>
+        </p:nvSpPr>
+        <p:spPr/>
+        <p:txBody>
+          <a:bodyPr/>
+          <a:lstStyle/>
+          <a:p>
+            <a:r>
+              <a:rPr lang="en-US" dirty="0" smtClean="0"/>
+              <a:t>Power on self test</a:t>
+            </a:r>
+            <a:endParaRPr lang="nl-NL" dirty="0"/>
+          </a:p>
+        </p:txBody>
+      </p:sp>
+      <p:sp>
+        <p:nvSpPr>
+          <p:cNvPr id="3" name="Tijdelijke aanduiding voor inhoud 2"/>
+          <p:cNvSpPr>
+            <a:spLocks noGrp="1"/>
+          </p:cNvSpPr>
+          <p:nvPr>
+            <p:ph idx="1"/>
+          </p:nvPr>
+        </p:nvSpPr>
+        <p:spPr/>
+        <p:txBody>
+          <a:bodyPr/>
+          <a:lstStyle/>
+          <a:p>
+            <a:endParaRPr lang="nl-NL" dirty="0"/>
+          </a:p>
+        </p:txBody>
+      </p:sp>
+      <p:sp>
+        <p:nvSpPr>
+          <p:cNvPr id="4" name="Tijdelijke aanduiding voor dianummer 3"/>
+          <p:cNvSpPr>
+            <a:spLocks noGrp="1"/>
+          </p:cNvSpPr>
+          <p:nvPr>
+            <p:ph type="sldNum" sz="quarter" idx="12"/>
+          </p:nvPr>
+        </p:nvSpPr>
+        <p:spPr/>
+        <p:txBody>
+          <a:bodyPr/>
+          <a:lstStyle/>
+          <a:p>
+            <a:fld id="{6802DAD7-DC19-4A9E-93C3-E71314786426}" type="slidenum">
+              <a:rPr lang="nl-NL" smtClean="0"/>
+              <a:pPr/>
+              <a:t>56</a:t>
+            </a:fld>
+            <a:endParaRPr lang="nl-NL" dirty="0"/>
+          </a:p>
+        </p:txBody>
+      </p:sp>
+    </p:spTree>
+  </p:cSld>
+  <p:clrMapOvr>
+    <a:masterClrMapping/>
+  </p:clrMapOvr>
+</p:sld>
+</file>
+
+<file path=ppt/slides/slide57.xml><?xml version="1.0" encoding="utf-8"?>
+<p:sld xmlns:a="http://schemas.openxmlformats.org/drawingml/2006/main" xmlns:r="http://schemas.openxmlformats.org/officeDocument/2006/relationships" xmlns:p="http://schemas.openxmlformats.org/presentationml/2006/main">
+  <p:cSld>
+    <p:spTree>
+      <p:nvGrpSpPr>
+        <p:cNvPr id="1" name=""/>
+        <p:cNvGrpSpPr/>
+        <p:nvPr/>
+      </p:nvGrpSpPr>
+      <p:grpSpPr>
+        <a:xfrm>
+          <a:off x="0" y="0"/>
+          <a:ext cx="0" cy="0"/>
+          <a:chOff x="0" y="0"/>
+          <a:chExt cx="0" cy="0"/>
+        </a:xfrm>
+      </p:grpSpPr>
+      <p:sp>
+        <p:nvSpPr>
+          <p:cNvPr id="2" name="Titel 1"/>
+          <p:cNvSpPr>
+            <a:spLocks noGrp="1"/>
+          </p:cNvSpPr>
+          <p:nvPr>
+            <p:ph type="title"/>
+          </p:nvPr>
+        </p:nvSpPr>
+        <p:spPr/>
+        <p:txBody>
+          <a:bodyPr/>
+          <a:lstStyle/>
+          <a:p>
+            <a:r>
+              <a:rPr lang="en-US" dirty="0" smtClean="0"/>
+              <a:t>Can </a:t>
+            </a:r>
+            <a:r>
+              <a:rPr lang="en-US" dirty="0" err="1" smtClean="0"/>
+              <a:t>scratchClient</a:t>
+            </a:r>
+            <a:r>
+              <a:rPr lang="en-US" dirty="0" smtClean="0"/>
+              <a:t> do more?</a:t>
+            </a:r>
+            <a:endParaRPr lang="nl-NL" dirty="0"/>
+          </a:p>
+        </p:txBody>
+      </p:sp>
+      <p:sp>
+        <p:nvSpPr>
+          <p:cNvPr id="3" name="Tijdelijke aanduiding voor inhoud 2"/>
+          <p:cNvSpPr>
+            <a:spLocks noGrp="1"/>
+          </p:cNvSpPr>
+          <p:nvPr>
+            <p:ph idx="1"/>
+          </p:nvPr>
+        </p:nvSpPr>
+        <p:spPr/>
+        <p:txBody>
+          <a:bodyPr>
+            <a:normAutofit lnSpcReduction="10000"/>
+          </a:bodyPr>
+          <a:lstStyle/>
+          <a:p>
+            <a:r>
+              <a:rPr lang="en-US" dirty="0" smtClean="0"/>
+              <a:t>Yes!</a:t>
+            </a:r>
+          </a:p>
+          <a:p>
+            <a:r>
+              <a:rPr lang="en-US" dirty="0" smtClean="0"/>
+              <a:t>It can also let you configure and use the GPIO pins on the Raspberry Pi itself.</a:t>
+            </a:r>
+          </a:p>
+          <a:p>
+            <a:r>
+              <a:rPr lang="en-US" dirty="0" smtClean="0"/>
+              <a:t>However be aware:</a:t>
+            </a:r>
+          </a:p>
+          <a:p>
+            <a:pPr lvl="1"/>
+            <a:r>
+              <a:rPr lang="en-US" dirty="0" smtClean="0"/>
+              <a:t>There is no analog input on Raspberry Pi.</a:t>
+            </a:r>
+          </a:p>
+          <a:p>
+            <a:pPr lvl="1"/>
+            <a:r>
+              <a:rPr lang="en-US" dirty="0" smtClean="0"/>
+              <a:t>The pins are </a:t>
+            </a:r>
+            <a:r>
+              <a:rPr lang="en-US" b="1" i="1" dirty="0" smtClean="0"/>
+              <a:t>NOT </a:t>
+            </a:r>
+            <a:r>
+              <a:rPr lang="en-US" dirty="0" smtClean="0"/>
+              <a:t>5 Volt tolerant (max 3.3 Volt).</a:t>
+            </a:r>
+          </a:p>
+          <a:p>
+            <a:pPr lvl="1"/>
+            <a:r>
+              <a:rPr lang="en-US" dirty="0" smtClean="0"/>
+              <a:t>The max current per pin on Raspberry Pi is lower than on </a:t>
+            </a:r>
+            <a:r>
+              <a:rPr lang="en-US" dirty="0" err="1" smtClean="0"/>
+              <a:t>Arduino</a:t>
+            </a:r>
+            <a:r>
+              <a:rPr lang="en-US" dirty="0" smtClean="0"/>
+              <a:t>.</a:t>
+            </a:r>
+          </a:p>
+          <a:p>
+            <a:pPr lvl="1"/>
+            <a:r>
+              <a:rPr lang="en-US" dirty="0" smtClean="0"/>
+              <a:t>If you blow up an </a:t>
+            </a:r>
+            <a:r>
+              <a:rPr lang="en-US" dirty="0" err="1" smtClean="0"/>
+              <a:t>Arduino</a:t>
+            </a:r>
+            <a:r>
+              <a:rPr lang="en-US" dirty="0" smtClean="0"/>
+              <a:t> (clone), the cost is limited to a few euro.</a:t>
+            </a:r>
+          </a:p>
+          <a:p>
+            <a:pPr lvl="2"/>
+            <a:r>
+              <a:rPr lang="en-US" dirty="0" smtClean="0"/>
+              <a:t>A Raspberry Pi is much more expensive.</a:t>
+            </a:r>
+            <a:endParaRPr lang="nl-NL" dirty="0"/>
+          </a:p>
+        </p:txBody>
+      </p:sp>
+      <p:sp>
+        <p:nvSpPr>
+          <p:cNvPr id="4" name="Tijdelijke aanduiding voor dianummer 3"/>
+          <p:cNvSpPr>
+            <a:spLocks noGrp="1"/>
+          </p:cNvSpPr>
+          <p:nvPr>
+            <p:ph type="sldNum" sz="quarter" idx="12"/>
+          </p:nvPr>
+        </p:nvSpPr>
+        <p:spPr/>
+        <p:txBody>
+          <a:bodyPr/>
+          <a:lstStyle/>
+          <a:p>
+            <a:fld id="{6802DAD7-DC19-4A9E-93C3-E71314786426}" type="slidenum">
+              <a:rPr lang="nl-NL" smtClean="0"/>
+              <a:pPr/>
+              <a:t>57</a:t>
+            </a:fld>
+            <a:endParaRPr lang="nl-NL" dirty="0"/>
+          </a:p>
+        </p:txBody>
+      </p:sp>
+    </p:spTree>
+  </p:cSld>
+  <p:clrMapOvr>
+    <a:masterClrMapping/>
+  </p:clrMapOvr>
+</p:sld>
+</file>
+
+<file path=ppt/slides/slide58.xml><?xml version="1.0" encoding="utf-8"?>
+<p:sld xmlns:a="http://schemas.openxmlformats.org/drawingml/2006/main" xmlns:r="http://schemas.openxmlformats.org/officeDocument/2006/relationships" xmlns:p="http://schemas.openxmlformats.org/presentationml/2006/main">
+  <p:cSld>
+    <p:spTree>
+      <p:nvGrpSpPr>
+        <p:cNvPr id="1" name=""/>
+        <p:cNvGrpSpPr/>
+        <p:nvPr/>
+      </p:nvGrpSpPr>
+      <p:grpSpPr>
+        <a:xfrm>
+          <a:off x="0" y="0"/>
+          <a:ext cx="0" cy="0"/>
+          <a:chOff x="0" y="0"/>
+          <a:chExt cx="0" cy="0"/>
+        </a:xfrm>
+      </p:grpSpPr>
+      <p:sp>
+        <p:nvSpPr>
+          <p:cNvPr id="2" name="Titel 1"/>
+          <p:cNvSpPr>
+            <a:spLocks noGrp="1"/>
+          </p:cNvSpPr>
+          <p:nvPr>
+            <p:ph type="title"/>
+          </p:nvPr>
+        </p:nvSpPr>
+        <p:spPr/>
+        <p:txBody>
+          <a:bodyPr/>
+          <a:lstStyle/>
+          <a:p>
+            <a:r>
+              <a:rPr lang="en-US" dirty="0" smtClean="0"/>
+              <a:t>We love to hear from you</a:t>
+            </a:r>
+            <a:endParaRPr lang="nl-NL" dirty="0"/>
+          </a:p>
+        </p:txBody>
+      </p:sp>
+      <p:sp>
+        <p:nvSpPr>
+          <p:cNvPr id="3" name="Tijdelijke aanduiding voor inhoud 2"/>
+          <p:cNvSpPr>
+            <a:spLocks noGrp="1"/>
+          </p:cNvSpPr>
+          <p:nvPr>
+            <p:ph idx="1"/>
+          </p:nvPr>
+        </p:nvSpPr>
+        <p:spPr/>
+        <p:txBody>
+          <a:bodyPr/>
+          <a:lstStyle/>
+          <a:p>
+            <a:r>
+              <a:rPr lang="en-US" dirty="0" smtClean="0"/>
+              <a:t>If you have any questions or remarks about this workshop then send us an email:</a:t>
+            </a:r>
+          </a:p>
+          <a:p>
+            <a:pPr lvl="1"/>
+            <a:r>
+              <a:rPr lang="en-US" dirty="0" smtClean="0">
+                <a:hlinkClick r:id="rId2"/>
+              </a:rPr>
+              <a:t>hans.piam@hanselma.nl</a:t>
+            </a:r>
+            <a:endParaRPr lang="en-US" dirty="0" smtClean="0"/>
+          </a:p>
+          <a:p>
+            <a:pPr lvl="1"/>
+            <a:r>
+              <a:rPr lang="en-US" smtClean="0">
+                <a:hlinkClick r:id="rId3"/>
+              </a:rPr>
+              <a:t>heppg@web.de</a:t>
+            </a:r>
+            <a:endParaRPr lang="en-US" smtClean="0"/>
+          </a:p>
+        </p:txBody>
+      </p:sp>
+      <p:sp>
+        <p:nvSpPr>
+          <p:cNvPr id="4" name="Tijdelijke aanduiding voor dianummer 3"/>
+          <p:cNvSpPr>
+            <a:spLocks noGrp="1"/>
+          </p:cNvSpPr>
+          <p:nvPr>
+            <p:ph type="sldNum" sz="quarter" idx="12"/>
+          </p:nvPr>
+        </p:nvSpPr>
+        <p:spPr/>
+        <p:txBody>
+          <a:bodyPr/>
+          <a:lstStyle/>
+          <a:p>
+            <a:fld id="{6802DAD7-DC19-4A9E-93C3-E71314786426}" type="slidenum">
+              <a:rPr lang="nl-NL" smtClean="0"/>
+              <a:pPr/>
+              <a:t>58</a:t>
+            </a:fld>
             <a:endParaRPr lang="nl-NL" dirty="0"/>
           </a:p>
         </p:txBody>
@@ -11822,6 +14545,30 @@
           </a:p>
         </p:txBody>
       </p:sp>
+      <p:sp>
+        <p:nvSpPr>
+          <p:cNvPr id="4" name="Tijdelijke aanduiding voor dianummer 3"/>
+          <p:cNvSpPr>
+            <a:spLocks noGrp="1"/>
+          </p:cNvSpPr>
+          <p:nvPr>
+            <p:ph type="sldNum" sz="quarter" idx="12"/>
+          </p:nvPr>
+        </p:nvSpPr>
+        <p:spPr/>
+        <p:txBody>
+          <a:bodyPr/>
+          <a:lstStyle/>
+          <a:p>
+            <a:fld id="{6802DAD7-DC19-4A9E-93C3-E71314786426}" type="slidenum">
+              <a:rPr lang="nl-NL" smtClean="0"/>
+              <a:pPr/>
+              <a:t>7</a:t>
+            </a:fld>
+            <a:endParaRPr lang="nl-NL" dirty="0"/>
+          </a:p>
+        </p:txBody>
+      </p:sp>
     </p:spTree>
   </p:cSld>
   <p:clrMapOvr>
@@ -11908,13 +14655,8 @@
           <a:p>
             <a:r>
               <a:rPr lang="en-US" dirty="0" smtClean="0"/>
-              <a:t>Always put a resistor in series with the </a:t>
-            </a:r>
-            <a:r>
-              <a:rPr lang="en-US" dirty="0" smtClean="0"/>
-              <a:t>components when indicated.</a:t>
-            </a:r>
-            <a:endParaRPr lang="en-US" dirty="0" smtClean="0"/>
+              <a:t>Always put a resistor in series with the components when indicated.</a:t>
+            </a:r>
           </a:p>
           <a:p>
             <a:pPr lvl="1"/>
@@ -12188,6 +14930,30 @@
           </a:ln>
         </p:spPr>
       </p:pic>
+      <p:sp>
+        <p:nvSpPr>
+          <p:cNvPr id="9" name="Tijdelijke aanduiding voor dianummer 8"/>
+          <p:cNvSpPr>
+            <a:spLocks noGrp="1"/>
+          </p:cNvSpPr>
+          <p:nvPr>
+            <p:ph type="sldNum" sz="quarter" idx="12"/>
+          </p:nvPr>
+        </p:nvSpPr>
+        <p:spPr/>
+        <p:txBody>
+          <a:bodyPr/>
+          <a:lstStyle/>
+          <a:p>
+            <a:fld id="{6802DAD7-DC19-4A9E-93C3-E71314786426}" type="slidenum">
+              <a:rPr lang="nl-NL" smtClean="0"/>
+              <a:pPr/>
+              <a:t>8</a:t>
+            </a:fld>
+            <a:endParaRPr lang="nl-NL" dirty="0"/>
+          </a:p>
+        </p:txBody>
+      </p:sp>
     </p:spTree>
   </p:cSld>
   <p:clrMapOvr>
